--- a/archinstall.pptx
+++ b/archinstall.pptx
@@ -1,8 +1,8 @@
 
 <file path=ppt/presentation.xml><?xml version="1.0" encoding="utf-8"?>
-<p:presentation xmlns:a="http://schemas.openxmlformats.org/drawingml/2006/main" xmlns:p="http://schemas.openxmlformats.org/presentationml/2006/main" xmlns:r="http://schemas.openxmlformats.org/officeDocument/2006/relationships" autoCompressPictures="0" saveSubsetFonts="1">
+<p:presentation xmlns:a="http://schemas.openxmlformats.org/drawingml/2006/main" xmlns:r="http://schemas.openxmlformats.org/officeDocument/2006/relationships" xmlns:p="http://schemas.openxmlformats.org/presentationml/2006/main" saveSubsetFonts="1" autoCompressPictures="0">
   <p:sldMasterIdLst>
-    <p:sldMasterId id="2147483648" r:id="rId1"/>
+    <p:sldMasterId id="2147483720" r:id="rId1"/>
   </p:sldMasterIdLst>
   <p:sldIdLst>
     <p:sldId id="256" r:id="rId2"/>
@@ -36,8 +36,8 @@
     <a:defPPr>
       <a:defRPr lang="en-US"/>
     </a:defPPr>
-    <a:lvl1pPr algn="l" defTabSz="457200" eaLnBrk="1" hangingPunct="1" latinLnBrk="0" marL="0" rtl="0">
-      <a:defRPr kern="1200" sz="1800">
+    <a:lvl1pPr marL="0" algn="l" defTabSz="457200" rtl="0" eaLnBrk="1" latinLnBrk="0" hangingPunct="1">
+      <a:defRPr sz="1800" kern="1200">
         <a:solidFill>
           <a:schemeClr val="tx1"/>
         </a:solidFill>
@@ -46,8 +46,8 @@
         <a:cs typeface="+mn-cs"/>
       </a:defRPr>
     </a:lvl1pPr>
-    <a:lvl2pPr algn="l" defTabSz="457200" eaLnBrk="1" hangingPunct="1" latinLnBrk="0" marL="457200" rtl="0">
-      <a:defRPr kern="1200" sz="1800">
+    <a:lvl2pPr marL="457200" algn="l" defTabSz="457200" rtl="0" eaLnBrk="1" latinLnBrk="0" hangingPunct="1">
+      <a:defRPr sz="1800" kern="1200">
         <a:solidFill>
           <a:schemeClr val="tx1"/>
         </a:solidFill>
@@ -56,8 +56,8 @@
         <a:cs typeface="+mn-cs"/>
       </a:defRPr>
     </a:lvl2pPr>
-    <a:lvl3pPr algn="l" defTabSz="457200" eaLnBrk="1" hangingPunct="1" latinLnBrk="0" marL="914400" rtl="0">
-      <a:defRPr kern="1200" sz="1800">
+    <a:lvl3pPr marL="914400" algn="l" defTabSz="457200" rtl="0" eaLnBrk="1" latinLnBrk="0" hangingPunct="1">
+      <a:defRPr sz="1800" kern="1200">
         <a:solidFill>
           <a:schemeClr val="tx1"/>
         </a:solidFill>
@@ -66,8 +66,8 @@
         <a:cs typeface="+mn-cs"/>
       </a:defRPr>
     </a:lvl3pPr>
-    <a:lvl4pPr algn="l" defTabSz="457200" eaLnBrk="1" hangingPunct="1" latinLnBrk="0" marL="1371600" rtl="0">
-      <a:defRPr kern="1200" sz="1800">
+    <a:lvl4pPr marL="1371600" algn="l" defTabSz="457200" rtl="0" eaLnBrk="1" latinLnBrk="0" hangingPunct="1">
+      <a:defRPr sz="1800" kern="1200">
         <a:solidFill>
           <a:schemeClr val="tx1"/>
         </a:solidFill>
@@ -76,8 +76,8 @@
         <a:cs typeface="+mn-cs"/>
       </a:defRPr>
     </a:lvl4pPr>
-    <a:lvl5pPr algn="l" defTabSz="457200" eaLnBrk="1" hangingPunct="1" latinLnBrk="0" marL="1828800" rtl="0">
-      <a:defRPr kern="1200" sz="1800">
+    <a:lvl5pPr marL="1828800" algn="l" defTabSz="457200" rtl="0" eaLnBrk="1" latinLnBrk="0" hangingPunct="1">
+      <a:defRPr sz="1800" kern="1200">
         <a:solidFill>
           <a:schemeClr val="tx1"/>
         </a:solidFill>
@@ -86,8 +86,8 @@
         <a:cs typeface="+mn-cs"/>
       </a:defRPr>
     </a:lvl5pPr>
-    <a:lvl6pPr algn="l" defTabSz="457200" eaLnBrk="1" hangingPunct="1" latinLnBrk="0" marL="2286000" rtl="0">
-      <a:defRPr kern="1200" sz="1800">
+    <a:lvl6pPr marL="2286000" algn="l" defTabSz="457200" rtl="0" eaLnBrk="1" latinLnBrk="0" hangingPunct="1">
+      <a:defRPr sz="1800" kern="1200">
         <a:solidFill>
           <a:schemeClr val="tx1"/>
         </a:solidFill>
@@ -96,8 +96,8 @@
         <a:cs typeface="+mn-cs"/>
       </a:defRPr>
     </a:lvl6pPr>
-    <a:lvl7pPr algn="l" defTabSz="457200" eaLnBrk="1" hangingPunct="1" latinLnBrk="0" marL="2743200" rtl="0">
-      <a:defRPr kern="1200" sz="1800">
+    <a:lvl7pPr marL="2743200" algn="l" defTabSz="457200" rtl="0" eaLnBrk="1" latinLnBrk="0" hangingPunct="1">
+      <a:defRPr sz="1800" kern="1200">
         <a:solidFill>
           <a:schemeClr val="tx1"/>
         </a:solidFill>
@@ -106,8 +106,8 @@
         <a:cs typeface="+mn-cs"/>
       </a:defRPr>
     </a:lvl7pPr>
-    <a:lvl8pPr algn="l" defTabSz="457200" eaLnBrk="1" hangingPunct="1" latinLnBrk="0" marL="3200400" rtl="0">
-      <a:defRPr kern="1200" sz="1800">
+    <a:lvl8pPr marL="3200400" algn="l" defTabSz="457200" rtl="0" eaLnBrk="1" latinLnBrk="0" hangingPunct="1">
+      <a:defRPr sz="1800" kern="1200">
         <a:solidFill>
           <a:schemeClr val="tx1"/>
         </a:solidFill>
@@ -116,8 +116,8 @@
         <a:cs typeface="+mn-cs"/>
       </a:defRPr>
     </a:lvl8pPr>
-    <a:lvl9pPr algn="l" defTabSz="457200" eaLnBrk="1" hangingPunct="1" latinLnBrk="0" marL="3657600" rtl="0">
-      <a:defRPr kern="1200" sz="1800">
+    <a:lvl9pPr marL="3657600" algn="l" defTabSz="457200" rtl="0" eaLnBrk="1" latinLnBrk="0" hangingPunct="1">
+      <a:defRPr sz="1800" kern="1200">
         <a:solidFill>
           <a:schemeClr val="tx1"/>
         </a:solidFill>
@@ -146,8 +146,16 @@
 </p:presentation>
 </file>
 
+<file path=ppt/revisionInfo.xml><?xml version="1.0" encoding="utf-8"?>
+<p1510:revInfo xmlns:a="http://schemas.openxmlformats.org/drawingml/2006/main" xmlns:r="http://schemas.openxmlformats.org/officeDocument/2006/relationships" xmlns:p1510="http://schemas.microsoft.com/office/powerpoint/2015/10/main">
+  <p1510:revLst>
+    <p1510:client id="{42AEF4B4-0F4C-DC99-C900-7E5E0002F8F1}" v="46" dt="2024-11-13T21:38:30.835"/>
+  </p1510:revLst>
+</p1510:revInfo>
+</file>
+
 <file path=ppt/slideLayouts/slideLayout1.xml><?xml version="1.0" encoding="utf-8"?>
-<p:sldLayout xmlns:a="http://schemas.openxmlformats.org/drawingml/2006/main" xmlns:r="http://schemas.openxmlformats.org/officeDocument/2006/relationships" xmlns:p="http://schemas.openxmlformats.org/presentationml/2006/main" type="title" preserve="1">
+<p:sldLayout xmlns:a="http://schemas.openxmlformats.org/drawingml/2006/main" xmlns:r="http://schemas.openxmlformats.org/officeDocument/2006/relationships" xmlns:p="http://schemas.openxmlformats.org/presentationml/2006/main" showMasterSp="0" type="title" preserve="1">
   <p:cSld name="Title Slide">
     <p:spTree>
       <p:nvGrpSpPr>
@@ -165,144 +173,191 @@
       </p:grpSpPr>
       <p:sp>
         <p:nvSpPr>
-          <p:cNvPr id="2" name="Title 1"/>
-          <p:cNvSpPr>
-            <a:spLocks noGrp="1"/>
-          </p:cNvSpPr>
-          <p:nvPr>
-            <p:ph type="ctrTitle"/>
-          </p:nvPr>
+          <p:cNvPr id="7" name="Rectangle 6"/>
+          <p:cNvSpPr/>
+          <p:nvPr/>
         </p:nvSpPr>
         <p:spPr>
           <a:xfrm>
-            <a:off x="685800" y="1597819"/>
-            <a:ext cx="7772400" cy="1102519"/>
+            <a:off x="2382" y="4800600"/>
+            <a:ext cx="9141619" cy="342900"/>
+          </a:xfrm>
+          <a:prstGeom prst="rect">
+            <a:avLst/>
+          </a:prstGeom>
+          <a:solidFill>
+            <a:schemeClr val="accent1">
+              <a:lumMod val="75000"/>
+            </a:schemeClr>
+          </a:solidFill>
+          <a:ln>
+            <a:noFill/>
+          </a:ln>
+        </p:spPr>
+        <p:style>
+          <a:lnRef idx="2">
+            <a:schemeClr val="accent1">
+              <a:shade val="50000"/>
+            </a:schemeClr>
+          </a:lnRef>
+          <a:fillRef idx="1">
+            <a:schemeClr val="accent1"/>
+          </a:fillRef>
+          <a:effectRef idx="0">
+            <a:schemeClr val="accent1"/>
+          </a:effectRef>
+          <a:fontRef idx="minor">
+            <a:schemeClr val="lt1"/>
+          </a:fontRef>
+        </p:style>
+      </p:sp>
+      <p:sp>
+        <p:nvSpPr>
+          <p:cNvPr id="8" name="Rectangle 7"/>
+          <p:cNvSpPr/>
+          <p:nvPr/>
+        </p:nvSpPr>
+        <p:spPr>
+          <a:xfrm>
+            <a:off x="12" y="4750737"/>
+            <a:ext cx="9141619" cy="48006"/>
+          </a:xfrm>
+          <a:prstGeom prst="rect">
+            <a:avLst/>
+          </a:prstGeom>
+          <a:solidFill>
+            <a:schemeClr val="accent1"/>
+          </a:solidFill>
+          <a:ln>
+            <a:noFill/>
+          </a:ln>
+        </p:spPr>
+        <p:style>
+          <a:lnRef idx="2">
+            <a:schemeClr val="accent1">
+              <a:shade val="50000"/>
+            </a:schemeClr>
+          </a:lnRef>
+          <a:fillRef idx="1">
+            <a:schemeClr val="accent1"/>
+          </a:fillRef>
+          <a:effectRef idx="0">
+            <a:schemeClr val="accent1"/>
+          </a:effectRef>
+          <a:fontRef idx="minor">
+            <a:schemeClr val="lt1"/>
+          </a:fontRef>
+        </p:style>
+      </p:sp>
+      <p:sp>
+        <p:nvSpPr>
+          <p:cNvPr id="2" name="Title 1"/>
+          <p:cNvSpPr>
+            <a:spLocks noGrp="1"/>
+          </p:cNvSpPr>
+          <p:nvPr>
+            <p:ph type="ctrTitle"/>
+          </p:nvPr>
+        </p:nvSpPr>
+        <p:spPr>
+          <a:xfrm>
+            <a:off x="822960" y="569214"/>
+            <a:ext cx="7543800" cy="2674620"/>
           </a:xfrm>
         </p:spPr>
         <p:txBody>
-          <a:bodyPr/>
-          <a:lstStyle/>
-          <a:p>
-            <a:r>
-              <a:rPr lang="en-US"/>
-              <a:t>Click to edit Master title style</a:t>
-            </a:r>
-          </a:p>
-        </p:txBody>
-      </p:sp>
-      <p:sp>
-        <p:nvSpPr>
-          <p:cNvPr id="3" name="Subtitle 2"/>
-          <p:cNvSpPr>
-            <a:spLocks noGrp="1"/>
-          </p:cNvSpPr>
-          <p:nvPr>
-            <p:ph type="subTitle" idx="1"/>
-          </p:nvPr>
-        </p:nvSpPr>
-        <p:spPr>
-          <a:xfrm>
-            <a:off x="1371600" y="2914650"/>
-            <a:ext cx="6400800" cy="1314450"/>
-          </a:xfrm>
-        </p:spPr>
-        <p:txBody>
-          <a:bodyPr/>
+          <a:bodyPr anchor="b">
+            <a:normAutofit/>
+          </a:bodyPr>
           <a:lstStyle>
-            <a:lvl1pPr marL="0" indent="0" algn="ctr">
-              <a:buNone/>
-              <a:defRPr>
+            <a:lvl1pPr algn="l">
+              <a:lnSpc>
+                <a:spcPct val="85000"/>
+              </a:lnSpc>
+              <a:defRPr sz="14222" spc="-89" baseline="0">
                 <a:solidFill>
                   <a:schemeClr val="tx1">
-                    <a:tint val="75000"/>
+                    <a:lumMod val="85000"/>
+                    <a:lumOff val="15000"/>
                   </a:schemeClr>
                 </a:solidFill>
               </a:defRPr>
             </a:lvl1pPr>
-            <a:lvl2pPr marL="342900" indent="0" algn="ctr">
-              <a:buNone/>
-              <a:defRPr>
+          </a:lstStyle>
+          <a:p>
+            <a:r>
+              <a:rPr lang="en-US" dirty="0"/>
+              <a:t>Click to edit Master title style</a:t>
+            </a:r>
+          </a:p>
+        </p:txBody>
+      </p:sp>
+      <p:sp>
+        <p:nvSpPr>
+          <p:cNvPr id="3" name="Subtitle 2"/>
+          <p:cNvSpPr>
+            <a:spLocks noGrp="1"/>
+          </p:cNvSpPr>
+          <p:nvPr>
+            <p:ph type="subTitle" idx="1"/>
+          </p:nvPr>
+        </p:nvSpPr>
+        <p:spPr>
+          <a:xfrm>
+            <a:off x="825038" y="3341716"/>
+            <a:ext cx="7543800" cy="857250"/>
+          </a:xfrm>
+        </p:spPr>
+        <p:txBody>
+          <a:bodyPr lIns="91440" rIns="91440">
+            <a:normAutofit/>
+          </a:bodyPr>
+          <a:lstStyle>
+            <a:lvl1pPr marL="0" indent="0" algn="l">
+              <a:buNone/>
+              <a:defRPr sz="4267" cap="all" spc="356" baseline="0">
                 <a:solidFill>
-                  <a:schemeClr val="tx1">
-                    <a:tint val="75000"/>
-                  </a:schemeClr>
+                  <a:schemeClr val="tx2"/>
                 </a:solidFill>
+                <a:latin typeface="+mj-lt"/>
               </a:defRPr>
+            </a:lvl1pPr>
+            <a:lvl2pPr marL="812810" indent="0" algn="ctr">
+              <a:buNone/>
+              <a:defRPr sz="4267"/>
             </a:lvl2pPr>
-            <a:lvl3pPr marL="685800" indent="0" algn="ctr">
-              <a:buNone/>
-              <a:defRPr>
-                <a:solidFill>
-                  <a:schemeClr val="tx1">
-                    <a:tint val="75000"/>
-                  </a:schemeClr>
-                </a:solidFill>
-              </a:defRPr>
+            <a:lvl3pPr marL="1625620" indent="0" algn="ctr">
+              <a:buNone/>
+              <a:defRPr sz="4267"/>
             </a:lvl3pPr>
-            <a:lvl4pPr marL="1028700" indent="0" algn="ctr">
-              <a:buNone/>
-              <a:defRPr>
-                <a:solidFill>
-                  <a:schemeClr val="tx1">
-                    <a:tint val="75000"/>
-                  </a:schemeClr>
-                </a:solidFill>
-              </a:defRPr>
+            <a:lvl4pPr marL="2438430" indent="0" algn="ctr">
+              <a:buNone/>
+              <a:defRPr sz="3556"/>
             </a:lvl4pPr>
-            <a:lvl5pPr marL="1371600" indent="0" algn="ctr">
-              <a:buNone/>
-              <a:defRPr>
-                <a:solidFill>
-                  <a:schemeClr val="tx1">
-                    <a:tint val="75000"/>
-                  </a:schemeClr>
-                </a:solidFill>
-              </a:defRPr>
+            <a:lvl5pPr marL="3251241" indent="0" algn="ctr">
+              <a:buNone/>
+              <a:defRPr sz="3556"/>
             </a:lvl5pPr>
-            <a:lvl6pPr marL="1714500" indent="0" algn="ctr">
-              <a:buNone/>
-              <a:defRPr>
-                <a:solidFill>
-                  <a:schemeClr val="tx1">
-                    <a:tint val="75000"/>
-                  </a:schemeClr>
-                </a:solidFill>
-              </a:defRPr>
+            <a:lvl6pPr marL="4064051" indent="0" algn="ctr">
+              <a:buNone/>
+              <a:defRPr sz="3556"/>
             </a:lvl6pPr>
-            <a:lvl7pPr marL="2057400" indent="0" algn="ctr">
-              <a:buNone/>
-              <a:defRPr>
-                <a:solidFill>
-                  <a:schemeClr val="tx1">
-                    <a:tint val="75000"/>
-                  </a:schemeClr>
-                </a:solidFill>
-              </a:defRPr>
+            <a:lvl7pPr marL="4876861" indent="0" algn="ctr">
+              <a:buNone/>
+              <a:defRPr sz="3556"/>
             </a:lvl7pPr>
-            <a:lvl8pPr marL="2400300" indent="0" algn="ctr">
-              <a:buNone/>
-              <a:defRPr>
-                <a:solidFill>
-                  <a:schemeClr val="tx1">
-                    <a:tint val="75000"/>
-                  </a:schemeClr>
-                </a:solidFill>
-              </a:defRPr>
+            <a:lvl8pPr marL="5689671" indent="0" algn="ctr">
+              <a:buNone/>
+              <a:defRPr sz="3556"/>
             </a:lvl8pPr>
-            <a:lvl9pPr marL="2743200" indent="0" algn="ctr">
-              <a:buNone/>
-              <a:defRPr>
-                <a:solidFill>
-                  <a:schemeClr val="tx1">
-                    <a:tint val="75000"/>
-                  </a:schemeClr>
-                </a:solidFill>
-              </a:defRPr>
+            <a:lvl9pPr marL="6502481" indent="0" algn="ctr">
+              <a:buNone/>
+              <a:defRPr sz="3556"/>
             </a:lvl9pPr>
           </a:lstStyle>
           <a:p>
             <a:r>
-              <a:rPr lang="en-US"/>
+              <a:rPr lang="en-US" dirty="0"/>
               <a:t>Click to edit Master subtitle style</a:t>
             </a:r>
           </a:p>
@@ -323,11 +378,11 @@
           <a:bodyPr/>
           <a:lstStyle/>
           <a:p>
-            <a:fld id="{241EB5C9-1307-BA42-ABA2-0BC069CD8E7F}" type="datetimeFigureOut">
-              <a:rPr lang="en-US" smtClean="0"/>
-              <a:t>1/2/22</a:t>
+            <a:fld id="{96DFF08F-DC6B-4601-B491-B0F83F6DD2DA}" type="datetimeFigureOut">
+              <a:rPr lang="en-US" dirty="0"/>
+              <a:t>11/13/2024</a:t>
             </a:fld>
-            <a:endParaRPr lang="en-US"/>
+            <a:endParaRPr lang="en-US" dirty="0"/>
           </a:p>
         </p:txBody>
       </p:sp>
@@ -346,7 +401,7 @@
           <a:bodyPr/>
           <a:lstStyle/>
           <a:p>
-            <a:endParaRPr lang="en-US"/>
+            <a:endParaRPr lang="en-US" dirty="0"/>
           </a:p>
         </p:txBody>
       </p:sp>
@@ -365,18 +420,56 @@
           <a:bodyPr/>
           <a:lstStyle/>
           <a:p>
-            <a:fld id="{C5EF2332-01BF-834F-8236-50238282D533}" type="slidenum">
-              <a:rPr lang="en-US" smtClean="0"/>
+            <a:fld id="{4FAB73BC-B049-4115-A692-8D63A059BFB8}" type="slidenum">
+              <a:rPr lang="en-US" dirty="0"/>
               <a:t>‹#›</a:t>
             </a:fld>
-            <a:endParaRPr lang="en-US"/>
-          </a:p>
-        </p:txBody>
-      </p:sp>
+            <a:endParaRPr lang="en-US" dirty="0"/>
+          </a:p>
+        </p:txBody>
+      </p:sp>
+      <p:cxnSp>
+        <p:nvCxnSpPr>
+          <p:cNvPr id="9" name="Straight Connector 8"/>
+          <p:cNvCxnSpPr/>
+          <p:nvPr/>
+        </p:nvCxnSpPr>
+        <p:spPr>
+          <a:xfrm>
+            <a:off x="905744" y="3257550"/>
+            <a:ext cx="7406640" cy="0"/>
+          </a:xfrm>
+          <a:prstGeom prst="line">
+            <a:avLst/>
+          </a:prstGeom>
+          <a:ln w="6350">
+            <a:solidFill>
+              <a:schemeClr val="tx1">
+                <a:lumMod val="50000"/>
+                <a:lumOff val="50000"/>
+              </a:schemeClr>
+            </a:solidFill>
+          </a:ln>
+        </p:spPr>
+        <p:style>
+          <a:lnRef idx="1">
+            <a:schemeClr val="accent1"/>
+          </a:lnRef>
+          <a:fillRef idx="0">
+            <a:schemeClr val="accent1"/>
+          </a:fillRef>
+          <a:effectRef idx="0">
+            <a:schemeClr val="accent1"/>
+          </a:effectRef>
+          <a:fontRef idx="minor">
+            <a:schemeClr val="tx1"/>
+          </a:fontRef>
+        </p:style>
+      </p:cxnSp>
     </p:spTree>
     <p:extLst>
       <p:ext uri="{BB962C8B-B14F-4D97-AF65-F5344CB8AC3E}">
-        <p14:creationId xmlns:p14="http://schemas.microsoft.com/office/powerpoint/2010/main" val="1444357513"/>
+        <p14:creationId xmlns:p14="http://schemas.microsoft.com/office/powerpoint/2010/main" val="430712183"/>
       </p:ext>
     </p:extLst>
   </p:cSld>
@@ -419,7 +512,7 @@
           <a:lstStyle/>
           <a:p>
             <a:r>
-              <a:rPr lang="en-US"/>
+              <a:rPr lang="en-US" dirty="0"/>
               <a:t>Click to edit Master title style</a:t>
             </a:r>
           </a:p>
@@ -437,40 +530,40 @@
         </p:nvSpPr>
         <p:spPr/>
         <p:txBody>
-          <a:bodyPr vert="eaVert"/>
-          <a:lstStyle/>
-          <a:p>
-            <a:pPr lvl="0"/>
-            <a:r>
-              <a:rPr lang="en-US"/>
+          <a:bodyPr vert="eaVert" lIns="45720" tIns="0" rIns="45720" bIns="0"/>
+          <a:lstStyle/>
+          <a:p>
+            <a:pPr lvl="0"/>
+            <a:r>
+              <a:rPr lang="en-US" dirty="0"/>
               <a:t>Click to edit Master text styles</a:t>
             </a:r>
           </a:p>
           <a:p>
             <a:pPr lvl="1"/>
             <a:r>
-              <a:rPr lang="en-US"/>
+              <a:rPr lang="en-US" dirty="0"/>
               <a:t>Second level</a:t>
             </a:r>
           </a:p>
           <a:p>
             <a:pPr lvl="2"/>
             <a:r>
-              <a:rPr lang="en-US"/>
+              <a:rPr lang="en-US" dirty="0"/>
               <a:t>Third level</a:t>
             </a:r>
           </a:p>
           <a:p>
             <a:pPr lvl="3"/>
             <a:r>
-              <a:rPr lang="en-US"/>
+              <a:rPr lang="en-US" dirty="0"/>
               <a:t>Fourth level</a:t>
             </a:r>
           </a:p>
           <a:p>
             <a:pPr lvl="4"/>
             <a:r>
-              <a:rPr lang="en-US"/>
+              <a:rPr lang="en-US" dirty="0"/>
               <a:t>Fifth level</a:t>
             </a:r>
           </a:p>
@@ -491,11 +584,11 @@
           <a:bodyPr/>
           <a:lstStyle/>
           <a:p>
-            <a:fld id="{241EB5C9-1307-BA42-ABA2-0BC069CD8E7F}" type="datetimeFigureOut">
-              <a:rPr lang="en-US" smtClean="0"/>
-              <a:t>1/2/22</a:t>
+            <a:fld id="{96DFF08F-DC6B-4601-B491-B0F83F6DD2DA}" type="datetimeFigureOut">
+              <a:rPr lang="en-US" dirty="0"/>
+              <a:t>11/13/2024</a:t>
             </a:fld>
-            <a:endParaRPr lang="en-US"/>
+            <a:endParaRPr lang="en-US" dirty="0"/>
           </a:p>
         </p:txBody>
       </p:sp>
@@ -514,7 +607,7 @@
           <a:bodyPr/>
           <a:lstStyle/>
           <a:p>
-            <a:endParaRPr lang="en-US"/>
+            <a:endParaRPr lang="en-US" dirty="0"/>
           </a:p>
         </p:txBody>
       </p:sp>
@@ -533,18 +626,18 @@
           <a:bodyPr/>
           <a:lstStyle/>
           <a:p>
-            <a:fld id="{C5EF2332-01BF-834F-8236-50238282D533}" type="slidenum">
-              <a:rPr lang="en-US" smtClean="0"/>
+            <a:fld id="{4FAB73BC-B049-4115-A692-8D63A059BFB8}" type="slidenum">
+              <a:rPr lang="en-US" dirty="0"/>
               <a:t>‹#›</a:t>
             </a:fld>
-            <a:endParaRPr lang="en-US"/>
+            <a:endParaRPr lang="en-US" dirty="0"/>
           </a:p>
         </p:txBody>
       </p:sp>
     </p:spTree>
     <p:extLst>
       <p:ext uri="{BB962C8B-B14F-4D97-AF65-F5344CB8AC3E}">
-        <p14:creationId xmlns:p14="http://schemas.microsoft.com/office/powerpoint/2010/main" val="313914798"/>
+        <p14:creationId xmlns:p14="http://schemas.microsoft.com/office/powerpoint/2010/main" val="4203708081"/>
       </p:ext>
     </p:extLst>
   </p:cSld>
@@ -555,7 +648,7 @@
 </file>
 
 <file path=ppt/slideLayouts/slideLayout11.xml><?xml version="1.0" encoding="utf-8"?>
-<p:sldLayout xmlns:a="http://schemas.openxmlformats.org/drawingml/2006/main" xmlns:r="http://schemas.openxmlformats.org/officeDocument/2006/relationships" xmlns:p="http://schemas.openxmlformats.org/presentationml/2006/main" type="vertTitleAndTx" preserve="1">
+<p:sldLayout xmlns:a="http://schemas.openxmlformats.org/drawingml/2006/main" xmlns:r="http://schemas.openxmlformats.org/officeDocument/2006/relationships" xmlns:p="http://schemas.openxmlformats.org/presentationml/2006/main" showMasterSp="0" type="vertTitleAndTx" preserve="1">
   <p:cSld name="Vertical Title and Text">
     <p:spTree>
       <p:nvGrpSpPr>
@@ -573,18 +666,96 @@
       </p:grpSpPr>
       <p:sp>
         <p:nvSpPr>
-          <p:cNvPr id="2" name="Vertical Title 1"/>
-          <p:cNvSpPr>
-            <a:spLocks noGrp="1"/>
-          </p:cNvSpPr>
-          <p:nvPr>
-            <p:ph type="title" orient="vert"/>
-          </p:nvPr>
+          <p:cNvPr id="7" name="Rectangle 6"/>
+          <p:cNvSpPr/>
+          <p:nvPr/>
         </p:nvSpPr>
         <p:spPr>
           <a:xfrm>
-            <a:off x="6629400" y="205979"/>
-            <a:ext cx="2057400" cy="4388644"/>
+            <a:off x="2382" y="4800600"/>
+            <a:ext cx="9141619" cy="342900"/>
+          </a:xfrm>
+          <a:prstGeom prst="rect">
+            <a:avLst/>
+          </a:prstGeom>
+          <a:solidFill>
+            <a:schemeClr val="accent1">
+              <a:lumMod val="75000"/>
+            </a:schemeClr>
+          </a:solidFill>
+          <a:ln>
+            <a:noFill/>
+          </a:ln>
+        </p:spPr>
+        <p:style>
+          <a:lnRef idx="2">
+            <a:schemeClr val="accent1">
+              <a:shade val="50000"/>
+            </a:schemeClr>
+          </a:lnRef>
+          <a:fillRef idx="1">
+            <a:schemeClr val="accent1"/>
+          </a:fillRef>
+          <a:effectRef idx="0">
+            <a:schemeClr val="accent1"/>
+          </a:effectRef>
+          <a:fontRef idx="minor">
+            <a:schemeClr val="lt1"/>
+          </a:fontRef>
+        </p:style>
+      </p:sp>
+      <p:sp>
+        <p:nvSpPr>
+          <p:cNvPr id="8" name="Rectangle 7"/>
+          <p:cNvSpPr/>
+          <p:nvPr/>
+        </p:nvSpPr>
+        <p:spPr>
+          <a:xfrm>
+            <a:off x="12" y="4750737"/>
+            <a:ext cx="9141619" cy="48006"/>
+          </a:xfrm>
+          <a:prstGeom prst="rect">
+            <a:avLst/>
+          </a:prstGeom>
+          <a:solidFill>
+            <a:schemeClr val="accent1"/>
+          </a:solidFill>
+          <a:ln>
+            <a:noFill/>
+          </a:ln>
+        </p:spPr>
+        <p:style>
+          <a:lnRef idx="2">
+            <a:schemeClr val="accent1">
+              <a:shade val="50000"/>
+            </a:schemeClr>
+          </a:lnRef>
+          <a:fillRef idx="1">
+            <a:schemeClr val="accent1"/>
+          </a:fillRef>
+          <a:effectRef idx="0">
+            <a:schemeClr val="accent1"/>
+          </a:effectRef>
+          <a:fontRef idx="minor">
+            <a:schemeClr val="lt1"/>
+          </a:fontRef>
+        </p:style>
+      </p:sp>
+      <p:sp>
+        <p:nvSpPr>
+          <p:cNvPr id="2" name="Vertical Title 1"/>
+          <p:cNvSpPr>
+            <a:spLocks noGrp="1"/>
+          </p:cNvSpPr>
+          <p:nvPr>
+            <p:ph type="title" orient="vert"/>
+          </p:nvPr>
+        </p:nvSpPr>
+        <p:spPr>
+          <a:xfrm>
+            <a:off x="6543675" y="309226"/>
+            <a:ext cx="1971675" cy="4319924"/>
           </a:xfrm>
         </p:spPr>
         <p:txBody>
@@ -592,7 +763,7 @@
           <a:lstStyle/>
           <a:p>
             <a:r>
-              <a:rPr lang="en-US"/>
+              <a:rPr lang="en-US" dirty="0"/>
               <a:t>Click to edit Master title style</a:t>
             </a:r>
           </a:p>
@@ -610,45 +781,45 @@
         </p:nvSpPr>
         <p:spPr>
           <a:xfrm>
-            <a:off x="457200" y="205979"/>
-            <a:ext cx="6019800" cy="4388644"/>
+            <a:off x="628650" y="309226"/>
+            <a:ext cx="5800725" cy="4319924"/>
           </a:xfrm>
         </p:spPr>
         <p:txBody>
-          <a:bodyPr vert="eaVert"/>
-          <a:lstStyle/>
-          <a:p>
-            <a:pPr lvl="0"/>
-            <a:r>
-              <a:rPr lang="en-US"/>
+          <a:bodyPr vert="eaVert" lIns="45720" tIns="0" rIns="45720" bIns="0"/>
+          <a:lstStyle/>
+          <a:p>
+            <a:pPr lvl="0"/>
+            <a:r>
+              <a:rPr lang="en-US" dirty="0"/>
               <a:t>Click to edit Master text styles</a:t>
             </a:r>
           </a:p>
           <a:p>
             <a:pPr lvl="1"/>
             <a:r>
-              <a:rPr lang="en-US"/>
+              <a:rPr lang="en-US" dirty="0"/>
               <a:t>Second level</a:t>
             </a:r>
           </a:p>
           <a:p>
             <a:pPr lvl="2"/>
             <a:r>
-              <a:rPr lang="en-US"/>
+              <a:rPr lang="en-US" dirty="0"/>
               <a:t>Third level</a:t>
             </a:r>
           </a:p>
           <a:p>
             <a:pPr lvl="3"/>
             <a:r>
-              <a:rPr lang="en-US"/>
+              <a:rPr lang="en-US" dirty="0"/>
               <a:t>Fourth level</a:t>
             </a:r>
           </a:p>
           <a:p>
             <a:pPr lvl="4"/>
             <a:r>
-              <a:rPr lang="en-US"/>
+              <a:rPr lang="en-US" dirty="0"/>
               <a:t>Fifth level</a:t>
             </a:r>
           </a:p>
@@ -669,11 +840,11 @@
           <a:bodyPr/>
           <a:lstStyle/>
           <a:p>
-            <a:fld id="{241EB5C9-1307-BA42-ABA2-0BC069CD8E7F}" type="datetimeFigureOut">
-              <a:rPr lang="en-US" smtClean="0"/>
-              <a:t>1/2/22</a:t>
+            <a:fld id="{96DFF08F-DC6B-4601-B491-B0F83F6DD2DA}" type="datetimeFigureOut">
+              <a:rPr lang="en-US" dirty="0"/>
+              <a:t>11/13/2024</a:t>
             </a:fld>
-            <a:endParaRPr lang="en-US"/>
+            <a:endParaRPr lang="en-US" dirty="0"/>
           </a:p>
         </p:txBody>
       </p:sp>
@@ -692,7 +863,7 @@
           <a:bodyPr/>
           <a:lstStyle/>
           <a:p>
-            <a:endParaRPr lang="en-US"/>
+            <a:endParaRPr lang="en-US" dirty="0"/>
           </a:p>
         </p:txBody>
       </p:sp>
@@ -711,18 +882,18 @@
           <a:bodyPr/>
           <a:lstStyle/>
           <a:p>
-            <a:fld id="{C5EF2332-01BF-834F-8236-50238282D533}" type="slidenum">
-              <a:rPr lang="en-US" smtClean="0"/>
+            <a:fld id="{4FAB73BC-B049-4115-A692-8D63A059BFB8}" type="slidenum">
+              <a:rPr lang="en-US" dirty="0"/>
               <a:t>‹#›</a:t>
             </a:fld>
-            <a:endParaRPr lang="en-US"/>
+            <a:endParaRPr lang="en-US" dirty="0"/>
           </a:p>
         </p:txBody>
       </p:sp>
     </p:spTree>
     <p:extLst>
       <p:ext uri="{BB962C8B-B14F-4D97-AF65-F5344CB8AC3E}">
-        <p14:creationId xmlns:p14="http://schemas.microsoft.com/office/powerpoint/2010/main" val="2581529045"/>
+        <p14:creationId xmlns:p14="http://schemas.microsoft.com/office/powerpoint/2010/main" val="3783286537"/>
       </p:ext>
     </p:extLst>
   </p:cSld>
@@ -765,7 +936,7 @@
           <a:lstStyle/>
           <a:p>
             <a:r>
-              <a:rPr lang="en-US"/>
+              <a:rPr lang="en-US" dirty="0"/>
               <a:t>Click to edit Master title style</a:t>
             </a:r>
           </a:p>
@@ -788,35 +959,35 @@
           <a:p>
             <a:pPr lvl="0"/>
             <a:r>
-              <a:rPr lang="en-US"/>
+              <a:rPr lang="en-US" dirty="0"/>
               <a:t>Click to edit Master text styles</a:t>
             </a:r>
           </a:p>
           <a:p>
             <a:pPr lvl="1"/>
             <a:r>
-              <a:rPr lang="en-US"/>
+              <a:rPr lang="en-US" dirty="0"/>
               <a:t>Second level</a:t>
             </a:r>
           </a:p>
           <a:p>
             <a:pPr lvl="2"/>
             <a:r>
-              <a:rPr lang="en-US"/>
+              <a:rPr lang="en-US" dirty="0"/>
               <a:t>Third level</a:t>
             </a:r>
           </a:p>
           <a:p>
             <a:pPr lvl="3"/>
             <a:r>
-              <a:rPr lang="en-US"/>
+              <a:rPr lang="en-US" dirty="0"/>
               <a:t>Fourth level</a:t>
             </a:r>
           </a:p>
           <a:p>
             <a:pPr lvl="4"/>
             <a:r>
-              <a:rPr lang="en-US"/>
+              <a:rPr lang="en-US" dirty="0"/>
               <a:t>Fifth level</a:t>
             </a:r>
           </a:p>
@@ -837,11 +1008,11 @@
           <a:bodyPr/>
           <a:lstStyle/>
           <a:p>
-            <a:fld id="{241EB5C9-1307-BA42-ABA2-0BC069CD8E7F}" type="datetimeFigureOut">
-              <a:rPr lang="en-US" smtClean="0"/>
-              <a:t>1/2/22</a:t>
+            <a:fld id="{2A57D7DE-61AE-4BC6-A87E-9454F8FD646E}" type="datetimeFigureOut">
+              <a:rPr lang="en-US" dirty="0"/>
+              <a:t>11/13/2024</a:t>
             </a:fld>
-            <a:endParaRPr lang="en-US"/>
+            <a:endParaRPr lang="en-US" dirty="0"/>
           </a:p>
         </p:txBody>
       </p:sp>
@@ -860,7 +1031,7 @@
           <a:bodyPr/>
           <a:lstStyle/>
           <a:p>
-            <a:endParaRPr lang="en-US"/>
+            <a:endParaRPr lang="en-US" dirty="0"/>
           </a:p>
         </p:txBody>
       </p:sp>
@@ -879,18 +1050,18 @@
           <a:bodyPr/>
           <a:lstStyle/>
           <a:p>
-            <a:fld id="{C5EF2332-01BF-834F-8236-50238282D533}" type="slidenum">
-              <a:rPr lang="en-US" smtClean="0"/>
+            <a:fld id="{33AAA0FC-AF95-454C-A4E6-937690C7EEE5}" type="slidenum">
+              <a:rPr lang="en-US" dirty="0"/>
               <a:t>‹#›</a:t>
             </a:fld>
-            <a:endParaRPr lang="en-US"/>
+            <a:endParaRPr lang="en-US" dirty="0"/>
           </a:p>
         </p:txBody>
       </p:sp>
     </p:spTree>
     <p:extLst>
       <p:ext uri="{BB962C8B-B14F-4D97-AF65-F5344CB8AC3E}">
-        <p14:creationId xmlns:p14="http://schemas.microsoft.com/office/powerpoint/2010/main" val="338346009"/>
+        <p14:creationId xmlns:p14="http://schemas.microsoft.com/office/powerpoint/2010/main" val="2486325418"/>
       </p:ext>
     </p:extLst>
   </p:cSld>
@@ -901,7 +1072,7 @@
 </file>
 
 <file path=ppt/slideLayouts/slideLayout3.xml><?xml version="1.0" encoding="utf-8"?>
-<p:sldLayout xmlns:a="http://schemas.openxmlformats.org/drawingml/2006/main" xmlns:r="http://schemas.openxmlformats.org/officeDocument/2006/relationships" xmlns:p="http://schemas.openxmlformats.org/presentationml/2006/main" type="secHead" preserve="1">
+<p:sldLayout xmlns:a="http://schemas.openxmlformats.org/drawingml/2006/main" xmlns:r="http://schemas.openxmlformats.org/officeDocument/2006/relationships" xmlns:p="http://schemas.openxmlformats.org/presentationml/2006/main" showMasterSp="0" type="secHead" preserve="1">
   <p:cSld name="Section Header">
     <p:spTree>
       <p:nvGrpSpPr>
@@ -919,67 +1090,158 @@
       </p:grpSpPr>
       <p:sp>
         <p:nvSpPr>
-          <p:cNvPr id="2" name="Title 1"/>
-          <p:cNvSpPr>
-            <a:spLocks noGrp="1"/>
-          </p:cNvSpPr>
-          <p:nvPr>
-            <p:ph type="title"/>
-          </p:nvPr>
+          <p:cNvPr id="7" name="Rectangle 6"/>
+          <p:cNvSpPr/>
+          <p:nvPr/>
         </p:nvSpPr>
         <p:spPr>
           <a:xfrm>
-            <a:off x="722313" y="3305176"/>
-            <a:ext cx="7772400" cy="1021556"/>
+            <a:off x="2382" y="4800600"/>
+            <a:ext cx="9141619" cy="342900"/>
+          </a:xfrm>
+          <a:prstGeom prst="rect">
+            <a:avLst/>
+          </a:prstGeom>
+          <a:solidFill>
+            <a:schemeClr val="accent1">
+              <a:lumMod val="75000"/>
+            </a:schemeClr>
+          </a:solidFill>
+          <a:ln>
+            <a:noFill/>
+          </a:ln>
+        </p:spPr>
+        <p:style>
+          <a:lnRef idx="2">
+            <a:schemeClr val="accent1">
+              <a:shade val="50000"/>
+            </a:schemeClr>
+          </a:lnRef>
+          <a:fillRef idx="1">
+            <a:schemeClr val="accent1"/>
+          </a:fillRef>
+          <a:effectRef idx="0">
+            <a:schemeClr val="accent1"/>
+          </a:effectRef>
+          <a:fontRef idx="minor">
+            <a:schemeClr val="lt1"/>
+          </a:fontRef>
+        </p:style>
+      </p:sp>
+      <p:sp>
+        <p:nvSpPr>
+          <p:cNvPr id="8" name="Rectangle 7"/>
+          <p:cNvSpPr/>
+          <p:nvPr/>
+        </p:nvSpPr>
+        <p:spPr>
+          <a:xfrm>
+            <a:off x="12" y="4750737"/>
+            <a:ext cx="9141619" cy="48006"/>
+          </a:xfrm>
+          <a:prstGeom prst="rect">
+            <a:avLst/>
+          </a:prstGeom>
+          <a:solidFill>
+            <a:schemeClr val="accent1"/>
+          </a:solidFill>
+          <a:ln>
+            <a:noFill/>
+          </a:ln>
+        </p:spPr>
+        <p:style>
+          <a:lnRef idx="2">
+            <a:schemeClr val="accent1">
+              <a:shade val="50000"/>
+            </a:schemeClr>
+          </a:lnRef>
+          <a:fillRef idx="1">
+            <a:schemeClr val="accent1"/>
+          </a:fillRef>
+          <a:effectRef idx="0">
+            <a:schemeClr val="accent1"/>
+          </a:effectRef>
+          <a:fontRef idx="minor">
+            <a:schemeClr val="lt1"/>
+          </a:fontRef>
+        </p:style>
+      </p:sp>
+      <p:sp>
+        <p:nvSpPr>
+          <p:cNvPr id="2" name="Title 1"/>
+          <p:cNvSpPr>
+            <a:spLocks noGrp="1"/>
+          </p:cNvSpPr>
+          <p:nvPr>
+            <p:ph type="title"/>
+          </p:nvPr>
+        </p:nvSpPr>
+        <p:spPr>
+          <a:xfrm>
+            <a:off x="822960" y="569214"/>
+            <a:ext cx="7543800" cy="2674620"/>
           </a:xfrm>
         </p:spPr>
         <p:txBody>
-          <a:bodyPr anchor="t"/>
+          <a:bodyPr anchor="b" anchorCtr="0">
+            <a:normAutofit/>
+          </a:bodyPr>
           <a:lstStyle>
-            <a:lvl1pPr algn="l">
-              <a:defRPr sz="3000" b="1" cap="all"/>
-            </a:lvl1pPr>
-          </a:lstStyle>
-          <a:p>
-            <a:r>
-              <a:rPr lang="en-US"/>
-              <a:t>Click to edit Master title style</a:t>
-            </a:r>
-          </a:p>
-        </p:txBody>
-      </p:sp>
-      <p:sp>
-        <p:nvSpPr>
-          <p:cNvPr id="3" name="Text Placeholder 2"/>
-          <p:cNvSpPr>
-            <a:spLocks noGrp="1"/>
-          </p:cNvSpPr>
-          <p:nvPr>
-            <p:ph type="body" idx="1"/>
-          </p:nvPr>
-        </p:nvSpPr>
-        <p:spPr>
-          <a:xfrm>
-            <a:off x="722313" y="2180035"/>
-            <a:ext cx="7772400" cy="1125140"/>
-          </a:xfrm>
-        </p:spPr>
-        <p:txBody>
-          <a:bodyPr anchor="b"/>
-          <a:lstStyle>
-            <a:lvl1pPr marL="0" indent="0">
-              <a:buNone/>
-              <a:defRPr sz="1500">
+            <a:lvl1pPr>
+              <a:lnSpc>
+                <a:spcPct val="85000"/>
+              </a:lnSpc>
+              <a:defRPr sz="14222" b="0">
                 <a:solidFill>
                   <a:schemeClr val="tx1">
-                    <a:tint val="75000"/>
+                    <a:lumMod val="85000"/>
+                    <a:lumOff val="15000"/>
                   </a:schemeClr>
                 </a:solidFill>
               </a:defRPr>
             </a:lvl1pPr>
-            <a:lvl2pPr marL="342900" indent="0">
-              <a:buNone/>
-              <a:defRPr sz="1350">
+          </a:lstStyle>
+          <a:p>
+            <a:r>
+              <a:rPr lang="en-US" dirty="0"/>
+              <a:t>Click to edit Master title style</a:t>
+            </a:r>
+          </a:p>
+        </p:txBody>
+      </p:sp>
+      <p:sp>
+        <p:nvSpPr>
+          <p:cNvPr id="3" name="Text Placeholder 2"/>
+          <p:cNvSpPr>
+            <a:spLocks noGrp="1"/>
+          </p:cNvSpPr>
+          <p:nvPr>
+            <p:ph type="body" idx="1"/>
+          </p:nvPr>
+        </p:nvSpPr>
+        <p:spPr>
+          <a:xfrm>
+            <a:off x="822960" y="3339846"/>
+            <a:ext cx="7543800" cy="857250"/>
+          </a:xfrm>
+        </p:spPr>
+        <p:txBody>
+          <a:bodyPr lIns="91440" rIns="91440" anchor="t" anchorCtr="0">
+            <a:normAutofit/>
+          </a:bodyPr>
+          <a:lstStyle>
+            <a:lvl1pPr marL="0" indent="0">
+              <a:buNone/>
+              <a:defRPr sz="4267" cap="all" spc="356" baseline="0">
+                <a:solidFill>
+                  <a:schemeClr val="tx2"/>
+                </a:solidFill>
+                <a:latin typeface="+mj-lt"/>
+              </a:defRPr>
+            </a:lvl1pPr>
+            <a:lvl2pPr marL="812810" indent="0">
+              <a:buNone/>
+              <a:defRPr sz="3200">
                 <a:solidFill>
                   <a:schemeClr val="tx1">
                     <a:tint val="75000"/>
@@ -987,9 +1249,9 @@
                 </a:solidFill>
               </a:defRPr>
             </a:lvl2pPr>
-            <a:lvl3pPr marL="685800" indent="0">
-              <a:buNone/>
-              <a:defRPr sz="1200">
+            <a:lvl3pPr marL="1625620" indent="0">
+              <a:buNone/>
+              <a:defRPr sz="2844">
                 <a:solidFill>
                   <a:schemeClr val="tx1">
                     <a:tint val="75000"/>
@@ -997,9 +1259,9 @@
                 </a:solidFill>
               </a:defRPr>
             </a:lvl3pPr>
-            <a:lvl4pPr marL="1028700" indent="0">
-              <a:buNone/>
-              <a:defRPr sz="1050">
+            <a:lvl4pPr marL="2438430" indent="0">
+              <a:buNone/>
+              <a:defRPr sz="2489">
                 <a:solidFill>
                   <a:schemeClr val="tx1">
                     <a:tint val="75000"/>
@@ -1007,9 +1269,9 @@
                 </a:solidFill>
               </a:defRPr>
             </a:lvl4pPr>
-            <a:lvl5pPr marL="1371600" indent="0">
-              <a:buNone/>
-              <a:defRPr sz="1050">
+            <a:lvl5pPr marL="3251241" indent="0">
+              <a:buNone/>
+              <a:defRPr sz="2489">
                 <a:solidFill>
                   <a:schemeClr val="tx1">
                     <a:tint val="75000"/>
@@ -1017,9 +1279,9 @@
                 </a:solidFill>
               </a:defRPr>
             </a:lvl5pPr>
-            <a:lvl6pPr marL="1714500" indent="0">
-              <a:buNone/>
-              <a:defRPr sz="1050">
+            <a:lvl6pPr marL="4064051" indent="0">
+              <a:buNone/>
+              <a:defRPr sz="2489">
                 <a:solidFill>
                   <a:schemeClr val="tx1">
                     <a:tint val="75000"/>
@@ -1027,9 +1289,9 @@
                 </a:solidFill>
               </a:defRPr>
             </a:lvl6pPr>
-            <a:lvl7pPr marL="2057400" indent="0">
-              <a:buNone/>
-              <a:defRPr sz="1050">
+            <a:lvl7pPr marL="4876861" indent="0">
+              <a:buNone/>
+              <a:defRPr sz="2489">
                 <a:solidFill>
                   <a:schemeClr val="tx1">
                     <a:tint val="75000"/>
@@ -1037,9 +1299,9 @@
                 </a:solidFill>
               </a:defRPr>
             </a:lvl7pPr>
-            <a:lvl8pPr marL="2400300" indent="0">
-              <a:buNone/>
-              <a:defRPr sz="1050">
+            <a:lvl8pPr marL="5689671" indent="0">
+              <a:buNone/>
+              <a:defRPr sz="2489">
                 <a:solidFill>
                   <a:schemeClr val="tx1">
                     <a:tint val="75000"/>
@@ -1047,9 +1309,9 @@
                 </a:solidFill>
               </a:defRPr>
             </a:lvl8pPr>
-            <a:lvl9pPr marL="2743200" indent="0">
-              <a:buNone/>
-              <a:defRPr sz="1050">
+            <a:lvl9pPr marL="6502481" indent="0">
+              <a:buNone/>
+              <a:defRPr sz="2489">
                 <a:solidFill>
                   <a:schemeClr val="tx1">
                     <a:tint val="75000"/>
@@ -1061,7 +1323,7 @@
           <a:p>
             <a:pPr lvl="0"/>
             <a:r>
-              <a:rPr lang="en-US"/>
+              <a:rPr lang="en-US" dirty="0"/>
               <a:t>Click to edit Master text styles</a:t>
             </a:r>
           </a:p>
@@ -1082,11 +1344,11 @@
           <a:bodyPr/>
           <a:lstStyle/>
           <a:p>
-            <a:fld id="{241EB5C9-1307-BA42-ABA2-0BC069CD8E7F}" type="datetimeFigureOut">
-              <a:rPr lang="en-US" smtClean="0"/>
-              <a:t>1/2/22</a:t>
+            <a:fld id="{96DFF08F-DC6B-4601-B491-B0F83F6DD2DA}" type="datetimeFigureOut">
+              <a:rPr lang="en-US" dirty="0"/>
+              <a:t>11/13/2024</a:t>
             </a:fld>
-            <a:endParaRPr lang="en-US"/>
+            <a:endParaRPr lang="en-US" dirty="0"/>
           </a:p>
         </p:txBody>
       </p:sp>
@@ -1105,7 +1367,7 @@
           <a:bodyPr/>
           <a:lstStyle/>
           <a:p>
-            <a:endParaRPr lang="en-US"/>
+            <a:endParaRPr lang="en-US" dirty="0"/>
           </a:p>
         </p:txBody>
       </p:sp>
@@ -1124,18 +1386,56 @@
           <a:bodyPr/>
           <a:lstStyle/>
           <a:p>
-            <a:fld id="{C5EF2332-01BF-834F-8236-50238282D533}" type="slidenum">
-              <a:rPr lang="en-US" smtClean="0"/>
+            <a:fld id="{4FAB73BC-B049-4115-A692-8D63A059BFB8}" type="slidenum">
+              <a:rPr lang="en-US" dirty="0"/>
               <a:t>‹#›</a:t>
             </a:fld>
-            <a:endParaRPr lang="en-US"/>
-          </a:p>
-        </p:txBody>
-      </p:sp>
+            <a:endParaRPr lang="en-US" dirty="0"/>
+          </a:p>
+        </p:txBody>
+      </p:sp>
+      <p:cxnSp>
+        <p:nvCxnSpPr>
+          <p:cNvPr id="9" name="Straight Connector 8"/>
+          <p:cNvCxnSpPr/>
+          <p:nvPr/>
+        </p:nvCxnSpPr>
+        <p:spPr>
+          <a:xfrm>
+            <a:off x="905744" y="3257550"/>
+            <a:ext cx="7406640" cy="0"/>
+          </a:xfrm>
+          <a:prstGeom prst="line">
+            <a:avLst/>
+          </a:prstGeom>
+          <a:ln w="6350">
+            <a:solidFill>
+              <a:schemeClr val="tx1">
+                <a:lumMod val="50000"/>
+                <a:lumOff val="50000"/>
+              </a:schemeClr>
+            </a:solidFill>
+          </a:ln>
+        </p:spPr>
+        <p:style>
+          <a:lnRef idx="1">
+            <a:schemeClr val="accent1"/>
+          </a:lnRef>
+          <a:fillRef idx="0">
+            <a:schemeClr val="accent1"/>
+          </a:fillRef>
+          <a:effectRef idx="0">
+            <a:schemeClr val="accent1"/>
+          </a:effectRef>
+          <a:fontRef idx="minor">
+            <a:schemeClr val="tx1"/>
+          </a:fontRef>
+        </p:style>
+      </p:cxnSp>
     </p:spTree>
     <p:extLst>
       <p:ext uri="{BB962C8B-B14F-4D97-AF65-F5344CB8AC3E}">
-        <p14:creationId xmlns:p14="http://schemas.microsoft.com/office/powerpoint/2010/main" val="1073069076"/>
+        <p14:creationId xmlns:p14="http://schemas.microsoft.com/office/powerpoint/2010/main" val="2617273475"/>
       </p:ext>
     </p:extLst>
   </p:cSld>
@@ -1164,189 +1464,82 @@
       </p:grpSpPr>
       <p:sp>
         <p:nvSpPr>
-          <p:cNvPr id="2" name="Title 1"/>
+          <p:cNvPr id="8" name="Title 7"/>
           <p:cNvSpPr>
             <a:spLocks noGrp="1"/>
           </p:cNvSpPr>
           <p:nvPr>
             <p:ph type="title"/>
-          </p:nvPr>
-        </p:nvSpPr>
-        <p:spPr/>
-        <p:txBody>
-          <a:bodyPr/>
-          <a:lstStyle/>
-          <a:p>
-            <a:r>
-              <a:rPr lang="en-US"/>
-              <a:t>Click to edit Master title style</a:t>
-            </a:r>
-          </a:p>
-        </p:txBody>
-      </p:sp>
-      <p:sp>
-        <p:nvSpPr>
-          <p:cNvPr id="3" name="Content Placeholder 2"/>
-          <p:cNvSpPr>
-            <a:spLocks noGrp="1"/>
-          </p:cNvSpPr>
-          <p:nvPr>
-            <p:ph sz="half" idx="1"/>
           </p:nvPr>
         </p:nvSpPr>
         <p:spPr>
           <a:xfrm>
-            <a:off x="457200" y="1200151"/>
-            <a:ext cx="4038600" cy="3394472"/>
+            <a:off x="822960" y="214953"/>
+            <a:ext cx="7543800" cy="1088068"/>
           </a:xfrm>
         </p:spPr>
         <p:txBody>
           <a:bodyPr/>
-          <a:lstStyle>
-            <a:lvl1pPr>
-              <a:defRPr sz="2100"/>
-            </a:lvl1pPr>
-            <a:lvl2pPr>
-              <a:defRPr sz="1800"/>
-            </a:lvl2pPr>
-            <a:lvl3pPr>
-              <a:defRPr sz="1500"/>
-            </a:lvl3pPr>
-            <a:lvl4pPr>
-              <a:defRPr sz="1350"/>
-            </a:lvl4pPr>
-            <a:lvl5pPr>
-              <a:defRPr sz="1350"/>
-            </a:lvl5pPr>
-            <a:lvl6pPr>
-              <a:defRPr sz="1350"/>
-            </a:lvl6pPr>
-            <a:lvl7pPr>
-              <a:defRPr sz="1350"/>
-            </a:lvl7pPr>
-            <a:lvl8pPr>
-              <a:defRPr sz="1350"/>
-            </a:lvl8pPr>
-            <a:lvl9pPr>
-              <a:defRPr sz="1350"/>
-            </a:lvl9pPr>
-          </a:lstStyle>
-          <a:p>
-            <a:pPr lvl="0"/>
-            <a:r>
-              <a:rPr lang="en-US"/>
-              <a:t>Click to edit Master text styles</a:t>
-            </a:r>
-          </a:p>
-          <a:p>
-            <a:pPr lvl="1"/>
-            <a:r>
-              <a:rPr lang="en-US"/>
-              <a:t>Second level</a:t>
-            </a:r>
-          </a:p>
-          <a:p>
-            <a:pPr lvl="2"/>
-            <a:r>
-              <a:rPr lang="en-US"/>
-              <a:t>Third level</a:t>
-            </a:r>
-          </a:p>
-          <a:p>
-            <a:pPr lvl="3"/>
-            <a:r>
-              <a:rPr lang="en-US"/>
-              <a:t>Fourth level</a:t>
-            </a:r>
-          </a:p>
-          <a:p>
-            <a:pPr lvl="4"/>
-            <a:r>
-              <a:rPr lang="en-US"/>
-              <a:t>Fifth level</a:t>
-            </a:r>
-          </a:p>
-        </p:txBody>
-      </p:sp>
-      <p:sp>
-        <p:nvSpPr>
-          <p:cNvPr id="4" name="Content Placeholder 3"/>
-          <p:cNvSpPr>
-            <a:spLocks noGrp="1"/>
-          </p:cNvSpPr>
-          <p:nvPr>
-            <p:ph sz="half" idx="2"/>
+          <a:lstStyle/>
+          <a:p>
+            <a:r>
+              <a:rPr lang="en-US" dirty="0"/>
+              <a:t>Click to edit Master title style</a:t>
+            </a:r>
+          </a:p>
+        </p:txBody>
+      </p:sp>
+      <p:sp>
+        <p:nvSpPr>
+          <p:cNvPr id="3" name="Content Placeholder 2"/>
+          <p:cNvSpPr>
+            <a:spLocks noGrp="1"/>
+          </p:cNvSpPr>
+          <p:nvPr>
+            <p:ph sz="half" idx="1"/>
           </p:nvPr>
         </p:nvSpPr>
         <p:spPr>
           <a:xfrm>
-            <a:off x="4648200" y="1200151"/>
-            <a:ext cx="4038600" cy="3394472"/>
+            <a:off x="822959" y="1384301"/>
+            <a:ext cx="3703320" cy="3017519"/>
           </a:xfrm>
         </p:spPr>
         <p:txBody>
           <a:bodyPr/>
-          <a:lstStyle>
-            <a:lvl1pPr>
-              <a:defRPr sz="2100"/>
-            </a:lvl1pPr>
-            <a:lvl2pPr>
-              <a:defRPr sz="1800"/>
-            </a:lvl2pPr>
-            <a:lvl3pPr>
-              <a:defRPr sz="1500"/>
-            </a:lvl3pPr>
-            <a:lvl4pPr>
-              <a:defRPr sz="1350"/>
-            </a:lvl4pPr>
-            <a:lvl5pPr>
-              <a:defRPr sz="1350"/>
-            </a:lvl5pPr>
-            <a:lvl6pPr>
-              <a:defRPr sz="1350"/>
-            </a:lvl6pPr>
-            <a:lvl7pPr>
-              <a:defRPr sz="1350"/>
-            </a:lvl7pPr>
-            <a:lvl8pPr>
-              <a:defRPr sz="1350"/>
-            </a:lvl8pPr>
-            <a:lvl9pPr>
-              <a:defRPr sz="1350"/>
-            </a:lvl9pPr>
-          </a:lstStyle>
-          <a:p>
-            <a:pPr lvl="0"/>
-            <a:r>
-              <a:rPr lang="en-US"/>
+          <a:lstStyle/>
+          <a:p>
+            <a:pPr lvl="0"/>
+            <a:r>
+              <a:rPr lang="en-US" dirty="0"/>
               <a:t>Click to edit Master text styles</a:t>
             </a:r>
           </a:p>
           <a:p>
             <a:pPr lvl="1"/>
             <a:r>
-              <a:rPr lang="en-US"/>
+              <a:rPr lang="en-US" dirty="0"/>
               <a:t>Second level</a:t>
             </a:r>
           </a:p>
           <a:p>
             <a:pPr lvl="2"/>
             <a:r>
-              <a:rPr lang="en-US"/>
+              <a:rPr lang="en-US" dirty="0"/>
               <a:t>Third level</a:t>
             </a:r>
           </a:p>
           <a:p>
             <a:pPr lvl="3"/>
             <a:r>
-              <a:rPr lang="en-US"/>
+              <a:rPr lang="en-US" dirty="0"/>
               <a:t>Fourth level</a:t>
             </a:r>
           </a:p>
           <a:p>
             <a:pPr lvl="4"/>
             <a:r>
-              <a:rPr lang="en-US"/>
+              <a:rPr lang="en-US" dirty="0"/>
               <a:t>Fifth level</a:t>
             </a:r>
           </a:p>
@@ -1354,6 +1547,62 @@
       </p:sp>
       <p:sp>
         <p:nvSpPr>
+          <p:cNvPr id="4" name="Content Placeholder 3"/>
+          <p:cNvSpPr>
+            <a:spLocks noGrp="1"/>
+          </p:cNvSpPr>
+          <p:nvPr>
+            <p:ph sz="half" idx="2"/>
+          </p:nvPr>
+        </p:nvSpPr>
+        <p:spPr>
+          <a:xfrm>
+            <a:off x="4663440" y="1384301"/>
+            <a:ext cx="3703320" cy="3017520"/>
+          </a:xfrm>
+        </p:spPr>
+        <p:txBody>
+          <a:bodyPr/>
+          <a:lstStyle/>
+          <a:p>
+            <a:pPr lvl="0"/>
+            <a:r>
+              <a:rPr lang="en-US" dirty="0"/>
+              <a:t>Click to edit Master text styles</a:t>
+            </a:r>
+          </a:p>
+          <a:p>
+            <a:pPr lvl="1"/>
+            <a:r>
+              <a:rPr lang="en-US" dirty="0"/>
+              <a:t>Second level</a:t>
+            </a:r>
+          </a:p>
+          <a:p>
+            <a:pPr lvl="2"/>
+            <a:r>
+              <a:rPr lang="en-US" dirty="0"/>
+              <a:t>Third level</a:t>
+            </a:r>
+          </a:p>
+          <a:p>
+            <a:pPr lvl="3"/>
+            <a:r>
+              <a:rPr lang="en-US" dirty="0"/>
+              <a:t>Fourth level</a:t>
+            </a:r>
+          </a:p>
+          <a:p>
+            <a:pPr lvl="4"/>
+            <a:r>
+              <a:rPr lang="en-US" dirty="0"/>
+              <a:t>Fifth level</a:t>
+            </a:r>
+          </a:p>
+        </p:txBody>
+      </p:sp>
+      <p:sp>
+        <p:nvSpPr>
           <p:cNvPr id="5" name="Date Placeholder 4"/>
           <p:cNvSpPr>
             <a:spLocks noGrp="1"/>
@@ -1367,11 +1616,11 @@
           <a:bodyPr/>
           <a:lstStyle/>
           <a:p>
-            <a:fld id="{241EB5C9-1307-BA42-ABA2-0BC069CD8E7F}" type="datetimeFigureOut">
-              <a:rPr lang="en-US" smtClean="0"/>
-              <a:t>1/2/22</a:t>
+            <a:fld id="{96DFF08F-DC6B-4601-B491-B0F83F6DD2DA}" type="datetimeFigureOut">
+              <a:rPr lang="en-US" dirty="0"/>
+              <a:t>11/13/2024</a:t>
             </a:fld>
-            <a:endParaRPr lang="en-US"/>
+            <a:endParaRPr lang="en-US" dirty="0"/>
           </a:p>
         </p:txBody>
       </p:sp>
@@ -1390,7 +1639,7 @@
           <a:bodyPr/>
           <a:lstStyle/>
           <a:p>
-            <a:endParaRPr lang="en-US"/>
+            <a:endParaRPr lang="en-US" dirty="0"/>
           </a:p>
         </p:txBody>
       </p:sp>
@@ -1409,18 +1658,18 @@
           <a:bodyPr/>
           <a:lstStyle/>
           <a:p>
-            <a:fld id="{C5EF2332-01BF-834F-8236-50238282D533}" type="slidenum">
-              <a:rPr lang="en-US" smtClean="0"/>
+            <a:fld id="{4FAB73BC-B049-4115-A692-8D63A059BFB8}" type="slidenum">
+              <a:rPr lang="en-US" dirty="0"/>
               <a:t>‹#›</a:t>
             </a:fld>
-            <a:endParaRPr lang="en-US"/>
+            <a:endParaRPr lang="en-US" dirty="0"/>
           </a:p>
         </p:txBody>
       </p:sp>
     </p:spTree>
     <p:extLst>
       <p:ext uri="{BB962C8B-B14F-4D97-AF65-F5344CB8AC3E}">
-        <p14:creationId xmlns:p14="http://schemas.microsoft.com/office/powerpoint/2010/main" val="2619886245"/>
+        <p14:creationId xmlns:p14="http://schemas.microsoft.com/office/powerpoint/2010/main" val="3374775234"/>
       </p:ext>
     </p:extLst>
   </p:cSld>
@@ -1449,90 +1698,99 @@
       </p:grpSpPr>
       <p:sp>
         <p:nvSpPr>
-          <p:cNvPr id="2" name="Title 1"/>
+          <p:cNvPr id="10" name="Title 9"/>
           <p:cNvSpPr>
             <a:spLocks noGrp="1"/>
           </p:cNvSpPr>
           <p:nvPr>
             <p:ph type="title"/>
-          </p:nvPr>
-        </p:nvSpPr>
-        <p:spPr/>
-        <p:txBody>
-          <a:bodyPr/>
-          <a:lstStyle>
-            <a:lvl1pPr>
-              <a:defRPr/>
-            </a:lvl1pPr>
-          </a:lstStyle>
-          <a:p>
-            <a:r>
-              <a:rPr lang="en-US"/>
-              <a:t>Click to edit Master title style</a:t>
-            </a:r>
-          </a:p>
-        </p:txBody>
-      </p:sp>
-      <p:sp>
-        <p:nvSpPr>
-          <p:cNvPr id="3" name="Text Placeholder 2"/>
-          <p:cNvSpPr>
-            <a:spLocks noGrp="1"/>
-          </p:cNvSpPr>
-          <p:nvPr>
-            <p:ph type="body" idx="1"/>
           </p:nvPr>
         </p:nvSpPr>
         <p:spPr>
           <a:xfrm>
-            <a:off x="457200" y="1151335"/>
-            <a:ext cx="4040188" cy="479822"/>
+            <a:off x="822960" y="214953"/>
+            <a:ext cx="7543800" cy="1088068"/>
           </a:xfrm>
         </p:spPr>
         <p:txBody>
-          <a:bodyPr anchor="b"/>
+          <a:bodyPr/>
+          <a:lstStyle/>
+          <a:p>
+            <a:r>
+              <a:rPr lang="en-US" dirty="0"/>
+              <a:t>Click to edit Master title style</a:t>
+            </a:r>
+          </a:p>
+        </p:txBody>
+      </p:sp>
+      <p:sp>
+        <p:nvSpPr>
+          <p:cNvPr id="3" name="Text Placeholder 2"/>
+          <p:cNvSpPr>
+            <a:spLocks noGrp="1"/>
+          </p:cNvSpPr>
+          <p:nvPr>
+            <p:ph type="body" idx="1"/>
+          </p:nvPr>
+        </p:nvSpPr>
+        <p:spPr>
+          <a:xfrm>
+            <a:off x="822960" y="1384539"/>
+            <a:ext cx="3703320" cy="552212"/>
+          </a:xfrm>
+        </p:spPr>
+        <p:txBody>
+          <a:bodyPr lIns="91440" rIns="91440" anchor="ctr">
+            <a:normAutofit/>
+          </a:bodyPr>
           <a:lstStyle>
             <a:lvl1pPr marL="0" indent="0">
               <a:buNone/>
-              <a:defRPr sz="1800" b="1"/>
+              <a:defRPr sz="3556" b="0" cap="all" baseline="0">
+                <a:solidFill>
+                  <a:schemeClr val="tx2">
+                    <a:lumMod val="90000"/>
+                  </a:schemeClr>
+                </a:solidFill>
+              </a:defRPr>
             </a:lvl1pPr>
-            <a:lvl2pPr marL="342900" indent="0">
-              <a:buNone/>
-              <a:defRPr sz="1500" b="1"/>
+            <a:lvl2pPr marL="812810" indent="0">
+              <a:buNone/>
+              <a:defRPr sz="3556" b="1"/>
             </a:lvl2pPr>
-            <a:lvl3pPr marL="685800" indent="0">
-              <a:buNone/>
-              <a:defRPr sz="1350" b="1"/>
+            <a:lvl3pPr marL="1625620" indent="0">
+              <a:buNone/>
+              <a:defRPr sz="3200" b="1"/>
             </a:lvl3pPr>
-            <a:lvl4pPr marL="1028700" indent="0">
-              <a:buNone/>
-              <a:defRPr sz="1200" b="1"/>
+            <a:lvl4pPr marL="2438430" indent="0">
+              <a:buNone/>
+              <a:defRPr sz="2844" b="1"/>
             </a:lvl4pPr>
-            <a:lvl5pPr marL="1371600" indent="0">
-              <a:buNone/>
-              <a:defRPr sz="1200" b="1"/>
+            <a:lvl5pPr marL="3251241" indent="0">
+              <a:buNone/>
+              <a:defRPr sz="2844" b="1"/>
             </a:lvl5pPr>
-            <a:lvl6pPr marL="1714500" indent="0">
-              <a:buNone/>
-              <a:defRPr sz="1200" b="1"/>
+            <a:lvl6pPr marL="4064051" indent="0">
+              <a:buNone/>
+              <a:defRPr sz="2844" b="1"/>
             </a:lvl6pPr>
-            <a:lvl7pPr marL="2057400" indent="0">
-              <a:buNone/>
-              <a:defRPr sz="1200" b="1"/>
+            <a:lvl7pPr marL="4876861" indent="0">
+              <a:buNone/>
+              <a:defRPr sz="2844" b="1"/>
             </a:lvl7pPr>
-            <a:lvl8pPr marL="2400300" indent="0">
-              <a:buNone/>
-              <a:defRPr sz="1200" b="1"/>
+            <a:lvl8pPr marL="5689671" indent="0">
+              <a:buNone/>
+              <a:defRPr sz="2844" b="1"/>
             </a:lvl8pPr>
-            <a:lvl9pPr marL="2743200" indent="0">
-              <a:buNone/>
-              <a:defRPr sz="1200" b="1"/>
+            <a:lvl9pPr marL="6502481" indent="0">
+              <a:buNone/>
+              <a:defRPr sz="2844" b="1"/>
             </a:lvl9pPr>
           </a:lstStyle>
           <a:p>
             <a:pPr lvl="0"/>
             <a:r>
-              <a:rPr lang="en-US"/>
+              <a:rPr lang="en-US" dirty="0"/>
               <a:t>Click to edit Master text styles</a:t>
             </a:r>
           </a:p>
@@ -1550,222 +1808,174 @@
         </p:nvSpPr>
         <p:spPr>
           <a:xfrm>
-            <a:off x="457200" y="1631156"/>
-            <a:ext cx="4040188" cy="2963466"/>
+            <a:off x="822960" y="1936751"/>
+            <a:ext cx="3703320" cy="2533650"/>
           </a:xfrm>
         </p:spPr>
         <p:txBody>
           <a:bodyPr/>
+          <a:lstStyle/>
+          <a:p>
+            <a:pPr lvl="0"/>
+            <a:r>
+              <a:rPr lang="en-US" dirty="0"/>
+              <a:t>Click to edit Master text styles</a:t>
+            </a:r>
+          </a:p>
+          <a:p>
+            <a:pPr lvl="1"/>
+            <a:r>
+              <a:rPr lang="en-US" dirty="0"/>
+              <a:t>Second level</a:t>
+            </a:r>
+          </a:p>
+          <a:p>
+            <a:pPr lvl="2"/>
+            <a:r>
+              <a:rPr lang="en-US" dirty="0"/>
+              <a:t>Third level</a:t>
+            </a:r>
+          </a:p>
+          <a:p>
+            <a:pPr lvl="3"/>
+            <a:r>
+              <a:rPr lang="en-US" dirty="0"/>
+              <a:t>Fourth level</a:t>
+            </a:r>
+          </a:p>
+          <a:p>
+            <a:pPr lvl="4"/>
+            <a:r>
+              <a:rPr lang="en-US" dirty="0"/>
+              <a:t>Fifth level</a:t>
+            </a:r>
+          </a:p>
+        </p:txBody>
+      </p:sp>
+      <p:sp>
+        <p:nvSpPr>
+          <p:cNvPr id="5" name="Text Placeholder 4"/>
+          <p:cNvSpPr>
+            <a:spLocks noGrp="1"/>
+          </p:cNvSpPr>
+          <p:nvPr>
+            <p:ph type="body" sz="quarter" idx="3"/>
+          </p:nvPr>
+        </p:nvSpPr>
+        <p:spPr>
+          <a:xfrm>
+            <a:off x="4663440" y="1384539"/>
+            <a:ext cx="3703320" cy="552212"/>
+          </a:xfrm>
+        </p:spPr>
+        <p:txBody>
+          <a:bodyPr lIns="91440" rIns="91440" anchor="ctr">
+            <a:normAutofit/>
+          </a:bodyPr>
           <a:lstStyle>
-            <a:lvl1pPr>
-              <a:defRPr sz="1800"/>
+            <a:lvl1pPr marL="0" indent="0">
+              <a:buNone/>
+              <a:defRPr sz="3556" b="0" cap="all" baseline="0">
+                <a:solidFill>
+                  <a:schemeClr val="tx2">
+                    <a:lumMod val="90000"/>
+                  </a:schemeClr>
+                </a:solidFill>
+              </a:defRPr>
             </a:lvl1pPr>
-            <a:lvl2pPr>
-              <a:defRPr sz="1500"/>
+            <a:lvl2pPr marL="812810" indent="0">
+              <a:buNone/>
+              <a:defRPr sz="3556" b="1"/>
             </a:lvl2pPr>
-            <a:lvl3pPr>
-              <a:defRPr sz="1350"/>
+            <a:lvl3pPr marL="1625620" indent="0">
+              <a:buNone/>
+              <a:defRPr sz="3200" b="1"/>
             </a:lvl3pPr>
-            <a:lvl4pPr>
-              <a:defRPr sz="1200"/>
+            <a:lvl4pPr marL="2438430" indent="0">
+              <a:buNone/>
+              <a:defRPr sz="2844" b="1"/>
             </a:lvl4pPr>
-            <a:lvl5pPr>
-              <a:defRPr sz="1200"/>
+            <a:lvl5pPr marL="3251241" indent="0">
+              <a:buNone/>
+              <a:defRPr sz="2844" b="1"/>
             </a:lvl5pPr>
-            <a:lvl6pPr>
-              <a:defRPr sz="1200"/>
+            <a:lvl6pPr marL="4064051" indent="0">
+              <a:buNone/>
+              <a:defRPr sz="2844" b="1"/>
             </a:lvl6pPr>
-            <a:lvl7pPr>
-              <a:defRPr sz="1200"/>
+            <a:lvl7pPr marL="4876861" indent="0">
+              <a:buNone/>
+              <a:defRPr sz="2844" b="1"/>
             </a:lvl7pPr>
-            <a:lvl8pPr>
-              <a:defRPr sz="1200"/>
+            <a:lvl8pPr marL="5689671" indent="0">
+              <a:buNone/>
+              <a:defRPr sz="2844" b="1"/>
             </a:lvl8pPr>
-            <a:lvl9pPr>
-              <a:defRPr sz="1200"/>
+            <a:lvl9pPr marL="6502481" indent="0">
+              <a:buNone/>
+              <a:defRPr sz="2844" b="1"/>
             </a:lvl9pPr>
           </a:lstStyle>
           <a:p>
             <a:pPr lvl="0"/>
             <a:r>
-              <a:rPr lang="en-US"/>
+              <a:rPr lang="en-US" dirty="0"/>
               <a:t>Click to edit Master text styles</a:t>
             </a:r>
           </a:p>
-          <a:p>
-            <a:pPr lvl="1"/>
-            <a:r>
-              <a:rPr lang="en-US"/>
-              <a:t>Second level</a:t>
-            </a:r>
-          </a:p>
-          <a:p>
-            <a:pPr lvl="2"/>
-            <a:r>
-              <a:rPr lang="en-US"/>
-              <a:t>Third level</a:t>
-            </a:r>
-          </a:p>
-          <a:p>
-            <a:pPr lvl="3"/>
-            <a:r>
-              <a:rPr lang="en-US"/>
-              <a:t>Fourth level</a:t>
-            </a:r>
-          </a:p>
-          <a:p>
-            <a:pPr lvl="4"/>
-            <a:r>
-              <a:rPr lang="en-US"/>
-              <a:t>Fifth level</a:t>
-            </a:r>
-          </a:p>
-        </p:txBody>
-      </p:sp>
-      <p:sp>
-        <p:nvSpPr>
-          <p:cNvPr id="5" name="Text Placeholder 4"/>
-          <p:cNvSpPr>
-            <a:spLocks noGrp="1"/>
-          </p:cNvSpPr>
-          <p:nvPr>
-            <p:ph type="body" sz="quarter" idx="3"/>
+        </p:txBody>
+      </p:sp>
+      <p:sp>
+        <p:nvSpPr>
+          <p:cNvPr id="6" name="Content Placeholder 5"/>
+          <p:cNvSpPr>
+            <a:spLocks noGrp="1"/>
+          </p:cNvSpPr>
+          <p:nvPr>
+            <p:ph sz="quarter" idx="4"/>
           </p:nvPr>
         </p:nvSpPr>
         <p:spPr>
           <a:xfrm>
-            <a:off x="4645026" y="1151335"/>
-            <a:ext cx="4041775" cy="479822"/>
+            <a:off x="4663440" y="1936751"/>
+            <a:ext cx="3703320" cy="2533650"/>
           </a:xfrm>
         </p:spPr>
         <p:txBody>
-          <a:bodyPr anchor="b"/>
-          <a:lstStyle>
-            <a:lvl1pPr marL="0" indent="0">
-              <a:buNone/>
-              <a:defRPr sz="1800" b="1"/>
-            </a:lvl1pPr>
-            <a:lvl2pPr marL="342900" indent="0">
-              <a:buNone/>
-              <a:defRPr sz="1500" b="1"/>
-            </a:lvl2pPr>
-            <a:lvl3pPr marL="685800" indent="0">
-              <a:buNone/>
-              <a:defRPr sz="1350" b="1"/>
-            </a:lvl3pPr>
-            <a:lvl4pPr marL="1028700" indent="0">
-              <a:buNone/>
-              <a:defRPr sz="1200" b="1"/>
-            </a:lvl4pPr>
-            <a:lvl5pPr marL="1371600" indent="0">
-              <a:buNone/>
-              <a:defRPr sz="1200" b="1"/>
-            </a:lvl5pPr>
-            <a:lvl6pPr marL="1714500" indent="0">
-              <a:buNone/>
-              <a:defRPr sz="1200" b="1"/>
-            </a:lvl6pPr>
-            <a:lvl7pPr marL="2057400" indent="0">
-              <a:buNone/>
-              <a:defRPr sz="1200" b="1"/>
-            </a:lvl7pPr>
-            <a:lvl8pPr marL="2400300" indent="0">
-              <a:buNone/>
-              <a:defRPr sz="1200" b="1"/>
-            </a:lvl8pPr>
-            <a:lvl9pPr marL="2743200" indent="0">
-              <a:buNone/>
-              <a:defRPr sz="1200" b="1"/>
-            </a:lvl9pPr>
-          </a:lstStyle>
-          <a:p>
-            <a:pPr lvl="0"/>
-            <a:r>
-              <a:rPr lang="en-US"/>
+          <a:bodyPr/>
+          <a:lstStyle/>
+          <a:p>
+            <a:pPr lvl="0"/>
+            <a:r>
+              <a:rPr lang="en-US" dirty="0"/>
               <a:t>Click to edit Master text styles</a:t>
             </a:r>
           </a:p>
-        </p:txBody>
-      </p:sp>
-      <p:sp>
-        <p:nvSpPr>
-          <p:cNvPr id="6" name="Content Placeholder 5"/>
-          <p:cNvSpPr>
-            <a:spLocks noGrp="1"/>
-          </p:cNvSpPr>
-          <p:nvPr>
-            <p:ph sz="quarter" idx="4"/>
-          </p:nvPr>
-        </p:nvSpPr>
-        <p:spPr>
-          <a:xfrm>
-            <a:off x="4645026" y="1631156"/>
-            <a:ext cx="4041775" cy="2963466"/>
-          </a:xfrm>
-        </p:spPr>
-        <p:txBody>
-          <a:bodyPr/>
-          <a:lstStyle>
-            <a:lvl1pPr>
-              <a:defRPr sz="1800"/>
-            </a:lvl1pPr>
-            <a:lvl2pPr>
-              <a:defRPr sz="1500"/>
-            </a:lvl2pPr>
-            <a:lvl3pPr>
-              <a:defRPr sz="1350"/>
-            </a:lvl3pPr>
-            <a:lvl4pPr>
-              <a:defRPr sz="1200"/>
-            </a:lvl4pPr>
-            <a:lvl5pPr>
-              <a:defRPr sz="1200"/>
-            </a:lvl5pPr>
-            <a:lvl6pPr>
-              <a:defRPr sz="1200"/>
-            </a:lvl6pPr>
-            <a:lvl7pPr>
-              <a:defRPr sz="1200"/>
-            </a:lvl7pPr>
-            <a:lvl8pPr>
-              <a:defRPr sz="1200"/>
-            </a:lvl8pPr>
-            <a:lvl9pPr>
-              <a:defRPr sz="1200"/>
-            </a:lvl9pPr>
-          </a:lstStyle>
-          <a:p>
-            <a:pPr lvl="0"/>
-            <a:r>
-              <a:rPr lang="en-US"/>
-              <a:t>Click to edit Master text styles</a:t>
-            </a:r>
-          </a:p>
           <a:p>
             <a:pPr lvl="1"/>
             <a:r>
-              <a:rPr lang="en-US"/>
+              <a:rPr lang="en-US" dirty="0"/>
               <a:t>Second level</a:t>
             </a:r>
           </a:p>
           <a:p>
             <a:pPr lvl="2"/>
             <a:r>
-              <a:rPr lang="en-US"/>
+              <a:rPr lang="en-US" dirty="0"/>
               <a:t>Third level</a:t>
             </a:r>
           </a:p>
           <a:p>
             <a:pPr lvl="3"/>
             <a:r>
-              <a:rPr lang="en-US"/>
+              <a:rPr lang="en-US" dirty="0"/>
               <a:t>Fourth level</a:t>
             </a:r>
           </a:p>
           <a:p>
             <a:pPr lvl="4"/>
             <a:r>
-              <a:rPr lang="en-US"/>
+              <a:rPr lang="en-US" dirty="0"/>
               <a:t>Fifth level</a:t>
             </a:r>
           </a:p>
@@ -1786,11 +1996,11 @@
           <a:bodyPr/>
           <a:lstStyle/>
           <a:p>
-            <a:fld id="{241EB5C9-1307-BA42-ABA2-0BC069CD8E7F}" type="datetimeFigureOut">
-              <a:rPr lang="en-US" smtClean="0"/>
-              <a:t>1/2/22</a:t>
+            <a:fld id="{96DFF08F-DC6B-4601-B491-B0F83F6DD2DA}" type="datetimeFigureOut">
+              <a:rPr lang="en-US" dirty="0"/>
+              <a:t>11/13/2024</a:t>
             </a:fld>
-            <a:endParaRPr lang="en-US"/>
+            <a:endParaRPr lang="en-US" dirty="0"/>
           </a:p>
         </p:txBody>
       </p:sp>
@@ -1809,7 +2019,7 @@
           <a:bodyPr/>
           <a:lstStyle/>
           <a:p>
-            <a:endParaRPr lang="en-US"/>
+            <a:endParaRPr lang="en-US" dirty="0"/>
           </a:p>
         </p:txBody>
       </p:sp>
@@ -1828,18 +2038,18 @@
           <a:bodyPr/>
           <a:lstStyle/>
           <a:p>
-            <a:fld id="{C5EF2332-01BF-834F-8236-50238282D533}" type="slidenum">
-              <a:rPr lang="en-US" smtClean="0"/>
+            <a:fld id="{4FAB73BC-B049-4115-A692-8D63A059BFB8}" type="slidenum">
+              <a:rPr lang="en-US" dirty="0"/>
               <a:t>‹#›</a:t>
             </a:fld>
-            <a:endParaRPr lang="en-US"/>
+            <a:endParaRPr lang="en-US" dirty="0"/>
           </a:p>
         </p:txBody>
       </p:sp>
     </p:spTree>
     <p:extLst>
       <p:ext uri="{BB962C8B-B14F-4D97-AF65-F5344CB8AC3E}">
-        <p14:creationId xmlns:p14="http://schemas.microsoft.com/office/powerpoint/2010/main" val="2535793967"/>
+        <p14:creationId xmlns:p14="http://schemas.microsoft.com/office/powerpoint/2010/main" val="620359053"/>
       </p:ext>
     </p:extLst>
   </p:cSld>
@@ -1882,7 +2092,7 @@
           <a:lstStyle/>
           <a:p>
             <a:r>
-              <a:rPr lang="en-US"/>
+              <a:rPr lang="en-US" dirty="0"/>
               <a:t>Click to edit Master title style</a:t>
             </a:r>
           </a:p>
@@ -1903,11 +2113,11 @@
           <a:bodyPr/>
           <a:lstStyle/>
           <a:p>
-            <a:fld id="{241EB5C9-1307-BA42-ABA2-0BC069CD8E7F}" type="datetimeFigureOut">
-              <a:rPr lang="en-US" smtClean="0"/>
-              <a:t>1/2/22</a:t>
+            <a:fld id="{96DFF08F-DC6B-4601-B491-B0F83F6DD2DA}" type="datetimeFigureOut">
+              <a:rPr lang="en-US" dirty="0"/>
+              <a:t>11/13/2024</a:t>
             </a:fld>
-            <a:endParaRPr lang="en-US"/>
+            <a:endParaRPr lang="en-US" dirty="0"/>
           </a:p>
         </p:txBody>
       </p:sp>
@@ -1926,7 +2136,7 @@
           <a:bodyPr/>
           <a:lstStyle/>
           <a:p>
-            <a:endParaRPr lang="en-US"/>
+            <a:endParaRPr lang="en-US" dirty="0"/>
           </a:p>
         </p:txBody>
       </p:sp>
@@ -1945,18 +2155,18 @@
           <a:bodyPr/>
           <a:lstStyle/>
           <a:p>
-            <a:fld id="{C5EF2332-01BF-834F-8236-50238282D533}" type="slidenum">
-              <a:rPr lang="en-US" smtClean="0"/>
+            <a:fld id="{4FAB73BC-B049-4115-A692-8D63A059BFB8}" type="slidenum">
+              <a:rPr lang="en-US" dirty="0"/>
               <a:t>‹#›</a:t>
             </a:fld>
-            <a:endParaRPr lang="en-US"/>
+            <a:endParaRPr lang="en-US" dirty="0"/>
           </a:p>
         </p:txBody>
       </p:sp>
     </p:spTree>
     <p:extLst>
       <p:ext uri="{BB962C8B-B14F-4D97-AF65-F5344CB8AC3E}">
-        <p14:creationId xmlns:p14="http://schemas.microsoft.com/office/powerpoint/2010/main" val="3472721253"/>
+        <p14:creationId xmlns:p14="http://schemas.microsoft.com/office/powerpoint/2010/main" val="269747459"/>
       </p:ext>
     </p:extLst>
   </p:cSld>
@@ -1967,7 +2177,7 @@
 </file>
 
 <file path=ppt/slideLayouts/slideLayout7.xml><?xml version="1.0" encoding="utf-8"?>
-<p:sldLayout xmlns:a="http://schemas.openxmlformats.org/drawingml/2006/main" xmlns:r="http://schemas.openxmlformats.org/officeDocument/2006/relationships" xmlns:p="http://schemas.openxmlformats.org/presentationml/2006/main" type="blank" preserve="1">
+<p:sldLayout xmlns:a="http://schemas.openxmlformats.org/drawingml/2006/main" xmlns:r="http://schemas.openxmlformats.org/officeDocument/2006/relationships" xmlns:p="http://schemas.openxmlformats.org/presentationml/2006/main" showMasterSp="0" type="blank" preserve="1">
   <p:cSld name="Blank">
     <p:spTree>
       <p:nvGrpSpPr>
@@ -1985,7 +2195,85 @@
       </p:grpSpPr>
       <p:sp>
         <p:nvSpPr>
-          <p:cNvPr id="2" name="Date Placeholder 1"/>
+          <p:cNvPr id="5" name="Rectangle 4"/>
+          <p:cNvSpPr/>
+          <p:nvPr/>
+        </p:nvSpPr>
+        <p:spPr>
+          <a:xfrm>
+            <a:off x="2382" y="4800600"/>
+            <a:ext cx="9141619" cy="342900"/>
+          </a:xfrm>
+          <a:prstGeom prst="rect">
+            <a:avLst/>
+          </a:prstGeom>
+          <a:solidFill>
+            <a:schemeClr val="accent1">
+              <a:lumMod val="75000"/>
+            </a:schemeClr>
+          </a:solidFill>
+          <a:ln>
+            <a:noFill/>
+          </a:ln>
+        </p:spPr>
+        <p:style>
+          <a:lnRef idx="2">
+            <a:schemeClr val="accent1">
+              <a:shade val="50000"/>
+            </a:schemeClr>
+          </a:lnRef>
+          <a:fillRef idx="1">
+            <a:schemeClr val="accent1"/>
+          </a:fillRef>
+          <a:effectRef idx="0">
+            <a:schemeClr val="accent1"/>
+          </a:effectRef>
+          <a:fontRef idx="minor">
+            <a:schemeClr val="lt1"/>
+          </a:fontRef>
+        </p:style>
+      </p:sp>
+      <p:sp>
+        <p:nvSpPr>
+          <p:cNvPr id="6" name="Rectangle 5"/>
+          <p:cNvSpPr/>
+          <p:nvPr/>
+        </p:nvSpPr>
+        <p:spPr>
+          <a:xfrm>
+            <a:off x="12" y="4750737"/>
+            <a:ext cx="9141619" cy="48006"/>
+          </a:xfrm>
+          <a:prstGeom prst="rect">
+            <a:avLst/>
+          </a:prstGeom>
+          <a:solidFill>
+            <a:schemeClr val="accent1"/>
+          </a:solidFill>
+          <a:ln>
+            <a:noFill/>
+          </a:ln>
+        </p:spPr>
+        <p:style>
+          <a:lnRef idx="2">
+            <a:schemeClr val="accent1">
+              <a:shade val="50000"/>
+            </a:schemeClr>
+          </a:lnRef>
+          <a:fillRef idx="1">
+            <a:schemeClr val="accent1"/>
+          </a:fillRef>
+          <a:effectRef idx="0">
+            <a:schemeClr val="accent1"/>
+          </a:effectRef>
+          <a:fontRef idx="minor">
+            <a:schemeClr val="lt1"/>
+          </a:fontRef>
+        </p:style>
+      </p:sp>
+      <p:sp>
+        <p:nvSpPr>
+          <p:cNvPr id="7" name="Date Placeholder 6"/>
           <p:cNvSpPr>
             <a:spLocks noGrp="1"/>
           </p:cNvSpPr>
@@ -1998,17 +2286,18 @@
           <a:bodyPr/>
           <a:lstStyle/>
           <a:p>
-            <a:fld id="{241EB5C9-1307-BA42-ABA2-0BC069CD8E7F}" type="datetimeFigureOut">
-              <a:rPr lang="en-US" smtClean="0"/>
-              <a:t>1/2/22</a:t>
+            <a:fld id="{96DFF08F-DC6B-4601-B491-B0F83F6DD2DA}" type="datetimeFigureOut">
+              <a:rPr lang="en-US" dirty="0"/>
+              <a:pPr/>
+              <a:t>11/13/2024</a:t>
             </a:fld>
-            <a:endParaRPr lang="en-US"/>
-          </a:p>
-        </p:txBody>
-      </p:sp>
-      <p:sp>
-        <p:nvSpPr>
-          <p:cNvPr id="3" name="Footer Placeholder 2"/>
+            <a:endParaRPr lang="en-US" dirty="0"/>
+          </a:p>
+        </p:txBody>
+      </p:sp>
+      <p:sp>
+        <p:nvSpPr>
+          <p:cNvPr id="8" name="Footer Placeholder 7"/>
           <p:cNvSpPr>
             <a:spLocks noGrp="1"/>
           </p:cNvSpPr>
@@ -2019,15 +2308,23 @@
         <p:spPr/>
         <p:txBody>
           <a:bodyPr/>
-          <a:lstStyle/>
-          <a:p>
-            <a:endParaRPr lang="en-US"/>
-          </a:p>
-        </p:txBody>
-      </p:sp>
-      <p:sp>
-        <p:nvSpPr>
-          <p:cNvPr id="4" name="Slide Number Placeholder 3"/>
+          <a:lstStyle>
+            <a:lvl1pPr>
+              <a:defRPr>
+                <a:solidFill>
+                  <a:srgbClr val="FFFFFF"/>
+                </a:solidFill>
+              </a:defRPr>
+            </a:lvl1pPr>
+          </a:lstStyle>
+          <a:p>
+            <a:endParaRPr lang="en-US" dirty="0"/>
+          </a:p>
+        </p:txBody>
+      </p:sp>
+      <p:sp>
+        <p:nvSpPr>
+          <p:cNvPr id="9" name="Slide Number Placeholder 8"/>
           <p:cNvSpPr>
             <a:spLocks noGrp="1"/>
           </p:cNvSpPr>
@@ -2040,18 +2337,19 @@
           <a:bodyPr/>
           <a:lstStyle/>
           <a:p>
-            <a:fld id="{C5EF2332-01BF-834F-8236-50238282D533}" type="slidenum">
-              <a:rPr lang="en-US" smtClean="0"/>
+            <a:fld id="{4FAB73BC-B049-4115-A692-8D63A059BFB8}" type="slidenum">
+              <a:rPr lang="en-US" dirty="0"/>
+              <a:pPr/>
               <a:t>‹#›</a:t>
             </a:fld>
-            <a:endParaRPr lang="en-US"/>
+            <a:endParaRPr lang="en-US" dirty="0"/>
           </a:p>
         </p:txBody>
       </p:sp>
     </p:spTree>
     <p:extLst>
       <p:ext uri="{BB962C8B-B14F-4D97-AF65-F5344CB8AC3E}">
-        <p14:creationId xmlns:p14="http://schemas.microsoft.com/office/powerpoint/2010/main" val="2130901097"/>
+        <p14:creationId xmlns:p14="http://schemas.microsoft.com/office/powerpoint/2010/main" val="681559569"/>
       </p:ext>
     </p:extLst>
   </p:cSld>
@@ -2062,7 +2360,7 @@
 </file>
 
 <file path=ppt/slideLayouts/slideLayout8.xml><?xml version="1.0" encoding="utf-8"?>
-<p:sldLayout xmlns:a="http://schemas.openxmlformats.org/drawingml/2006/main" xmlns:r="http://schemas.openxmlformats.org/officeDocument/2006/relationships" xmlns:p="http://schemas.openxmlformats.org/presentationml/2006/main" type="objTx" preserve="1">
+<p:sldLayout xmlns:a="http://schemas.openxmlformats.org/drawingml/2006/main" xmlns:r="http://schemas.openxmlformats.org/officeDocument/2006/relationships" xmlns:p="http://schemas.openxmlformats.org/presentationml/2006/main" showMasterSp="0" type="objTx" preserve="1">
   <p:cSld name="Content with Caption">
     <p:spTree>
       <p:nvGrpSpPr>
@@ -2080,253 +2378,347 @@
       </p:grpSpPr>
       <p:sp>
         <p:nvSpPr>
-          <p:cNvPr id="2" name="Title 1"/>
-          <p:cNvSpPr>
-            <a:spLocks noGrp="1"/>
-          </p:cNvSpPr>
-          <p:nvPr>
-            <p:ph type="title"/>
-          </p:nvPr>
+          <p:cNvPr id="8" name="Rectangle 7"/>
+          <p:cNvSpPr/>
+          <p:nvPr/>
         </p:nvSpPr>
         <p:spPr>
           <a:xfrm>
-            <a:off x="457201" y="204787"/>
-            <a:ext cx="3008313" cy="871538"/>
+            <a:off x="1" y="0"/>
+            <a:ext cx="3038093" cy="5143500"/>
+          </a:xfrm>
+          <a:prstGeom prst="rect">
+            <a:avLst/>
+          </a:prstGeom>
+          <a:solidFill>
+            <a:schemeClr val="accent1">
+              <a:lumMod val="75000"/>
+            </a:schemeClr>
+          </a:solidFill>
+          <a:ln>
+            <a:noFill/>
+          </a:ln>
+        </p:spPr>
+        <p:style>
+          <a:lnRef idx="2">
+            <a:schemeClr val="accent1">
+              <a:shade val="50000"/>
+            </a:schemeClr>
+          </a:lnRef>
+          <a:fillRef idx="1">
+            <a:schemeClr val="accent1"/>
+          </a:fillRef>
+          <a:effectRef idx="0">
+            <a:schemeClr val="accent1"/>
+          </a:effectRef>
+          <a:fontRef idx="minor">
+            <a:schemeClr val="lt1"/>
+          </a:fontRef>
+        </p:style>
+      </p:sp>
+      <p:sp>
+        <p:nvSpPr>
+          <p:cNvPr id="9" name="Rectangle 8"/>
+          <p:cNvSpPr/>
+          <p:nvPr/>
+        </p:nvSpPr>
+        <p:spPr>
+          <a:xfrm>
+            <a:off x="3030053" y="0"/>
+            <a:ext cx="48006" cy="5143500"/>
+          </a:xfrm>
+          <a:prstGeom prst="rect">
+            <a:avLst/>
+          </a:prstGeom>
+          <a:solidFill>
+            <a:schemeClr val="accent1"/>
+          </a:solidFill>
+          <a:ln>
+            <a:noFill/>
+          </a:ln>
+        </p:spPr>
+        <p:style>
+          <a:lnRef idx="2">
+            <a:schemeClr val="accent1">
+              <a:shade val="50000"/>
+            </a:schemeClr>
+          </a:lnRef>
+          <a:fillRef idx="1">
+            <a:schemeClr val="accent1"/>
+          </a:fillRef>
+          <a:effectRef idx="0">
+            <a:schemeClr val="accent1"/>
+          </a:effectRef>
+          <a:fontRef idx="minor">
+            <a:schemeClr val="lt1"/>
+          </a:fontRef>
+        </p:style>
+      </p:sp>
+      <p:sp>
+        <p:nvSpPr>
+          <p:cNvPr id="2" name="Title 1"/>
+          <p:cNvSpPr>
+            <a:spLocks noGrp="1"/>
+          </p:cNvSpPr>
+          <p:nvPr>
+            <p:ph type="title"/>
+          </p:nvPr>
+        </p:nvSpPr>
+        <p:spPr>
+          <a:xfrm>
+            <a:off x="342900" y="445769"/>
+            <a:ext cx="2400300" cy="1714500"/>
           </a:xfrm>
         </p:spPr>
         <p:txBody>
-          <a:bodyPr anchor="b"/>
+          <a:bodyPr anchor="b">
+            <a:normAutofit/>
+          </a:bodyPr>
+          <a:lstStyle>
+            <a:lvl1pPr>
+              <a:defRPr sz="6400" b="0">
+                <a:solidFill>
+                  <a:srgbClr val="FFFFFF"/>
+                </a:solidFill>
+              </a:defRPr>
+            </a:lvl1pPr>
+          </a:lstStyle>
+          <a:p>
+            <a:r>
+              <a:rPr lang="en-US" dirty="0"/>
+              <a:t>Click to edit Master title style</a:t>
+            </a:r>
+          </a:p>
+        </p:txBody>
+      </p:sp>
+      <p:sp>
+        <p:nvSpPr>
+          <p:cNvPr id="3" name="Content Placeholder 2"/>
+          <p:cNvSpPr>
+            <a:spLocks noGrp="1"/>
+          </p:cNvSpPr>
+          <p:nvPr>
+            <p:ph idx="1"/>
+          </p:nvPr>
+        </p:nvSpPr>
+        <p:spPr>
+          <a:xfrm>
+            <a:off x="3600450" y="548640"/>
+            <a:ext cx="4869180" cy="3943350"/>
+          </a:xfrm>
+        </p:spPr>
+        <p:txBody>
+          <a:bodyPr/>
+          <a:lstStyle/>
+          <a:p>
+            <a:pPr lvl="0"/>
+            <a:r>
+              <a:rPr lang="en-US" dirty="0"/>
+              <a:t>Click to edit Master text styles</a:t>
+            </a:r>
+          </a:p>
+          <a:p>
+            <a:pPr lvl="1"/>
+            <a:r>
+              <a:rPr lang="en-US" dirty="0"/>
+              <a:t>Second level</a:t>
+            </a:r>
+          </a:p>
+          <a:p>
+            <a:pPr lvl="2"/>
+            <a:r>
+              <a:rPr lang="en-US" dirty="0"/>
+              <a:t>Third level</a:t>
+            </a:r>
+          </a:p>
+          <a:p>
+            <a:pPr lvl="3"/>
+            <a:r>
+              <a:rPr lang="en-US" dirty="0"/>
+              <a:t>Fourth level</a:t>
+            </a:r>
+          </a:p>
+          <a:p>
+            <a:pPr lvl="4"/>
+            <a:r>
+              <a:rPr lang="en-US" dirty="0"/>
+              <a:t>Fifth level</a:t>
+            </a:r>
+          </a:p>
+        </p:txBody>
+      </p:sp>
+      <p:sp>
+        <p:nvSpPr>
+          <p:cNvPr id="4" name="Text Placeholder 3"/>
+          <p:cNvSpPr>
+            <a:spLocks noGrp="1"/>
+          </p:cNvSpPr>
+          <p:nvPr>
+            <p:ph type="body" sz="half" idx="2"/>
+          </p:nvPr>
+        </p:nvSpPr>
+        <p:spPr>
+          <a:xfrm>
+            <a:off x="342900" y="2194560"/>
+            <a:ext cx="2400300" cy="2534343"/>
+          </a:xfrm>
+        </p:spPr>
+        <p:txBody>
+          <a:bodyPr lIns="91440" rIns="91440">
+            <a:normAutofit/>
+          </a:bodyPr>
+          <a:lstStyle>
+            <a:lvl1pPr marL="0" indent="0">
+              <a:buNone/>
+              <a:defRPr sz="2667">
+                <a:solidFill>
+                  <a:srgbClr val="FFFFFF"/>
+                </a:solidFill>
+              </a:defRPr>
+            </a:lvl1pPr>
+            <a:lvl2pPr marL="812810" indent="0">
+              <a:buNone/>
+              <a:defRPr sz="2133"/>
+            </a:lvl2pPr>
+            <a:lvl3pPr marL="1625620" indent="0">
+              <a:buNone/>
+              <a:defRPr sz="1778"/>
+            </a:lvl3pPr>
+            <a:lvl4pPr marL="2438430" indent="0">
+              <a:buNone/>
+              <a:defRPr sz="1600"/>
+            </a:lvl4pPr>
+            <a:lvl5pPr marL="3251241" indent="0">
+              <a:buNone/>
+              <a:defRPr sz="1600"/>
+            </a:lvl5pPr>
+            <a:lvl6pPr marL="4064051" indent="0">
+              <a:buNone/>
+              <a:defRPr sz="1600"/>
+            </a:lvl6pPr>
+            <a:lvl7pPr marL="4876861" indent="0">
+              <a:buNone/>
+              <a:defRPr sz="1600"/>
+            </a:lvl7pPr>
+            <a:lvl8pPr marL="5689671" indent="0">
+              <a:buNone/>
+              <a:defRPr sz="1600"/>
+            </a:lvl8pPr>
+            <a:lvl9pPr marL="6502481" indent="0">
+              <a:buNone/>
+              <a:defRPr sz="1600"/>
+            </a:lvl9pPr>
+          </a:lstStyle>
+          <a:p>
+            <a:pPr lvl="0"/>
+            <a:r>
+              <a:rPr lang="en-US" dirty="0"/>
+              <a:t>Click to edit Master text styles</a:t>
+            </a:r>
+          </a:p>
+        </p:txBody>
+      </p:sp>
+      <p:sp>
+        <p:nvSpPr>
+          <p:cNvPr id="5" name="Date Placeholder 4"/>
+          <p:cNvSpPr>
+            <a:spLocks noGrp="1"/>
+          </p:cNvSpPr>
+          <p:nvPr>
+            <p:ph type="dt" sz="half" idx="10"/>
+          </p:nvPr>
+        </p:nvSpPr>
+        <p:spPr>
+          <a:xfrm>
+            <a:off x="349134" y="4844839"/>
+            <a:ext cx="1963883" cy="273844"/>
+          </a:xfrm>
+        </p:spPr>
+        <p:txBody>
+          <a:bodyPr/>
           <a:lstStyle>
             <a:lvl1pPr algn="l">
-              <a:defRPr sz="1500" b="1"/>
+              <a:defRPr/>
             </a:lvl1pPr>
           </a:lstStyle>
           <a:p>
-            <a:r>
-              <a:rPr lang="en-US"/>
-              <a:t>Click to edit Master title style</a:t>
-            </a:r>
-          </a:p>
-        </p:txBody>
-      </p:sp>
-      <p:sp>
-        <p:nvSpPr>
-          <p:cNvPr id="3" name="Content Placeholder 2"/>
-          <p:cNvSpPr>
-            <a:spLocks noGrp="1"/>
-          </p:cNvSpPr>
-          <p:nvPr>
-            <p:ph idx="1"/>
+            <a:fld id="{96DFF08F-DC6B-4601-B491-B0F83F6DD2DA}" type="datetimeFigureOut">
+              <a:rPr lang="en-US" dirty="0"/>
+              <a:pPr/>
+              <a:t>11/13/2024</a:t>
+            </a:fld>
+            <a:endParaRPr lang="en-US" dirty="0"/>
+          </a:p>
+        </p:txBody>
+      </p:sp>
+      <p:sp>
+        <p:nvSpPr>
+          <p:cNvPr id="6" name="Footer Placeholder 5"/>
+          <p:cNvSpPr>
+            <a:spLocks noGrp="1"/>
+          </p:cNvSpPr>
+          <p:nvPr>
+            <p:ph type="ftr" sz="quarter" idx="11"/>
           </p:nvPr>
         </p:nvSpPr>
         <p:spPr>
           <a:xfrm>
-            <a:off x="3575050" y="204788"/>
-            <a:ext cx="5111750" cy="4389835"/>
+            <a:off x="3600450" y="4844839"/>
+            <a:ext cx="3486150" cy="273844"/>
           </a:xfrm>
         </p:spPr>
         <p:txBody>
           <a:bodyPr/>
           <a:lstStyle>
+            <a:lvl1pPr algn="l">
+              <a:defRPr>
+                <a:solidFill>
+                  <a:schemeClr val="tx2"/>
+                </a:solidFill>
+              </a:defRPr>
+            </a:lvl1pPr>
+          </a:lstStyle>
+          <a:p>
+            <a:endParaRPr lang="en-US" dirty="0"/>
+          </a:p>
+        </p:txBody>
+      </p:sp>
+      <p:sp>
+        <p:nvSpPr>
+          <p:cNvPr id="7" name="Slide Number Placeholder 6"/>
+          <p:cNvSpPr>
+            <a:spLocks noGrp="1"/>
+          </p:cNvSpPr>
+          <p:nvPr>
+            <p:ph type="sldNum" sz="quarter" idx="12"/>
+          </p:nvPr>
+        </p:nvSpPr>
+        <p:spPr/>
+        <p:txBody>
+          <a:bodyPr/>
+          <a:lstStyle>
             <a:lvl1pPr>
-              <a:defRPr sz="2400"/>
+              <a:defRPr>
+                <a:solidFill>
+                  <a:schemeClr val="tx2"/>
+                </a:solidFill>
+              </a:defRPr>
             </a:lvl1pPr>
-            <a:lvl2pPr>
-              <a:defRPr sz="2100"/>
-            </a:lvl2pPr>
-            <a:lvl3pPr>
-              <a:defRPr sz="1800"/>
-            </a:lvl3pPr>
-            <a:lvl4pPr>
-              <a:defRPr sz="1500"/>
-            </a:lvl4pPr>
-            <a:lvl5pPr>
-              <a:defRPr sz="1500"/>
-            </a:lvl5pPr>
-            <a:lvl6pPr>
-              <a:defRPr sz="1500"/>
-            </a:lvl6pPr>
-            <a:lvl7pPr>
-              <a:defRPr sz="1500"/>
-            </a:lvl7pPr>
-            <a:lvl8pPr>
-              <a:defRPr sz="1500"/>
-            </a:lvl8pPr>
-            <a:lvl9pPr>
-              <a:defRPr sz="1500"/>
-            </a:lvl9pPr>
           </a:lstStyle>
           <a:p>
-            <a:pPr lvl="0"/>
-            <a:r>
-              <a:rPr lang="en-US"/>
-              <a:t>Click to edit Master text styles</a:t>
-            </a:r>
-          </a:p>
-          <a:p>
-            <a:pPr lvl="1"/>
-            <a:r>
-              <a:rPr lang="en-US"/>
-              <a:t>Second level</a:t>
-            </a:r>
-          </a:p>
-          <a:p>
-            <a:pPr lvl="2"/>
-            <a:r>
-              <a:rPr lang="en-US"/>
-              <a:t>Third level</a:t>
-            </a:r>
-          </a:p>
-          <a:p>
-            <a:pPr lvl="3"/>
-            <a:r>
-              <a:rPr lang="en-US"/>
-              <a:t>Fourth level</a:t>
-            </a:r>
-          </a:p>
-          <a:p>
-            <a:pPr lvl="4"/>
-            <a:r>
-              <a:rPr lang="en-US"/>
-              <a:t>Fifth level</a:t>
-            </a:r>
-          </a:p>
-        </p:txBody>
-      </p:sp>
-      <p:sp>
-        <p:nvSpPr>
-          <p:cNvPr id="4" name="Text Placeholder 3"/>
-          <p:cNvSpPr>
-            <a:spLocks noGrp="1"/>
-          </p:cNvSpPr>
-          <p:nvPr>
-            <p:ph type="body" sz="half" idx="2"/>
-          </p:nvPr>
-        </p:nvSpPr>
-        <p:spPr>
-          <a:xfrm>
-            <a:off x="457201" y="1076326"/>
-            <a:ext cx="3008313" cy="3518297"/>
-          </a:xfrm>
-        </p:spPr>
-        <p:txBody>
-          <a:bodyPr/>
-          <a:lstStyle>
-            <a:lvl1pPr marL="0" indent="0">
-              <a:buNone/>
-              <a:defRPr sz="1050"/>
-            </a:lvl1pPr>
-            <a:lvl2pPr marL="342900" indent="0">
-              <a:buNone/>
-              <a:defRPr sz="900"/>
-            </a:lvl2pPr>
-            <a:lvl3pPr marL="685800" indent="0">
-              <a:buNone/>
-              <a:defRPr sz="750"/>
-            </a:lvl3pPr>
-            <a:lvl4pPr marL="1028700" indent="0">
-              <a:buNone/>
-              <a:defRPr sz="675"/>
-            </a:lvl4pPr>
-            <a:lvl5pPr marL="1371600" indent="0">
-              <a:buNone/>
-              <a:defRPr sz="675"/>
-            </a:lvl5pPr>
-            <a:lvl6pPr marL="1714500" indent="0">
-              <a:buNone/>
-              <a:defRPr sz="675"/>
-            </a:lvl6pPr>
-            <a:lvl7pPr marL="2057400" indent="0">
-              <a:buNone/>
-              <a:defRPr sz="675"/>
-            </a:lvl7pPr>
-            <a:lvl8pPr marL="2400300" indent="0">
-              <a:buNone/>
-              <a:defRPr sz="675"/>
-            </a:lvl8pPr>
-            <a:lvl9pPr marL="2743200" indent="0">
-              <a:buNone/>
-              <a:defRPr sz="675"/>
-            </a:lvl9pPr>
-          </a:lstStyle>
-          <a:p>
-            <a:pPr lvl="0"/>
-            <a:r>
-              <a:rPr lang="en-US"/>
-              <a:t>Click to edit Master text styles</a:t>
-            </a:r>
-          </a:p>
-        </p:txBody>
-      </p:sp>
-      <p:sp>
-        <p:nvSpPr>
-          <p:cNvPr id="5" name="Date Placeholder 4"/>
-          <p:cNvSpPr>
-            <a:spLocks noGrp="1"/>
-          </p:cNvSpPr>
-          <p:nvPr>
-            <p:ph type="dt" sz="half" idx="10"/>
-          </p:nvPr>
-        </p:nvSpPr>
-        <p:spPr/>
-        <p:txBody>
-          <a:bodyPr/>
-          <a:lstStyle/>
-          <a:p>
-            <a:fld id="{241EB5C9-1307-BA42-ABA2-0BC069CD8E7F}" type="datetimeFigureOut">
-              <a:rPr lang="en-US" smtClean="0"/>
-              <a:t>1/2/22</a:t>
-            </a:fld>
-            <a:endParaRPr lang="en-US"/>
-          </a:p>
-        </p:txBody>
-      </p:sp>
-      <p:sp>
-        <p:nvSpPr>
-          <p:cNvPr id="6" name="Footer Placeholder 5"/>
-          <p:cNvSpPr>
-            <a:spLocks noGrp="1"/>
-          </p:cNvSpPr>
-          <p:nvPr>
-            <p:ph type="ftr" sz="quarter" idx="11"/>
-          </p:nvPr>
-        </p:nvSpPr>
-        <p:spPr/>
-        <p:txBody>
-          <a:bodyPr/>
-          <a:lstStyle/>
-          <a:p>
-            <a:endParaRPr lang="en-US"/>
-          </a:p>
-        </p:txBody>
-      </p:sp>
-      <p:sp>
-        <p:nvSpPr>
-          <p:cNvPr id="7" name="Slide Number Placeholder 6"/>
-          <p:cNvSpPr>
-            <a:spLocks noGrp="1"/>
-          </p:cNvSpPr>
-          <p:nvPr>
-            <p:ph type="sldNum" sz="quarter" idx="12"/>
-          </p:nvPr>
-        </p:nvSpPr>
-        <p:spPr/>
-        <p:txBody>
-          <a:bodyPr/>
-          <a:lstStyle/>
-          <a:p>
-            <a:fld id="{C5EF2332-01BF-834F-8236-50238282D533}" type="slidenum">
-              <a:rPr lang="en-US" smtClean="0"/>
+            <a:fld id="{4FAB73BC-B049-4115-A692-8D63A059BFB8}" type="slidenum">
+              <a:rPr lang="en-US" dirty="0"/>
+              <a:pPr/>
               <a:t>‹#›</a:t>
             </a:fld>
-            <a:endParaRPr lang="en-US"/>
+            <a:endParaRPr lang="en-US" dirty="0"/>
           </a:p>
         </p:txBody>
       </p:sp>
     </p:spTree>
     <p:extLst>
       <p:ext uri="{BB962C8B-B14F-4D97-AF65-F5344CB8AC3E}">
-        <p14:creationId xmlns:p14="http://schemas.microsoft.com/office/powerpoint/2010/main" val="3540895647"/>
+        <p14:creationId xmlns:p14="http://schemas.microsoft.com/office/powerpoint/2010/main" val="2365610904"/>
       </p:ext>
     </p:extLst>
   </p:cSld>
@@ -2337,7 +2729,7 @@
 </file>
 
 <file path=ppt/slideLayouts/slideLayout9.xml><?xml version="1.0" encoding="utf-8"?>
-<p:sldLayout xmlns:a="http://schemas.openxmlformats.org/drawingml/2006/main" xmlns:r="http://schemas.openxmlformats.org/officeDocument/2006/relationships" xmlns:p="http://schemas.openxmlformats.org/presentationml/2006/main" type="picTx" preserve="1">
+<p:sldLayout xmlns:a="http://schemas.openxmlformats.org/drawingml/2006/main" xmlns:r="http://schemas.openxmlformats.org/officeDocument/2006/relationships" xmlns:p="http://schemas.openxmlformats.org/presentationml/2006/main" showMasterSp="0" type="picTx" preserve="1">
   <p:cSld name="Picture with Caption">
     <p:spTree>
       <p:nvGrpSpPr>
@@ -2355,30 +2747,74 @@
       </p:grpSpPr>
       <p:sp>
         <p:nvSpPr>
-          <p:cNvPr id="2" name="Title 1"/>
-          <p:cNvSpPr>
-            <a:spLocks noGrp="1"/>
-          </p:cNvSpPr>
-          <p:nvPr>
-            <p:ph type="title"/>
-          </p:nvPr>
+          <p:cNvPr id="9" name="Rectangle 8"/>
+          <p:cNvSpPr/>
+          <p:nvPr/>
         </p:nvSpPr>
         <p:spPr>
           <a:xfrm>
-            <a:off x="1792288" y="3600450"/>
-            <a:ext cx="5486400" cy="425054"/>
+            <a:off x="12" y="3686307"/>
+            <a:ext cx="9141619" cy="48006"/>
+          </a:xfrm>
+          <a:prstGeom prst="rect">
+            <a:avLst/>
+          </a:prstGeom>
+          <a:solidFill>
+            <a:schemeClr val="accent1"/>
+          </a:solidFill>
+          <a:ln>
+            <a:noFill/>
+          </a:ln>
+        </p:spPr>
+        <p:style>
+          <a:lnRef idx="2">
+            <a:schemeClr val="accent1">
+              <a:shade val="50000"/>
+            </a:schemeClr>
+          </a:lnRef>
+          <a:fillRef idx="1">
+            <a:schemeClr val="accent1"/>
+          </a:fillRef>
+          <a:effectRef idx="0">
+            <a:schemeClr val="accent1"/>
+          </a:effectRef>
+          <a:fontRef idx="minor">
+            <a:schemeClr val="lt1"/>
+          </a:fontRef>
+        </p:style>
+      </p:sp>
+      <p:sp>
+        <p:nvSpPr>
+          <p:cNvPr id="2" name="Title 1"/>
+          <p:cNvSpPr>
+            <a:spLocks noGrp="1"/>
+          </p:cNvSpPr>
+          <p:nvPr>
+            <p:ph type="title"/>
+          </p:nvPr>
+        </p:nvSpPr>
+        <p:spPr>
+          <a:xfrm>
+            <a:off x="822960" y="3806190"/>
+            <a:ext cx="7585234" cy="617220"/>
           </a:xfrm>
         </p:spPr>
         <p:txBody>
-          <a:bodyPr anchor="b"/>
+          <a:bodyPr tIns="0" bIns="0" anchor="b">
+            <a:noAutofit/>
+          </a:bodyPr>
           <a:lstStyle>
-            <a:lvl1pPr algn="l">
-              <a:defRPr sz="1500" b="1"/>
+            <a:lvl1pPr>
+              <a:defRPr sz="6400" b="0">
+                <a:solidFill>
+                  <a:schemeClr val="tx1"/>
+                </a:solidFill>
+              </a:defRPr>
             </a:lvl1pPr>
           </a:lstStyle>
           <a:p>
             <a:r>
-              <a:rPr lang="en-US"/>
+              <a:rPr lang="en-US" dirty="0"/>
               <a:t>Click to edit Master title style</a:t>
             </a:r>
           </a:p>
@@ -2388,7 +2824,7 @@
         <p:nvSpPr>
           <p:cNvPr id="3" name="Picture Placeholder 2"/>
           <p:cNvSpPr>
-            <a:spLocks noGrp="1"/>
+            <a:spLocks noGrp="1" noChangeAspect="1"/>
           </p:cNvSpPr>
           <p:nvPr>
             <p:ph type="pic" idx="1"/>
@@ -2396,140 +2832,167 @@
         </p:nvSpPr>
         <p:spPr>
           <a:xfrm>
-            <a:off x="1792288" y="459581"/>
-            <a:ext cx="5486400" cy="3086100"/>
+            <a:off x="12" y="0"/>
+            <a:ext cx="9143989" cy="3686307"/>
+          </a:xfrm>
+          <a:solidFill>
+            <a:schemeClr val="bg1">
+              <a:lumMod val="50000"/>
+              <a:lumOff val="50000"/>
+            </a:schemeClr>
+          </a:solidFill>
+        </p:spPr>
+        <p:txBody>
+          <a:bodyPr lIns="457200" tIns="457200" anchor="t"/>
+          <a:lstStyle>
+            <a:lvl1pPr marL="0" indent="0">
+              <a:buNone/>
+              <a:defRPr sz="5689"/>
+            </a:lvl1pPr>
+            <a:lvl2pPr marL="812810" indent="0">
+              <a:buNone/>
+              <a:defRPr sz="4978"/>
+            </a:lvl2pPr>
+            <a:lvl3pPr marL="1625620" indent="0">
+              <a:buNone/>
+              <a:defRPr sz="4267"/>
+            </a:lvl3pPr>
+            <a:lvl4pPr marL="2438430" indent="0">
+              <a:buNone/>
+              <a:defRPr sz="3556"/>
+            </a:lvl4pPr>
+            <a:lvl5pPr marL="3251241" indent="0">
+              <a:buNone/>
+              <a:defRPr sz="3556"/>
+            </a:lvl5pPr>
+            <a:lvl6pPr marL="4064051" indent="0">
+              <a:buNone/>
+              <a:defRPr sz="3556"/>
+            </a:lvl6pPr>
+            <a:lvl7pPr marL="4876861" indent="0">
+              <a:buNone/>
+              <a:defRPr sz="3556"/>
+            </a:lvl7pPr>
+            <a:lvl8pPr marL="5689671" indent="0">
+              <a:buNone/>
+              <a:defRPr sz="3556"/>
+            </a:lvl8pPr>
+            <a:lvl9pPr marL="6502481" indent="0">
+              <a:buNone/>
+              <a:defRPr sz="3556"/>
+            </a:lvl9pPr>
+          </a:lstStyle>
+          <a:p>
+            <a:endParaRPr lang="en-US" dirty="0"/>
+          </a:p>
+        </p:txBody>
+      </p:sp>
+      <p:sp>
+        <p:nvSpPr>
+          <p:cNvPr id="4" name="Text Placeholder 3"/>
+          <p:cNvSpPr>
+            <a:spLocks noGrp="1"/>
+          </p:cNvSpPr>
+          <p:nvPr>
+            <p:ph type="body" sz="half" idx="2"/>
+          </p:nvPr>
+        </p:nvSpPr>
+        <p:spPr>
+          <a:xfrm>
+            <a:off x="822960" y="4430268"/>
+            <a:ext cx="7584948" cy="445770"/>
           </a:xfrm>
         </p:spPr>
         <p:txBody>
-          <a:bodyPr/>
+          <a:bodyPr lIns="91440" tIns="0" rIns="91440" bIns="0">
+            <a:normAutofit/>
+          </a:bodyPr>
           <a:lstStyle>
             <a:lvl1pPr marL="0" indent="0">
-              <a:buNone/>
-              <a:defRPr sz="2400"/>
+              <a:spcBef>
+                <a:spcPts val="0"/>
+              </a:spcBef>
+              <a:spcAft>
+                <a:spcPts val="1067"/>
+              </a:spcAft>
+              <a:buNone/>
+              <a:defRPr sz="2667">
+                <a:solidFill>
+                  <a:schemeClr val="tx1"/>
+                </a:solidFill>
+              </a:defRPr>
             </a:lvl1pPr>
-            <a:lvl2pPr marL="342900" indent="0">
-              <a:buNone/>
-              <a:defRPr sz="2100"/>
+            <a:lvl2pPr marL="812810" indent="0">
+              <a:buNone/>
+              <a:defRPr sz="2133"/>
             </a:lvl2pPr>
-            <a:lvl3pPr marL="685800" indent="0">
-              <a:buNone/>
-              <a:defRPr sz="1800"/>
+            <a:lvl3pPr marL="1625620" indent="0">
+              <a:buNone/>
+              <a:defRPr sz="1778"/>
             </a:lvl3pPr>
-            <a:lvl4pPr marL="1028700" indent="0">
-              <a:buNone/>
-              <a:defRPr sz="1500"/>
+            <a:lvl4pPr marL="2438430" indent="0">
+              <a:buNone/>
+              <a:defRPr sz="1600"/>
             </a:lvl4pPr>
-            <a:lvl5pPr marL="1371600" indent="0">
-              <a:buNone/>
-              <a:defRPr sz="1500"/>
+            <a:lvl5pPr marL="3251241" indent="0">
+              <a:buNone/>
+              <a:defRPr sz="1600"/>
             </a:lvl5pPr>
-            <a:lvl6pPr marL="1714500" indent="0">
-              <a:buNone/>
-              <a:defRPr sz="1500"/>
+            <a:lvl6pPr marL="4064051" indent="0">
+              <a:buNone/>
+              <a:defRPr sz="1600"/>
             </a:lvl6pPr>
-            <a:lvl7pPr marL="2057400" indent="0">
-              <a:buNone/>
-              <a:defRPr sz="1500"/>
+            <a:lvl7pPr marL="4876861" indent="0">
+              <a:buNone/>
+              <a:defRPr sz="1600"/>
             </a:lvl7pPr>
-            <a:lvl8pPr marL="2400300" indent="0">
-              <a:buNone/>
-              <a:defRPr sz="1500"/>
+            <a:lvl8pPr marL="5689671" indent="0">
+              <a:buNone/>
+              <a:defRPr sz="1600"/>
             </a:lvl8pPr>
-            <a:lvl9pPr marL="2743200" indent="0">
-              <a:buNone/>
-              <a:defRPr sz="1500"/>
+            <a:lvl9pPr marL="6502481" indent="0">
+              <a:buNone/>
+              <a:defRPr sz="1600"/>
             </a:lvl9pPr>
           </a:lstStyle>
           <a:p>
-            <a:endParaRPr lang="en-US"/>
-          </a:p>
-        </p:txBody>
-      </p:sp>
-      <p:sp>
-        <p:nvSpPr>
-          <p:cNvPr id="4" name="Text Placeholder 3"/>
-          <p:cNvSpPr>
-            <a:spLocks noGrp="1"/>
-          </p:cNvSpPr>
-          <p:nvPr>
-            <p:ph type="body" sz="half" idx="2"/>
-          </p:nvPr>
-        </p:nvSpPr>
-        <p:spPr>
-          <a:xfrm>
-            <a:off x="1792288" y="4025503"/>
-            <a:ext cx="5486400" cy="603647"/>
-          </a:xfrm>
-        </p:spPr>
+            <a:pPr lvl="0"/>
+            <a:r>
+              <a:rPr lang="en-US" dirty="0"/>
+              <a:t>Click to edit Master text styles</a:t>
+            </a:r>
+          </a:p>
+        </p:txBody>
+      </p:sp>
+      <p:sp>
+        <p:nvSpPr>
+          <p:cNvPr id="5" name="Date Placeholder 4"/>
+          <p:cNvSpPr>
+            <a:spLocks noGrp="1"/>
+          </p:cNvSpPr>
+          <p:nvPr>
+            <p:ph type="dt" sz="half" idx="10"/>
+          </p:nvPr>
+        </p:nvSpPr>
+        <p:spPr/>
         <p:txBody>
           <a:bodyPr/>
           <a:lstStyle>
-            <a:lvl1pPr marL="0" indent="0">
-              <a:buNone/>
-              <a:defRPr sz="1050"/>
+            <a:lvl1pPr>
+              <a:defRPr>
+                <a:solidFill>
+                  <a:schemeClr val="tx2"/>
+                </a:solidFill>
+              </a:defRPr>
             </a:lvl1pPr>
-            <a:lvl2pPr marL="342900" indent="0">
-              <a:buNone/>
-              <a:defRPr sz="900"/>
-            </a:lvl2pPr>
-            <a:lvl3pPr marL="685800" indent="0">
-              <a:buNone/>
-              <a:defRPr sz="750"/>
-            </a:lvl3pPr>
-            <a:lvl4pPr marL="1028700" indent="0">
-              <a:buNone/>
-              <a:defRPr sz="675"/>
-            </a:lvl4pPr>
-            <a:lvl5pPr marL="1371600" indent="0">
-              <a:buNone/>
-              <a:defRPr sz="675"/>
-            </a:lvl5pPr>
-            <a:lvl6pPr marL="1714500" indent="0">
-              <a:buNone/>
-              <a:defRPr sz="675"/>
-            </a:lvl6pPr>
-            <a:lvl7pPr marL="2057400" indent="0">
-              <a:buNone/>
-              <a:defRPr sz="675"/>
-            </a:lvl7pPr>
-            <a:lvl8pPr marL="2400300" indent="0">
-              <a:buNone/>
-              <a:defRPr sz="675"/>
-            </a:lvl8pPr>
-            <a:lvl9pPr marL="2743200" indent="0">
-              <a:buNone/>
-              <a:defRPr sz="675"/>
-            </a:lvl9pPr>
           </a:lstStyle>
           <a:p>
-            <a:pPr lvl="0"/>
-            <a:r>
-              <a:rPr lang="en-US"/>
-              <a:t>Click to edit Master text styles</a:t>
-            </a:r>
-          </a:p>
-        </p:txBody>
-      </p:sp>
-      <p:sp>
-        <p:nvSpPr>
-          <p:cNvPr id="5" name="Date Placeholder 4"/>
-          <p:cNvSpPr>
-            <a:spLocks noGrp="1"/>
-          </p:cNvSpPr>
-          <p:nvPr>
-            <p:ph type="dt" sz="half" idx="10"/>
-          </p:nvPr>
-        </p:nvSpPr>
-        <p:spPr/>
-        <p:txBody>
-          <a:bodyPr/>
-          <a:lstStyle/>
-          <a:p>
-            <a:fld id="{241EB5C9-1307-BA42-ABA2-0BC069CD8E7F}" type="datetimeFigureOut">
-              <a:rPr lang="en-US" smtClean="0"/>
-              <a:t>1/2/22</a:t>
+            <a:fld id="{96DFF08F-DC6B-4601-B491-B0F83F6DD2DA}" type="datetimeFigureOut">
+              <a:rPr lang="en-US" dirty="0"/>
+              <a:pPr/>
+              <a:t>11/13/2024</a:t>
             </a:fld>
-            <a:endParaRPr lang="en-US"/>
+            <a:endParaRPr lang="en-US" dirty="0"/>
           </a:p>
         </p:txBody>
       </p:sp>
@@ -2546,9 +3009,17 @@
         <p:spPr/>
         <p:txBody>
           <a:bodyPr/>
-          <a:lstStyle/>
-          <a:p>
-            <a:endParaRPr lang="en-US"/>
+          <a:lstStyle>
+            <a:lvl1pPr>
+              <a:defRPr>
+                <a:solidFill>
+                  <a:schemeClr val="tx2"/>
+                </a:solidFill>
+              </a:defRPr>
+            </a:lvl1pPr>
+          </a:lstStyle>
+          <a:p>
+            <a:endParaRPr lang="en-US" dirty="0"/>
           </a:p>
         </p:txBody>
       </p:sp>
@@ -2565,20 +3036,29 @@
         <p:spPr/>
         <p:txBody>
           <a:bodyPr/>
-          <a:lstStyle/>
-          <a:p>
-            <a:fld id="{C5EF2332-01BF-834F-8236-50238282D533}" type="slidenum">
-              <a:rPr lang="en-US" smtClean="0"/>
+          <a:lstStyle>
+            <a:lvl1pPr>
+              <a:defRPr>
+                <a:solidFill>
+                  <a:schemeClr val="tx2"/>
+                </a:solidFill>
+              </a:defRPr>
+            </a:lvl1pPr>
+          </a:lstStyle>
+          <a:p>
+            <a:fld id="{4FAB73BC-B049-4115-A692-8D63A059BFB8}" type="slidenum">
+              <a:rPr lang="en-US" dirty="0"/>
+              <a:pPr/>
               <a:t>‹#›</a:t>
             </a:fld>
-            <a:endParaRPr lang="en-US"/>
+            <a:endParaRPr lang="en-US" dirty="0"/>
           </a:p>
         </p:txBody>
       </p:sp>
     </p:spTree>
     <p:extLst>
       <p:ext uri="{BB962C8B-B14F-4D97-AF65-F5344CB8AC3E}">
-        <p14:creationId xmlns:p14="http://schemas.microsoft.com/office/powerpoint/2010/main" val="3566899855"/>
+        <p14:creationId xmlns:p14="http://schemas.microsoft.com/office/powerpoint/2010/main" val="2845500311"/>
       </p:ext>
     </p:extLst>
   </p:cSld>
@@ -2589,12 +3069,18 @@
 </file>
 
 <file path=ppt/slideMasters/slideMaster1.xml><?xml version="1.0" encoding="utf-8"?>
-<p:sldMaster xmlns:a="http://schemas.openxmlformats.org/drawingml/2006/main" xmlns:p="http://schemas.openxmlformats.org/presentationml/2006/main" xmlns:r="http://schemas.openxmlformats.org/officeDocument/2006/relationships">
+<p:sldMaster xmlns:a="http://schemas.openxmlformats.org/drawingml/2006/main" xmlns:r="http://schemas.openxmlformats.org/officeDocument/2006/relationships" xmlns:p="http://schemas.openxmlformats.org/presentationml/2006/main">
   <p:cSld>
     <p:bg>
-      <p:bgRef idx="1001">
-        <a:schemeClr val="bg1"/>
-      </p:bgRef>
+      <p:bgPr>
+        <a:solidFill>
+          <a:schemeClr val="bg1">
+            <a:lumMod val="75000"/>
+            <a:lumOff val="25000"/>
+          </a:schemeClr>
+        </a:solidFill>
+        <a:effectLst/>
+      </p:bgPr>
     </p:bg>
     <p:spTree>
       <p:nvGrpSpPr>
@@ -2612,31 +3098,109 @@
       </p:grpSpPr>
       <p:sp>
         <p:nvSpPr>
-          <p:cNvPr id="2" name="Title Placeholder 1"/>
-          <p:cNvSpPr>
-            <a:spLocks noGrp="1"/>
-          </p:cNvSpPr>
-          <p:nvPr>
-            <p:ph type="title"/>
-          </p:nvPr>
+          <p:cNvPr id="7" name="Rectangle 6"/>
+          <p:cNvSpPr/>
+          <p:nvPr/>
         </p:nvSpPr>
         <p:spPr>
           <a:xfrm>
-            <a:off x="457200" y="205979"/>
-            <a:ext cx="8229600" cy="857250"/>
+            <a:off x="1" y="4800600"/>
+            <a:ext cx="9144000" cy="342900"/>
+          </a:xfrm>
+          <a:prstGeom prst="rect">
+            <a:avLst/>
+          </a:prstGeom>
+          <a:solidFill>
+            <a:schemeClr val="accent1">
+              <a:lumMod val="75000"/>
+            </a:schemeClr>
+          </a:solidFill>
+          <a:ln>
+            <a:noFill/>
+          </a:ln>
+        </p:spPr>
+        <p:style>
+          <a:lnRef idx="2">
+            <a:schemeClr val="accent1">
+              <a:shade val="50000"/>
+            </a:schemeClr>
+          </a:lnRef>
+          <a:fillRef idx="1">
+            <a:schemeClr val="accent1"/>
+          </a:fillRef>
+          <a:effectRef idx="0">
+            <a:schemeClr val="accent1"/>
+          </a:effectRef>
+          <a:fontRef idx="minor">
+            <a:schemeClr val="lt1"/>
+          </a:fontRef>
+        </p:style>
+      </p:sp>
+      <p:sp>
+        <p:nvSpPr>
+          <p:cNvPr id="9" name="Rectangle 8"/>
+          <p:cNvSpPr/>
+          <p:nvPr/>
+        </p:nvSpPr>
+        <p:spPr>
+          <a:xfrm>
+            <a:off x="1" y="4750737"/>
+            <a:ext cx="9144000" cy="49863"/>
+          </a:xfrm>
+          <a:prstGeom prst="rect">
+            <a:avLst/>
+          </a:prstGeom>
+          <a:solidFill>
+            <a:schemeClr val="accent1"/>
+          </a:solidFill>
+          <a:ln>
+            <a:noFill/>
+          </a:ln>
+        </p:spPr>
+        <p:style>
+          <a:lnRef idx="2">
+            <a:schemeClr val="accent1">
+              <a:shade val="50000"/>
+            </a:schemeClr>
+          </a:lnRef>
+          <a:fillRef idx="1">
+            <a:schemeClr val="accent1"/>
+          </a:fillRef>
+          <a:effectRef idx="0">
+            <a:schemeClr val="accent1"/>
+          </a:effectRef>
+          <a:fontRef idx="minor">
+            <a:schemeClr val="lt1"/>
+          </a:fontRef>
+        </p:style>
+      </p:sp>
+      <p:sp>
+        <p:nvSpPr>
+          <p:cNvPr id="2" name="Title Placeholder 1"/>
+          <p:cNvSpPr>
+            <a:spLocks noGrp="1"/>
+          </p:cNvSpPr>
+          <p:nvPr>
+            <p:ph type="title"/>
+          </p:nvPr>
+        </p:nvSpPr>
+        <p:spPr>
+          <a:xfrm>
+            <a:off x="822960" y="214953"/>
+            <a:ext cx="7543800" cy="1088068"/>
           </a:xfrm>
           <a:prstGeom prst="rect">
             <a:avLst/>
           </a:prstGeom>
         </p:spPr>
         <p:txBody>
-          <a:bodyPr anchor="ctr" bIns="45720" lIns="91440" rIns="91440" rtlCol="0" tIns="45720" vert="horz">
+          <a:bodyPr vert="horz" lIns="91440" tIns="45720" rIns="91440" bIns="45720" rtlCol="0" anchor="b">
             <a:normAutofit/>
           </a:bodyPr>
           <a:lstStyle/>
           <a:p>
             <a:r>
-              <a:rPr lang="en-US"/>
+              <a:rPr lang="en-US" dirty="0"/>
               <a:t>Click to edit Master title style</a:t>
             </a:r>
           </a:p>
@@ -2649,55 +3213,55 @@
             <a:spLocks noGrp="1"/>
           </p:cNvSpPr>
           <p:nvPr>
-            <p:ph idx="1" type="body"/>
+            <p:ph type="body" idx="1"/>
           </p:nvPr>
         </p:nvSpPr>
         <p:spPr>
           <a:xfrm>
-            <a:off x="457200" y="1200151"/>
-            <a:ext cx="8229600" cy="3394472"/>
+            <a:off x="822960" y="1384301"/>
+            <a:ext cx="7543800" cy="3017520"/>
           </a:xfrm>
           <a:prstGeom prst="rect">
             <a:avLst/>
           </a:prstGeom>
         </p:spPr>
         <p:txBody>
-          <a:bodyPr bIns="45720" lIns="91440" rIns="91440" rtlCol="0" tIns="45720" vert="horz">
+          <a:bodyPr vert="horz" lIns="0" tIns="45720" rIns="0" bIns="45720" rtlCol="0">
             <a:normAutofit/>
           </a:bodyPr>
           <a:lstStyle/>
           <a:p>
             <a:pPr lvl="0"/>
             <a:r>
-              <a:rPr lang="en-US"/>
+              <a:rPr lang="en-US" dirty="0"/>
               <a:t>Click to edit Master text styles</a:t>
             </a:r>
           </a:p>
           <a:p>
             <a:pPr lvl="1"/>
             <a:r>
-              <a:rPr lang="en-US"/>
+              <a:rPr lang="en-US" dirty="0"/>
               <a:t>Second level</a:t>
             </a:r>
           </a:p>
           <a:p>
             <a:pPr lvl="2"/>
             <a:r>
-              <a:rPr lang="en-US"/>
+              <a:rPr lang="en-US" dirty="0"/>
               <a:t>Third level</a:t>
             </a:r>
           </a:p>
           <a:p>
             <a:pPr lvl="3"/>
             <a:r>
-              <a:rPr lang="en-US"/>
+              <a:rPr lang="en-US" dirty="0"/>
               <a:t>Fourth level</a:t>
             </a:r>
           </a:p>
           <a:p>
             <a:pPr lvl="4"/>
             <a:r>
-              <a:rPr lang="en-US"/>
+              <a:rPr lang="en-US" dirty="0"/>
               <a:t>Fifth level</a:t>
             </a:r>
           </a:p>
@@ -2710,37 +3274,36 @@
             <a:spLocks noGrp="1"/>
           </p:cNvSpPr>
           <p:nvPr>
-            <p:ph idx="2" sz="half" type="dt"/>
+            <p:ph type="dt" sz="half" idx="2"/>
           </p:nvPr>
         </p:nvSpPr>
         <p:spPr>
           <a:xfrm>
-            <a:off x="457200" y="4767263"/>
-            <a:ext cx="2133600" cy="273844"/>
+            <a:off x="822961" y="4844839"/>
+            <a:ext cx="1854203" cy="273844"/>
           </a:xfrm>
           <a:prstGeom prst="rect">
             <a:avLst/>
           </a:prstGeom>
         </p:spPr>
         <p:txBody>
-          <a:bodyPr anchor="ctr" bIns="45720" lIns="91440" rIns="91440" rtlCol="0" tIns="45720" vert="horz"/>
+          <a:bodyPr vert="horz" lIns="91440" tIns="45720" rIns="91440" bIns="45720" rtlCol="0" anchor="ctr"/>
           <a:lstStyle>
             <a:lvl1pPr algn="l">
-              <a:defRPr sz="900">
+              <a:defRPr sz="1600">
                 <a:solidFill>
-                  <a:schemeClr val="tx1">
-                    <a:tint val="75000"/>
-                  </a:schemeClr>
+                  <a:srgbClr val="FFFFFF"/>
                 </a:solidFill>
               </a:defRPr>
             </a:lvl1pPr>
           </a:lstStyle>
           <a:p>
-            <a:fld id="{241EB5C9-1307-BA42-ABA2-0BC069CD8E7F}" type="datetimeFigureOut">
-              <a:rPr lang="en-US" smtClean="0"/>
-              <a:t>1/2/22</a:t>
+            <a:fld id="{96DFF08F-DC6B-4601-B491-B0F83F6DD2DA}" type="datetimeFigureOut">
+              <a:rPr lang="en-US" dirty="0"/>
+              <a:pPr/>
+              <a:t>11/13/2024</a:t>
             </a:fld>
-            <a:endParaRPr lang="en-US"/>
+            <a:endParaRPr lang="en-US" dirty="0"/>
           </a:p>
         </p:txBody>
       </p:sp>
@@ -2751,33 +3314,31 @@
             <a:spLocks noGrp="1"/>
           </p:cNvSpPr>
           <p:nvPr>
-            <p:ph idx="3" sz="quarter" type="ftr"/>
+            <p:ph type="ftr" sz="quarter" idx="3"/>
           </p:nvPr>
         </p:nvSpPr>
         <p:spPr>
           <a:xfrm>
-            <a:off x="3124200" y="4767263"/>
-            <a:ext cx="2895600" cy="273844"/>
+            <a:off x="2764639" y="4844839"/>
+            <a:ext cx="3617103" cy="273844"/>
           </a:xfrm>
           <a:prstGeom prst="rect">
             <a:avLst/>
           </a:prstGeom>
         </p:spPr>
         <p:txBody>
-          <a:bodyPr anchor="ctr" bIns="45720" lIns="91440" rIns="91440" rtlCol="0" tIns="45720" vert="horz"/>
+          <a:bodyPr vert="horz" lIns="91440" tIns="45720" rIns="91440" bIns="45720" rtlCol="0" anchor="ctr"/>
           <a:lstStyle>
             <a:lvl1pPr algn="ctr">
-              <a:defRPr sz="900">
+              <a:defRPr sz="1600" cap="all" baseline="0">
                 <a:solidFill>
-                  <a:schemeClr val="tx1">
-                    <a:tint val="75000"/>
-                  </a:schemeClr>
+                  <a:srgbClr val="FFFFFF"/>
                 </a:solidFill>
               </a:defRPr>
             </a:lvl1pPr>
           </a:lstStyle>
           <a:p>
-            <a:endParaRPr lang="en-US"/>
+            <a:endParaRPr lang="en-US" dirty="0"/>
           </a:p>
         </p:txBody>
       </p:sp>
@@ -2788,71 +3349,114 @@
             <a:spLocks noGrp="1"/>
           </p:cNvSpPr>
           <p:nvPr>
-            <p:ph idx="4" sz="quarter" type="sldNum"/>
+            <p:ph type="sldNum" sz="quarter" idx="4"/>
           </p:nvPr>
         </p:nvSpPr>
         <p:spPr>
           <a:xfrm>
-            <a:off x="6553200" y="4767263"/>
-            <a:ext cx="2133600" cy="273844"/>
+            <a:off x="7425344" y="4844839"/>
+            <a:ext cx="984019" cy="273844"/>
           </a:xfrm>
           <a:prstGeom prst="rect">
             <a:avLst/>
           </a:prstGeom>
         </p:spPr>
         <p:txBody>
-          <a:bodyPr anchor="ctr" bIns="45720" lIns="91440" rIns="91440" rtlCol="0" tIns="45720" vert="horz"/>
+          <a:bodyPr vert="horz" lIns="91440" tIns="45720" rIns="91440" bIns="45720" rtlCol="0" anchor="ctr"/>
           <a:lstStyle>
             <a:lvl1pPr algn="r">
-              <a:defRPr sz="900">
+              <a:defRPr sz="1867">
                 <a:solidFill>
-                  <a:schemeClr val="tx1">
-                    <a:tint val="75000"/>
-                  </a:schemeClr>
+                  <a:srgbClr val="FFFFFF"/>
                 </a:solidFill>
               </a:defRPr>
             </a:lvl1pPr>
           </a:lstStyle>
           <a:p>
-            <a:fld id="{C5EF2332-01BF-834F-8236-50238282D533}" type="slidenum">
-              <a:rPr lang="en-US" smtClean="0"/>
+            <a:fld id="{4FAB73BC-B049-4115-A692-8D63A059BFB8}" type="slidenum">
+              <a:rPr lang="en-US" dirty="0"/>
+              <a:pPr/>
               <a:t>‹#›</a:t>
             </a:fld>
-            <a:endParaRPr lang="en-US"/>
-          </a:p>
-        </p:txBody>
-      </p:sp>
+            <a:endParaRPr lang="en-US" dirty="0"/>
+          </a:p>
+        </p:txBody>
+      </p:sp>
+      <p:cxnSp>
+        <p:nvCxnSpPr>
+          <p:cNvPr id="10" name="Straight Connector 9"/>
+          <p:cNvCxnSpPr/>
+          <p:nvPr/>
+        </p:nvCxnSpPr>
+        <p:spPr>
+          <a:xfrm>
+            <a:off x="895149" y="1303384"/>
+            <a:ext cx="7475220" cy="0"/>
+          </a:xfrm>
+          <a:prstGeom prst="line">
+            <a:avLst/>
+          </a:prstGeom>
+          <a:ln w="6350">
+            <a:solidFill>
+              <a:schemeClr val="tx1">
+                <a:lumMod val="50000"/>
+                <a:lumOff val="50000"/>
+              </a:schemeClr>
+            </a:solidFill>
+          </a:ln>
+        </p:spPr>
+        <p:style>
+          <a:lnRef idx="1">
+            <a:schemeClr val="accent1"/>
+          </a:lnRef>
+          <a:fillRef idx="0">
+            <a:schemeClr val="accent1"/>
+          </a:fillRef>
+          <a:effectRef idx="0">
+            <a:schemeClr val="accent1"/>
+          </a:effectRef>
+          <a:fontRef idx="minor">
+            <a:schemeClr val="tx1"/>
+          </a:fontRef>
+        </p:style>
+      </p:cxnSp>
     </p:spTree>
     <p:extLst>
       <p:ext uri="{BB962C8B-B14F-4D97-AF65-F5344CB8AC3E}">
-        <p14:creationId xmlns:p14="http://schemas.microsoft.com/office/powerpoint/2010/main" val="3676200875"/>
+        <p14:creationId xmlns:p14="http://schemas.microsoft.com/office/powerpoint/2010/main" val="3197618078"/>
       </p:ext>
     </p:extLst>
   </p:cSld>
-  <p:clrMap accent1="accent1" accent2="accent2" accent3="accent3" accent4="accent4" accent5="accent5" accent6="accent6" bg1="lt1" bg2="lt2" folHlink="folHlink" hlink="hlink" tx1="dk1" tx2="dk2"/>
+  <p:clrMap bg1="dk1" tx1="lt1" bg2="dk2" tx2="lt2" accent1="accent1" accent2="accent2" accent3="accent3" accent4="accent4" accent5="accent5" accent6="accent6" hlink="hlink" folHlink="folHlink"/>
   <p:sldLayoutIdLst>
-    <p:sldLayoutId id="2147483649" r:id="rId1"/>
-    <p:sldLayoutId id="2147483650" r:id="rId2"/>
-    <p:sldLayoutId id="2147483651" r:id="rId3"/>
-    <p:sldLayoutId id="2147483652" r:id="rId4"/>
-    <p:sldLayoutId id="2147483653" r:id="rId5"/>
-    <p:sldLayoutId id="2147483654" r:id="rId6"/>
-    <p:sldLayoutId id="2147483655" r:id="rId7"/>
-    <p:sldLayoutId id="2147483656" r:id="rId8"/>
-    <p:sldLayoutId id="2147483657" r:id="rId9"/>
-    <p:sldLayoutId id="2147483658" r:id="rId10"/>
-    <p:sldLayoutId id="2147483659" r:id="rId11"/>
+    <p:sldLayoutId id="2147483721" r:id="rId1"/>
+    <p:sldLayoutId id="2147483722" r:id="rId2"/>
+    <p:sldLayoutId id="2147483723" r:id="rId3"/>
+    <p:sldLayoutId id="2147483724" r:id="rId4"/>
+    <p:sldLayoutId id="2147483725" r:id="rId5"/>
+    <p:sldLayoutId id="2147483726" r:id="rId6"/>
+    <p:sldLayoutId id="2147483727" r:id="rId7"/>
+    <p:sldLayoutId id="2147483728" r:id="rId8"/>
+    <p:sldLayoutId id="2147483729" r:id="rId9"/>
+    <p:sldLayoutId id="2147483730" r:id="rId10"/>
+    <p:sldLayoutId id="2147483731" r:id="rId11"/>
   </p:sldLayoutIdLst>
   <p:txStyles>
     <p:titleStyle>
-      <a:lvl1pPr algn="ctr" defTabSz="342900" eaLnBrk="1" hangingPunct="1" latinLnBrk="0" rtl="0">
+      <a:lvl1pPr algn="l" defTabSz="914400" rtl="0" eaLnBrk="1" latinLnBrk="0" hangingPunct="1">
+        <a:lnSpc>
+          <a:spcPct val="85000"/>
+        </a:lnSpc>
         <a:spcBef>
           <a:spcPct val="0"/>
         </a:spcBef>
         <a:buNone/>
-        <a:defRPr kern="1200" sz="3300">
+        <a:defRPr sz="4800" kern="1200" spc="-50" baseline="0">
           <a:solidFill>
-            <a:schemeClr val="tx1"/>
+            <a:schemeClr val="tx1">
+              <a:lumMod val="75000"/>
+              <a:lumOff val="25000"/>
+            </a:schemeClr>
           </a:solidFill>
           <a:latin typeface="+mj-lt"/>
           <a:ea typeface="+mj-ea"/>
@@ -2861,135 +3465,244 @@
       </a:lvl1pPr>
     </p:titleStyle>
     <p:bodyStyle>
-      <a:lvl1pPr algn="l" defTabSz="342900" eaLnBrk="1" hangingPunct="1" indent="-342900" latinLnBrk="0" marL="342900" rtl="0">
+      <a:lvl1pPr marL="91440" indent="-91440" algn="l" defTabSz="914400" rtl="0" eaLnBrk="1" latinLnBrk="0" hangingPunct="1">
+        <a:lnSpc>
+          <a:spcPct val="90000"/>
+        </a:lnSpc>
         <a:spcBef>
-          <a:spcPct val="20000"/>
+          <a:spcPts val="1200"/>
         </a:spcBef>
-        <a:buFont typeface="Arial"/>
-        <a:buChar char="•"/>
-        <a:defRPr kern="1200" sz="2400">
+        <a:spcAft>
+          <a:spcPts val="200"/>
+        </a:spcAft>
+        <a:buClr>
+          <a:schemeClr val="accent3"/>
+        </a:buClr>
+        <a:buSzPct val="100000"/>
+        <a:buFont typeface="Calibri" panose="020F0502020204030204" pitchFamily="34" charset="0"/>
+        <a:buChar char=" "/>
+        <a:defRPr sz="2000" kern="1200">
           <a:solidFill>
-            <a:schemeClr val="tx1"/>
+            <a:schemeClr val="tx1">
+              <a:lumMod val="75000"/>
+              <a:lumOff val="25000"/>
+            </a:schemeClr>
           </a:solidFill>
           <a:latin typeface="+mn-lt"/>
           <a:ea typeface="+mn-ea"/>
           <a:cs typeface="+mn-cs"/>
         </a:defRPr>
       </a:lvl1pPr>
-      <a:lvl2pPr algn="l" defTabSz="342900" eaLnBrk="1" hangingPunct="1" indent="-342900" latinLnBrk="0" marL="685800" rtl="0">
+      <a:lvl2pPr marL="384048" indent="-182880" algn="l" defTabSz="914400" rtl="0" eaLnBrk="1" latinLnBrk="0" hangingPunct="1">
+        <a:lnSpc>
+          <a:spcPct val="90000"/>
+        </a:lnSpc>
         <a:spcBef>
-          <a:spcPct val="20000"/>
+          <a:spcPts val="200"/>
         </a:spcBef>
-        <a:buFont typeface="Arial"/>
-        <a:buChar char="–"/>
-        <a:defRPr kern="1200" sz="2100">
+        <a:spcAft>
+          <a:spcPts val="400"/>
+        </a:spcAft>
+        <a:buClr>
+          <a:schemeClr val="accent3"/>
+        </a:buClr>
+        <a:buFont typeface="Calibri" pitchFamily="34" charset="0"/>
+        <a:buChar char="◦"/>
+        <a:defRPr sz="1800" kern="1200">
           <a:solidFill>
-            <a:schemeClr val="tx1"/>
+            <a:schemeClr val="tx1">
+              <a:lumMod val="75000"/>
+              <a:lumOff val="25000"/>
+            </a:schemeClr>
           </a:solidFill>
           <a:latin typeface="+mn-lt"/>
           <a:ea typeface="+mn-ea"/>
           <a:cs typeface="+mn-cs"/>
         </a:defRPr>
       </a:lvl2pPr>
-      <a:lvl3pPr algn="l" defTabSz="342900" eaLnBrk="1" hangingPunct="1" indent="-342900" latinLnBrk="0" marL="1028700" rtl="0">
+      <a:lvl3pPr marL="566928" indent="-182880" algn="l" defTabSz="914400" rtl="0" eaLnBrk="1" latinLnBrk="0" hangingPunct="1">
+        <a:lnSpc>
+          <a:spcPct val="90000"/>
+        </a:lnSpc>
         <a:spcBef>
-          <a:spcPct val="20000"/>
+          <a:spcPts val="200"/>
         </a:spcBef>
-        <a:buFont typeface="Arial"/>
-        <a:buChar char="•"/>
-        <a:defRPr kern="1200" sz="1800">
+        <a:spcAft>
+          <a:spcPts val="400"/>
+        </a:spcAft>
+        <a:buClr>
+          <a:schemeClr val="accent3"/>
+        </a:buClr>
+        <a:buFont typeface="Calibri" pitchFamily="34" charset="0"/>
+        <a:buChar char="◦"/>
+        <a:defRPr sz="1400" kern="1200">
           <a:solidFill>
-            <a:schemeClr val="tx1"/>
+            <a:schemeClr val="tx1">
+              <a:lumMod val="75000"/>
+              <a:lumOff val="25000"/>
+            </a:schemeClr>
           </a:solidFill>
           <a:latin typeface="+mn-lt"/>
           <a:ea typeface="+mn-ea"/>
           <a:cs typeface="+mn-cs"/>
         </a:defRPr>
       </a:lvl3pPr>
-      <a:lvl4pPr algn="l" defTabSz="342900" eaLnBrk="1" hangingPunct="1" indent="-342900" latinLnBrk="0" marL="1371600" rtl="0">
+      <a:lvl4pPr marL="749808" indent="-182880" algn="l" defTabSz="914400" rtl="0" eaLnBrk="1" latinLnBrk="0" hangingPunct="1">
+        <a:lnSpc>
+          <a:spcPct val="90000"/>
+        </a:lnSpc>
         <a:spcBef>
-          <a:spcPct val="20000"/>
+          <a:spcPts val="200"/>
         </a:spcBef>
-        <a:buFont typeface="Arial"/>
-        <a:buChar char="–"/>
-        <a:defRPr kern="1200" sz="1500">
+        <a:spcAft>
+          <a:spcPts val="400"/>
+        </a:spcAft>
+        <a:buClr>
+          <a:schemeClr val="accent3"/>
+        </a:buClr>
+        <a:buFont typeface="Calibri" pitchFamily="34" charset="0"/>
+        <a:buChar char="◦"/>
+        <a:defRPr sz="1400" kern="1200">
           <a:solidFill>
-            <a:schemeClr val="tx1"/>
+            <a:schemeClr val="tx1">
+              <a:lumMod val="75000"/>
+              <a:lumOff val="25000"/>
+            </a:schemeClr>
           </a:solidFill>
           <a:latin typeface="+mn-lt"/>
           <a:ea typeface="+mn-ea"/>
           <a:cs typeface="+mn-cs"/>
         </a:defRPr>
       </a:lvl4pPr>
-      <a:lvl5pPr algn="l" defTabSz="342900" eaLnBrk="1" hangingPunct="1" indent="-342900" latinLnBrk="0" marL="1714500" rtl="0">
+      <a:lvl5pPr marL="932688" indent="-182880" algn="l" defTabSz="914400" rtl="0" eaLnBrk="1" latinLnBrk="0" hangingPunct="1">
+        <a:lnSpc>
+          <a:spcPct val="90000"/>
+        </a:lnSpc>
         <a:spcBef>
-          <a:spcPct val="20000"/>
+          <a:spcPts val="200"/>
         </a:spcBef>
-        <a:buFont typeface="Arial"/>
-        <a:buChar char="»"/>
-        <a:defRPr kern="1200" sz="1500">
+        <a:spcAft>
+          <a:spcPts val="400"/>
+        </a:spcAft>
+        <a:buClr>
+          <a:schemeClr val="accent3"/>
+        </a:buClr>
+        <a:buFont typeface="Calibri" pitchFamily="34" charset="0"/>
+        <a:buChar char="◦"/>
+        <a:defRPr sz="1400" kern="1200">
           <a:solidFill>
-            <a:schemeClr val="tx1"/>
+            <a:schemeClr val="tx1">
+              <a:lumMod val="75000"/>
+              <a:lumOff val="25000"/>
+            </a:schemeClr>
           </a:solidFill>
           <a:latin typeface="+mn-lt"/>
           <a:ea typeface="+mn-ea"/>
           <a:cs typeface="+mn-cs"/>
         </a:defRPr>
       </a:lvl5pPr>
-      <a:lvl6pPr algn="l" defTabSz="342900" eaLnBrk="1" hangingPunct="1" indent="-342900" latinLnBrk="0" marL="2057400" rtl="0">
+      <a:lvl6pPr marL="1100000" indent="-228600" algn="l" defTabSz="914400" rtl="0" eaLnBrk="1" latinLnBrk="0" hangingPunct="1">
+        <a:lnSpc>
+          <a:spcPct val="90000"/>
+        </a:lnSpc>
         <a:spcBef>
-          <a:spcPct val="20000"/>
+          <a:spcPts val="200"/>
         </a:spcBef>
-        <a:buFont typeface="Arial"/>
-        <a:buChar char="•"/>
-        <a:defRPr kern="1200" sz="1500">
+        <a:spcAft>
+          <a:spcPts val="400"/>
+        </a:spcAft>
+        <a:buClr>
+          <a:schemeClr val="accent3"/>
+        </a:buClr>
+        <a:buFont typeface="Calibri" pitchFamily="34" charset="0"/>
+        <a:buChar char="◦"/>
+        <a:defRPr sz="1400" kern="1200">
           <a:solidFill>
-            <a:schemeClr val="tx1"/>
+            <a:schemeClr val="tx1">
+              <a:lumMod val="75000"/>
+              <a:lumOff val="25000"/>
+            </a:schemeClr>
           </a:solidFill>
           <a:latin typeface="+mn-lt"/>
           <a:ea typeface="+mn-ea"/>
           <a:cs typeface="+mn-cs"/>
         </a:defRPr>
       </a:lvl6pPr>
-      <a:lvl7pPr algn="l" defTabSz="342900" eaLnBrk="1" hangingPunct="1" indent="-342900" latinLnBrk="0" marL="2400300" rtl="0">
+      <a:lvl7pPr marL="1300000" indent="-228600" algn="l" defTabSz="914400" rtl="0" eaLnBrk="1" latinLnBrk="0" hangingPunct="1">
+        <a:lnSpc>
+          <a:spcPct val="90000"/>
+        </a:lnSpc>
         <a:spcBef>
-          <a:spcPct val="20000"/>
+          <a:spcPts val="200"/>
         </a:spcBef>
-        <a:buFont typeface="Arial"/>
-        <a:buChar char="•"/>
-        <a:defRPr kern="1200" sz="1500">
+        <a:spcAft>
+          <a:spcPts val="400"/>
+        </a:spcAft>
+        <a:buClr>
+          <a:schemeClr val="accent3"/>
+        </a:buClr>
+        <a:buFont typeface="Calibri" pitchFamily="34" charset="0"/>
+        <a:buChar char="◦"/>
+        <a:defRPr sz="1400" kern="1200">
           <a:solidFill>
-            <a:schemeClr val="tx1"/>
+            <a:schemeClr val="tx1">
+              <a:lumMod val="75000"/>
+              <a:lumOff val="25000"/>
+            </a:schemeClr>
           </a:solidFill>
           <a:latin typeface="+mn-lt"/>
           <a:ea typeface="+mn-ea"/>
           <a:cs typeface="+mn-cs"/>
         </a:defRPr>
       </a:lvl7pPr>
-      <a:lvl8pPr algn="l" defTabSz="342900" eaLnBrk="1" hangingPunct="1" indent="-342900" latinLnBrk="0" marL="2743200" rtl="0">
+      <a:lvl8pPr marL="1500000" indent="-228600" algn="l" defTabSz="914400" rtl="0" eaLnBrk="1" latinLnBrk="0" hangingPunct="1">
+        <a:lnSpc>
+          <a:spcPct val="90000"/>
+        </a:lnSpc>
         <a:spcBef>
-          <a:spcPct val="20000"/>
+          <a:spcPts val="200"/>
         </a:spcBef>
-        <a:buFont typeface="Arial"/>
-        <a:buChar char="•"/>
-        <a:defRPr kern="1200" sz="1500">
+        <a:spcAft>
+          <a:spcPts val="400"/>
+        </a:spcAft>
+        <a:buClr>
+          <a:schemeClr val="accent3"/>
+        </a:buClr>
+        <a:buFont typeface="Calibri" pitchFamily="34" charset="0"/>
+        <a:buChar char="◦"/>
+        <a:defRPr sz="1400" kern="1200">
           <a:solidFill>
-            <a:schemeClr val="tx1"/>
+            <a:schemeClr val="tx1">
+              <a:lumMod val="75000"/>
+              <a:lumOff val="25000"/>
+            </a:schemeClr>
           </a:solidFill>
           <a:latin typeface="+mn-lt"/>
           <a:ea typeface="+mn-ea"/>
           <a:cs typeface="+mn-cs"/>
         </a:defRPr>
       </a:lvl8pPr>
-      <a:lvl9pPr algn="l" defTabSz="342900" eaLnBrk="1" hangingPunct="1" indent="-342900" latinLnBrk="0" marL="3086100" rtl="0">
+      <a:lvl9pPr marL="1700000" indent="-228600" algn="l" defTabSz="914400" rtl="0" eaLnBrk="1" latinLnBrk="0" hangingPunct="1">
+        <a:lnSpc>
+          <a:spcPct val="90000"/>
+        </a:lnSpc>
         <a:spcBef>
-          <a:spcPct val="20000"/>
+          <a:spcPts val="200"/>
         </a:spcBef>
-        <a:buFont typeface="Arial"/>
-        <a:buChar char="•"/>
-        <a:defRPr kern="1200" sz="1500">
+        <a:spcAft>
+          <a:spcPts val="400"/>
+        </a:spcAft>
+        <a:buClr>
+          <a:schemeClr val="accent3"/>
+        </a:buClr>
+        <a:buFont typeface="Calibri" pitchFamily="34" charset="0"/>
+        <a:buChar char="◦"/>
+        <a:defRPr sz="1400" kern="1200">
           <a:solidFill>
-            <a:schemeClr val="tx1"/>
+            <a:schemeClr val="tx1">
+              <a:lumMod val="75000"/>
+              <a:lumOff val="25000"/>
+            </a:schemeClr>
           </a:solidFill>
           <a:latin typeface="+mn-lt"/>
           <a:ea typeface="+mn-ea"/>
@@ -3001,8 +3714,8 @@
       <a:defPPr>
         <a:defRPr lang="en-US"/>
       </a:defPPr>
-      <a:lvl1pPr algn="l" defTabSz="342900" eaLnBrk="1" hangingPunct="1" latinLnBrk="0" marL="0" rtl="0">
-        <a:defRPr kern="1200" sz="1350">
+      <a:lvl1pPr marL="0" algn="l" defTabSz="914400" rtl="0" eaLnBrk="1" latinLnBrk="0" hangingPunct="1">
+        <a:defRPr sz="1800" kern="1200">
           <a:solidFill>
             <a:schemeClr val="tx1"/>
           </a:solidFill>
@@ -3011,8 +3724,8 @@
           <a:cs typeface="+mn-cs"/>
         </a:defRPr>
       </a:lvl1pPr>
-      <a:lvl2pPr algn="l" defTabSz="342900" eaLnBrk="1" hangingPunct="1" latinLnBrk="0" marL="342900" rtl="0">
-        <a:defRPr kern="1200" sz="1350">
+      <a:lvl2pPr marL="457200" algn="l" defTabSz="914400" rtl="0" eaLnBrk="1" latinLnBrk="0" hangingPunct="1">
+        <a:defRPr sz="1800" kern="1200">
           <a:solidFill>
             <a:schemeClr val="tx1"/>
           </a:solidFill>
@@ -3021,8 +3734,8 @@
           <a:cs typeface="+mn-cs"/>
         </a:defRPr>
       </a:lvl2pPr>
-      <a:lvl3pPr algn="l" defTabSz="342900" eaLnBrk="1" hangingPunct="1" latinLnBrk="0" marL="685800" rtl="0">
-        <a:defRPr kern="1200" sz="1350">
+      <a:lvl3pPr marL="914400" algn="l" defTabSz="914400" rtl="0" eaLnBrk="1" latinLnBrk="0" hangingPunct="1">
+        <a:defRPr sz="1800" kern="1200">
           <a:solidFill>
             <a:schemeClr val="tx1"/>
           </a:solidFill>
@@ -3031,8 +3744,8 @@
           <a:cs typeface="+mn-cs"/>
         </a:defRPr>
       </a:lvl3pPr>
-      <a:lvl4pPr algn="l" defTabSz="342900" eaLnBrk="1" hangingPunct="1" latinLnBrk="0" marL="1028700" rtl="0">
-        <a:defRPr kern="1200" sz="1350">
+      <a:lvl4pPr marL="1371600" algn="l" defTabSz="914400" rtl="0" eaLnBrk="1" latinLnBrk="0" hangingPunct="1">
+        <a:defRPr sz="1800" kern="1200">
           <a:solidFill>
             <a:schemeClr val="tx1"/>
           </a:solidFill>
@@ -3041,8 +3754,8 @@
           <a:cs typeface="+mn-cs"/>
         </a:defRPr>
       </a:lvl4pPr>
-      <a:lvl5pPr algn="l" defTabSz="342900" eaLnBrk="1" hangingPunct="1" latinLnBrk="0" marL="1371600" rtl="0">
-        <a:defRPr kern="1200" sz="1350">
+      <a:lvl5pPr marL="1828800" algn="l" defTabSz="914400" rtl="0" eaLnBrk="1" latinLnBrk="0" hangingPunct="1">
+        <a:defRPr sz="1800" kern="1200">
           <a:solidFill>
             <a:schemeClr val="tx1"/>
           </a:solidFill>
@@ -3051,8 +3764,8 @@
           <a:cs typeface="+mn-cs"/>
         </a:defRPr>
       </a:lvl5pPr>
-      <a:lvl6pPr algn="l" defTabSz="342900" eaLnBrk="1" hangingPunct="1" latinLnBrk="0" marL="1714500" rtl="0">
-        <a:defRPr kern="1200" sz="1350">
+      <a:lvl6pPr marL="2286000" algn="l" defTabSz="914400" rtl="0" eaLnBrk="1" latinLnBrk="0" hangingPunct="1">
+        <a:defRPr sz="1800" kern="1200">
           <a:solidFill>
             <a:schemeClr val="tx1"/>
           </a:solidFill>
@@ -3061,8 +3774,8 @@
           <a:cs typeface="+mn-cs"/>
         </a:defRPr>
       </a:lvl6pPr>
-      <a:lvl7pPr algn="l" defTabSz="342900" eaLnBrk="1" hangingPunct="1" latinLnBrk="0" marL="2057400" rtl="0">
-        <a:defRPr kern="1200" sz="1350">
+      <a:lvl7pPr marL="2743200" algn="l" defTabSz="914400" rtl="0" eaLnBrk="1" latinLnBrk="0" hangingPunct="1">
+        <a:defRPr sz="1800" kern="1200">
           <a:solidFill>
             <a:schemeClr val="tx1"/>
           </a:solidFill>
@@ -3071,8 +3784,8 @@
           <a:cs typeface="+mn-cs"/>
         </a:defRPr>
       </a:lvl7pPr>
-      <a:lvl8pPr algn="l" defTabSz="342900" eaLnBrk="1" hangingPunct="1" latinLnBrk="0" marL="2400300" rtl="0">
-        <a:defRPr kern="1200" sz="1350">
+      <a:lvl8pPr marL="3200400" algn="l" defTabSz="914400" rtl="0" eaLnBrk="1" latinLnBrk="0" hangingPunct="1">
+        <a:defRPr sz="1800" kern="1200">
           <a:solidFill>
             <a:schemeClr val="tx1"/>
           </a:solidFill>
@@ -3081,8 +3794,8 @@
           <a:cs typeface="+mn-cs"/>
         </a:defRPr>
       </a:lvl8pPr>
-      <a:lvl9pPr algn="l" defTabSz="342900" eaLnBrk="1" hangingPunct="1" latinLnBrk="0" marL="2743200" rtl="0">
-        <a:defRPr kern="1200" sz="1350">
+      <a:lvl9pPr marL="3657600" algn="l" defTabSz="914400" rtl="0" eaLnBrk="1" latinLnBrk="0" hangingPunct="1">
+        <a:defRPr sz="1800" kern="1200">
           <a:solidFill>
             <a:schemeClr val="tx1"/>
           </a:solidFill>
@@ -3123,28 +3836,39 @@
             <p:ph type="title"/>
           </p:nvPr>
         </p:nvSpPr>
-        <p:spPr>
-          <a:xfrm>
-            <a:off x="722313" y="3305176"/>
-            <a:ext cx="7772400" cy="1021556"/>
-          </a:xfrm>
-        </p:spPr>
-        <p:txBody>
-          <a:bodyPr/>
-          <a:lstStyle/>
-          <a:p>
-            <a:pPr lvl="0" indent="0" marL="0">
+        <p:spPr/>
+        <p:txBody>
+          <a:bodyPr vert="horz" lIns="91440" tIns="45720" rIns="91440" bIns="45720" rtlCol="0" anchor="b" anchorCtr="0">
+            <a:noAutofit/>
+          </a:bodyPr>
+          <a:lstStyle/>
+          <a:p>
+            <a:pPr marL="0" lvl="0" indent="0">
               <a:buNone/>
             </a:pPr>
             <a:r>
-              <a:rPr/>
-              <a:t>Installing ArchLinux</a:t>
-            </a:r>
+              <a:rPr sz="8900" dirty="0"/>
+              <a:t>Installing</a:t>
+            </a:r>
+            <a:r>
+              <a:rPr sz="14200" dirty="0"/>
+              <a:t> </a:t>
+            </a:r>
+            <a:r>
+              <a:rPr sz="14200" err="1"/>
+              <a:t>ArchLinux</a:t>
+            </a:r>
+            <a:endParaRPr lang="en-US" sz="14200">
+              <a:cs typeface="Calibri Light"/>
+            </a:endParaRPr>
           </a:p>
         </p:txBody>
       </p:sp>
     </p:spTree>
   </p:cSld>
+  <p:clrMapOvr>
+    <a:masterClrMapping/>
+  </p:clrMapOvr>
 </p:sld>
 </file>
 
@@ -3180,13 +3904,14 @@
           <a:bodyPr/>
           <a:lstStyle/>
           <a:p>
-            <a:pPr lvl="0" indent="0" marL="0">
+            <a:pPr marL="0" lvl="0" indent="0">
               <a:buNone/>
             </a:pPr>
             <a:r>
-              <a:rPr/>
-              <a:t>boot</a:t>
-            </a:r>
+              <a:rPr lang="en-US" dirty="0"/>
+              <a:t>Boot</a:t>
+            </a:r>
+            <a:endParaRPr dirty="0"/>
           </a:p>
         </p:txBody>
       </p:sp>
@@ -3207,14 +3932,12 @@
           <a:p>
             <a:pPr lvl="0"/>
             <a:r>
-              <a:rPr/>
               <a:t>plug in your usb and power on</a:t>
             </a:r>
           </a:p>
           <a:p>
             <a:pPr lvl="0"/>
             <a:r>
-              <a:rPr/>
               <a:t>usually pressing </a:t>
             </a:r>
             <a:r>
@@ -3224,7 +3947,6 @@
               <a:t>f2</a:t>
             </a:r>
             <a:r>
-              <a:rPr/>
               <a:t>, </a:t>
             </a:r>
             <a:r>
@@ -3234,7 +3956,6 @@
               <a:t>f11</a:t>
             </a:r>
             <a:r>
-              <a:rPr/>
               <a:t>, </a:t>
             </a:r>
             <a:r>
@@ -3244,7 +3965,6 @@
               <a:t>f12</a:t>
             </a:r>
             <a:r>
-              <a:rPr/>
               <a:t>, of </a:t>
             </a:r>
             <a:r>
@@ -3254,7 +3974,6 @@
               <a:t>del</a:t>
             </a:r>
             <a:r>
-              <a:rPr/>
               <a:t> will get you into the boot picker or the bios. From there, choose your usb</a:t>
             </a:r>
           </a:p>
@@ -3262,6 +3981,9 @@
       </p:sp>
     </p:spTree>
   </p:cSld>
+  <p:clrMapOvr>
+    <a:masterClrMapping/>
+  </p:clrMapOvr>
 </p:sld>
 </file>
 
@@ -3297,11 +4019,10 @@
           <a:bodyPr/>
           <a:lstStyle/>
           <a:p>
-            <a:pPr lvl="0" indent="0" marL="0">
+            <a:pPr marL="0" lvl="0" indent="0">
               <a:buNone/>
             </a:pPr>
             <a:r>
-              <a:rPr/>
               <a:t>Networking</a:t>
             </a:r>
           </a:p>
@@ -3324,7 +4045,6 @@
           <a:p>
             <a:pPr lvl="0"/>
             <a:r>
-              <a:rPr/>
               <a:t>if using wifi, use </a:t>
             </a:r>
             <a:r>
@@ -3334,7 +4054,6 @@
               <a:t>iwctl</a:t>
             </a:r>
             <a:r>
-              <a:rPr/>
               <a:t> to connect</a:t>
             </a:r>
           </a:p>
@@ -3347,7 +4066,6 @@
               <a:t>ping 1.1.1.1</a:t>
             </a:r>
             <a:r>
-              <a:rPr/>
               <a:t> for ip</a:t>
             </a:r>
           </a:p>
@@ -3360,7 +4078,6 @@
               <a:t>ping google.com</a:t>
             </a:r>
             <a:r>
-              <a:rPr/>
               <a:t> for dns</a:t>
             </a:r>
           </a:p>
@@ -3368,6 +4085,9 @@
       </p:sp>
     </p:spTree>
   </p:cSld>
+  <p:clrMapOvr>
+    <a:masterClrMapping/>
+  </p:clrMapOvr>
 </p:sld>
 </file>
 
@@ -3403,11 +4123,10 @@
           <a:bodyPr/>
           <a:lstStyle/>
           <a:p>
-            <a:pPr lvl="0" indent="0" marL="0">
+            <a:pPr marL="0" lvl="0" indent="0">
               <a:buNone/>
             </a:pPr>
             <a:r>
-              <a:rPr/>
               <a:t>time, date, locale, keeb, etc</a:t>
             </a:r>
           </a:p>
@@ -3430,7 +4149,6 @@
           <a:p>
             <a:pPr lvl="0"/>
             <a:r>
-              <a:rPr/>
               <a:t>defaults to american qwerty, utc time, american english</a:t>
             </a:r>
           </a:p>
@@ -3438,6 +4156,9 @@
       </p:sp>
     </p:spTree>
   </p:cSld>
+  <p:clrMapOvr>
+    <a:masterClrMapping/>
+  </p:clrMapOvr>
 </p:sld>
 </file>
 
@@ -3473,11 +4194,10 @@
           <a:bodyPr/>
           <a:lstStyle/>
           <a:p>
-            <a:pPr lvl="0" indent="0" marL="0">
+            <a:pPr marL="0" lvl="0" indent="0">
               <a:buNone/>
             </a:pPr>
             <a:r>
-              <a:rPr/>
               <a:t>setup disks</a:t>
             </a:r>
           </a:p>
@@ -3500,14 +4220,12 @@
           <a:p>
             <a:pPr lvl="0"/>
             <a:r>
-              <a:rPr/>
               <a:t>DON’T LISTEN TO THE PARTITIONING SCHEME</a:t>
             </a:r>
           </a:p>
           <a:p>
             <a:pPr lvl="0"/>
             <a:r>
-              <a:rPr/>
               <a:t>refer to the wiki article for your chosen disk layout</a:t>
             </a:r>
           </a:p>
@@ -3515,6 +4233,9 @@
       </p:sp>
     </p:spTree>
   </p:cSld>
+  <p:clrMapOvr>
+    <a:masterClrMapping/>
+  </p:clrMapOvr>
 </p:sld>
 </file>
 
@@ -3550,11 +4271,10 @@
           <a:bodyPr/>
           <a:lstStyle/>
           <a:p>
-            <a:pPr lvl="0" indent="0" marL="0">
+            <a:pPr marL="0" lvl="0" indent="0">
               <a:buNone/>
             </a:pPr>
             <a:r>
-              <a:rPr/>
               <a:t>mount your disks</a:t>
             </a:r>
           </a:p>
@@ -3577,7 +4297,6 @@
           <a:p>
             <a:pPr lvl="0"/>
             <a:r>
-              <a:rPr/>
               <a:t>start with </a:t>
             </a:r>
             <a:r>
@@ -3590,14 +4309,12 @@
           <a:p>
             <a:pPr lvl="0"/>
             <a:r>
-              <a:rPr/>
               <a:t>continue filling out the tree</a:t>
             </a:r>
           </a:p>
           <a:p>
             <a:pPr lvl="0"/>
             <a:r>
-              <a:rPr/>
               <a:t>don’t forget to mount your EFI partition at </a:t>
             </a:r>
             <a:r>
@@ -3611,6 +4328,9 @@
       </p:sp>
     </p:spTree>
   </p:cSld>
+  <p:clrMapOvr>
+    <a:masterClrMapping/>
+  </p:clrMapOvr>
 </p:sld>
 </file>
 
@@ -3646,11 +4366,10 @@
           <a:bodyPr/>
           <a:lstStyle/>
           <a:p>
-            <a:pPr lvl="0" indent="0" marL="0">
+            <a:pPr marL="0" lvl="0" indent="0">
               <a:buNone/>
             </a:pPr>
             <a:r>
-              <a:rPr/>
               <a:t>package installation</a:t>
             </a:r>
           </a:p>
@@ -3673,7 +4392,6 @@
           <a:p>
             <a:pPr lvl="0"/>
             <a:r>
-              <a:rPr/>
               <a:t>choose kernel: </a:t>
             </a:r>
             <a:r>
@@ -3683,7 +4401,6 @@
               <a:t>linux</a:t>
             </a:r>
             <a:r>
-              <a:rPr/>
               <a:t>,</a:t>
             </a:r>
             <a:r>
@@ -3693,7 +4410,6 @@
               <a:t>linux-lts</a:t>
             </a:r>
             <a:r>
-              <a:rPr/>
               <a:t>,</a:t>
             </a:r>
             <a:r>
@@ -3703,21 +4419,18 @@
               <a:t>zen</a:t>
             </a:r>
             <a:r>
-              <a:rPr/>
               <a:t>, etc.</a:t>
             </a:r>
           </a:p>
           <a:p>
             <a:pPr lvl="0"/>
             <a:r>
-              <a:rPr/>
               <a:t>are headers/dkms required</a:t>
             </a:r>
           </a:p>
           <a:p>
             <a:pPr lvl="0"/>
             <a:r>
-              <a:rPr/>
               <a:t>out of tree packages e.g.</a:t>
             </a:r>
             <a:r>
@@ -3730,7 +4443,6 @@
           <a:p>
             <a:pPr lvl="0"/>
             <a:r>
-              <a:rPr/>
               <a:t>editor e.g. </a:t>
             </a:r>
             <a:r>
@@ -3740,7 +4452,6 @@
               <a:t>vim</a:t>
             </a:r>
             <a:r>
-              <a:rPr/>
               <a:t>,</a:t>
             </a:r>
             <a:r>
@@ -3750,7 +4461,6 @@
               <a:t>nano</a:t>
             </a:r>
             <a:r>
-              <a:rPr/>
               <a:t>,</a:t>
             </a:r>
             <a:r>
@@ -3760,7 +4470,6 @@
               <a:t>nvim</a:t>
             </a:r>
             <a:r>
-              <a:rPr/>
               <a:t>,</a:t>
             </a:r>
             <a:r>
@@ -3770,7 +4479,6 @@
               <a:t>micro</a:t>
             </a:r>
             <a:r>
-              <a:rPr/>
               <a:t>,</a:t>
             </a:r>
             <a:r>
@@ -3783,7 +4491,6 @@
           <a:p>
             <a:pPr lvl="0"/>
             <a:r>
-              <a:rPr/>
               <a:t>DON’T FORGET NETWORKING e.g. </a:t>
             </a:r>
             <a:r>
@@ -3796,7 +4503,6 @@
           <a:p>
             <a:pPr lvl="0"/>
             <a:r>
-              <a:rPr/>
               <a:t>genfstab</a:t>
             </a:r>
           </a:p>
@@ -3804,6 +4510,9 @@
       </p:sp>
     </p:spTree>
   </p:cSld>
+  <p:clrMapOvr>
+    <a:masterClrMapping/>
+  </p:clrMapOvr>
 </p:sld>
 </file>
 
@@ -3839,11 +4548,10 @@
           <a:bodyPr/>
           <a:lstStyle/>
           <a:p>
-            <a:pPr lvl="0" indent="0" marL="0">
+            <a:pPr marL="0" lvl="0" indent="0">
               <a:buNone/>
             </a:pPr>
             <a:r>
-              <a:rPr/>
               <a:t>Boot toolchain</a:t>
             </a:r>
           </a:p>
@@ -3866,14 +4574,12 @@
           <a:p>
             <a:pPr lvl="0"/>
             <a:r>
-              <a:rPr/>
               <a:t>differs per method.</a:t>
             </a:r>
           </a:p>
           <a:p>
             <a:pPr lvl="0"/>
             <a:r>
-              <a:rPr/>
               <a:t>very important</a:t>
             </a:r>
           </a:p>
@@ -3881,6 +4587,9 @@
       </p:sp>
     </p:spTree>
   </p:cSld>
+  <p:clrMapOvr>
+    <a:masterClrMapping/>
+  </p:clrMapOvr>
 </p:sld>
 </file>
 
@@ -3911,28 +4620,31 @@
             <p:ph type="title"/>
           </p:nvPr>
         </p:nvSpPr>
-        <p:spPr>
-          <a:xfrm>
-            <a:off x="722313" y="3305176"/>
-            <a:ext cx="7772400" cy="1021556"/>
-          </a:xfrm>
-        </p:spPr>
-        <p:txBody>
-          <a:bodyPr/>
-          <a:lstStyle/>
-          <a:p>
-            <a:pPr lvl="0" indent="0" marL="0">
+        <p:spPr/>
+        <p:txBody>
+          <a:bodyPr vert="horz" lIns="91440" tIns="45720" rIns="91440" bIns="45720" rtlCol="0" anchor="b" anchorCtr="0">
+            <a:noAutofit/>
+          </a:bodyPr>
+          <a:lstStyle/>
+          <a:p>
+            <a:pPr marL="0" lvl="0" indent="0">
               <a:buNone/>
             </a:pPr>
             <a:r>
-              <a:rPr/>
+              <a:rPr sz="8800"/>
               <a:t>Post-Installation</a:t>
             </a:r>
+            <a:endParaRPr lang="en-US" sz="8800">
+              <a:cs typeface="Calibri Light"/>
+            </a:endParaRPr>
           </a:p>
         </p:txBody>
       </p:sp>
     </p:spTree>
   </p:cSld>
+  <p:clrMapOvr>
+    <a:masterClrMapping/>
+  </p:clrMapOvr>
 </p:sld>
 </file>
 
@@ -3968,11 +4680,10 @@
           <a:bodyPr/>
           <a:lstStyle/>
           <a:p>
-            <a:pPr lvl="0" indent="0" marL="0">
+            <a:pPr marL="0" lvl="0" indent="0">
               <a:buNone/>
             </a:pPr>
             <a:r>
-              <a:rPr/>
               <a:t>what we have</a:t>
             </a:r>
           </a:p>
@@ -3995,35 +4706,30 @@
           <a:p>
             <a:pPr lvl="0"/>
             <a:r>
-              <a:rPr/>
               <a:t>kernel</a:t>
             </a:r>
           </a:p>
           <a:p>
             <a:pPr lvl="0"/>
             <a:r>
-              <a:rPr/>
               <a:t>coreutils</a:t>
             </a:r>
           </a:p>
           <a:p>
             <a:pPr lvl="0"/>
             <a:r>
-              <a:rPr/>
               <a:t>init system</a:t>
             </a:r>
           </a:p>
           <a:p>
             <a:pPr lvl="0"/>
             <a:r>
-              <a:rPr/>
               <a:t>userspace</a:t>
             </a:r>
           </a:p>
           <a:p>
             <a:pPr lvl="0"/>
             <a:r>
-              <a:rPr/>
               <a:t>that’s it</a:t>
             </a:r>
           </a:p>
@@ -4031,6 +4737,9 @@
       </p:sp>
     </p:spTree>
   </p:cSld>
+  <p:clrMapOvr>
+    <a:masterClrMapping/>
+  </p:clrMapOvr>
 </p:sld>
 </file>
 
@@ -4066,11 +4775,10 @@
           <a:bodyPr/>
           <a:lstStyle/>
           <a:p>
-            <a:pPr lvl="0" indent="0" marL="0">
+            <a:pPr marL="0" lvl="0" indent="0">
               <a:buNone/>
             </a:pPr>
             <a:r>
-              <a:rPr/>
               <a:t>what we don’t</a:t>
             </a:r>
           </a:p>
@@ -4093,35 +4801,30 @@
           <a:p>
             <a:pPr lvl="0"/>
             <a:r>
-              <a:rPr/>
               <a:t>sudo</a:t>
             </a:r>
           </a:p>
           <a:p>
             <a:pPr lvl="0"/>
             <a:r>
-              <a:rPr/>
               <a:t>users</a:t>
             </a:r>
           </a:p>
           <a:p>
             <a:pPr lvl="0"/>
             <a:r>
-              <a:rPr/>
               <a:t>most applications</a:t>
             </a:r>
           </a:p>
           <a:p>
             <a:pPr lvl="0"/>
             <a:r>
-              <a:rPr/>
               <a:t>Desktop Environment</a:t>
             </a:r>
           </a:p>
           <a:p>
             <a:pPr lvl="0"/>
             <a:r>
-              <a:rPr/>
               <a:t>AUR</a:t>
             </a:r>
           </a:p>
@@ -4129,6 +4832,9 @@
       </p:sp>
     </p:spTree>
   </p:cSld>
+  <p:clrMapOvr>
+    <a:masterClrMapping/>
+  </p:clrMapOvr>
 </p:sld>
 </file>
 
@@ -4164,11 +4870,10 @@
           <a:bodyPr/>
           <a:lstStyle/>
           <a:p>
-            <a:pPr lvl="0" indent="0" marL="0">
+            <a:pPr marL="0" lvl="0" indent="0">
               <a:buNone/>
             </a:pPr>
             <a:r>
-              <a:rPr/>
               <a:t>Preconceptions</a:t>
             </a:r>
           </a:p>
@@ -4191,42 +4896,36 @@
           <a:p>
             <a:pPr lvl="0"/>
             <a:r>
-              <a:rPr/>
               <a:t>arch is hard</a:t>
             </a:r>
           </a:p>
           <a:p>
             <a:pPr lvl="1"/>
             <a:r>
-              <a:rPr/>
               <a:t>no, arch requires reading</a:t>
             </a:r>
           </a:p>
           <a:p>
             <a:pPr lvl="0"/>
             <a:r>
-              <a:rPr/>
               <a:t>arch will always break</a:t>
             </a:r>
           </a:p>
           <a:p>
             <a:pPr lvl="1"/>
             <a:r>
-              <a:rPr/>
               <a:t>no, arch is as stable as you make it</a:t>
             </a:r>
           </a:p>
           <a:p>
             <a:pPr lvl="0"/>
             <a:r>
-              <a:rPr/>
               <a:t>I reinstalled arch 3 times in the last month</a:t>
             </a:r>
           </a:p>
           <a:p>
             <a:pPr lvl="1"/>
             <a:r>
-              <a:rPr/>
               <a:t>you’re the sysadmin of your system. you’ll get better.</a:t>
             </a:r>
           </a:p>
@@ -4234,6 +4933,9 @@
       </p:sp>
     </p:spTree>
   </p:cSld>
+  <p:clrMapOvr>
+    <a:masterClrMapping/>
+  </p:clrMapOvr>
 </p:sld>
 </file>
 
@@ -4264,28 +4966,31 @@
             <p:ph type="title"/>
           </p:nvPr>
         </p:nvSpPr>
-        <p:spPr>
-          <a:xfrm>
-            <a:off x="722313" y="3305176"/>
-            <a:ext cx="7772400" cy="1021556"/>
-          </a:xfrm>
-        </p:spPr>
-        <p:txBody>
-          <a:bodyPr/>
-          <a:lstStyle/>
-          <a:p>
-            <a:pPr lvl="0" indent="0" marL="0">
+        <p:spPr/>
+        <p:txBody>
+          <a:bodyPr>
+            <a:normAutofit/>
+          </a:bodyPr>
+          <a:lstStyle/>
+          <a:p>
+            <a:pPr marL="0" lvl="0" indent="0">
               <a:buNone/>
             </a:pPr>
             <a:r>
-              <a:rPr/>
+              <a:rPr sz="8900" dirty="0"/>
               <a:t>what now?</a:t>
             </a:r>
+            <a:endParaRPr lang="en-US" sz="8900" dirty="0">
+              <a:cs typeface="Calibri Light"/>
+            </a:endParaRPr>
           </a:p>
         </p:txBody>
       </p:sp>
     </p:spTree>
   </p:cSld>
+  <p:clrMapOvr>
+    <a:masterClrMapping/>
+  </p:clrMapOvr>
 </p:sld>
 </file>
 
@@ -4321,11 +5026,10 @@
           <a:bodyPr/>
           <a:lstStyle/>
           <a:p>
-            <a:pPr lvl="0" indent="0" marL="0">
+            <a:pPr marL="0" lvl="0" indent="0">
               <a:buNone/>
             </a:pPr>
             <a:r>
-              <a:rPr/>
               <a:t>make users</a:t>
             </a:r>
           </a:p>
@@ -4338,38 +5042,34 @@
             <a:spLocks noGrp="1"/>
           </p:cNvSpPr>
           <p:nvPr>
-            <p:ph idx="1" sz="half"/>
-          </p:nvPr>
-        </p:nvSpPr>
-        <p:spPr/>
-        <p:txBody>
-          <a:bodyPr/>
-          <a:lstStyle/>
-          <a:p>
-            <a:pPr lvl="0"/>
-            <a:r>
-              <a:rPr/>
+            <p:ph sz="half" idx="1"/>
+          </p:nvPr>
+        </p:nvSpPr>
+        <p:spPr/>
+        <p:txBody>
+          <a:bodyPr/>
+          <a:lstStyle/>
+          <a:p>
+            <a:pPr lvl="0"/>
+            <a:r>
               <a:t>add a user</a:t>
             </a:r>
           </a:p>
           <a:p>
             <a:pPr lvl="0"/>
             <a:r>
-              <a:rPr/>
               <a:t>install sudo</a:t>
             </a:r>
           </a:p>
           <a:p>
             <a:pPr lvl="0"/>
             <a:r>
-              <a:rPr/>
               <a:t>add user to sudoers somehow</a:t>
             </a:r>
           </a:p>
           <a:p>
             <a:pPr lvl="0"/>
             <a:r>
-              <a:rPr/>
               <a:t>other required groups</a:t>
             </a:r>
           </a:p>
@@ -4382,15 +5082,15 @@
             <a:spLocks noGrp="1"/>
           </p:cNvSpPr>
           <p:nvPr>
-            <p:ph idx="2" sz="half"/>
-          </p:nvPr>
-        </p:nvSpPr>
-        <p:spPr/>
-        <p:txBody>
-          <a:bodyPr/>
-          <a:lstStyle/>
-          <a:p>
-            <a:pPr lvl="0" indent="0" marL="0">
+            <p:ph sz="half" idx="2"/>
+          </p:nvPr>
+        </p:nvSpPr>
+        <p:spPr/>
+        <p:txBody>
+          <a:bodyPr/>
+          <a:lstStyle/>
+          <a:p>
+            <a:pPr marL="0" lvl="0" indent="0">
               <a:buNone/>
             </a:pPr>
             <a:r>
@@ -4401,7 +5101,7 @@
             </a:r>
           </a:p>
           <a:p>
-            <a:pPr lvl="0" indent="0" marL="0">
+            <a:pPr marL="0" lvl="0" indent="0">
               <a:buNone/>
             </a:pPr>
             <a:r>
@@ -4412,7 +5112,7 @@
             </a:r>
           </a:p>
           <a:p>
-            <a:pPr lvl="0" indent="0" marL="0">
+            <a:pPr marL="0" lvl="0" indent="0">
               <a:buNone/>
             </a:pPr>
             <a:r>
@@ -4423,7 +5123,7 @@
             </a:r>
           </a:p>
           <a:p>
-            <a:pPr lvl="0" indent="0" marL="0">
+            <a:pPr marL="0" lvl="0" indent="0">
               <a:buNone/>
             </a:pPr>
             <a:r>
@@ -4437,6 +5137,9 @@
       </p:sp>
     </p:spTree>
   </p:cSld>
+  <p:clrMapOvr>
+    <a:masterClrMapping/>
+  </p:clrMapOvr>
 </p:sld>
 </file>
 
@@ -4472,11 +5175,10 @@
           <a:bodyPr/>
           <a:lstStyle/>
           <a:p>
-            <a:pPr lvl="0" indent="0" marL="0">
+            <a:pPr marL="0" lvl="0" indent="0">
               <a:buNone/>
             </a:pPr>
             <a:r>
-              <a:rPr/>
               <a:t>install a DE</a:t>
             </a:r>
           </a:p>
@@ -4499,28 +5201,24 @@
           <a:p>
             <a:pPr lvl="0"/>
             <a:r>
-              <a:rPr/>
               <a:t>graphics drivers</a:t>
             </a:r>
           </a:p>
           <a:p>
             <a:pPr lvl="0"/>
             <a:r>
-              <a:rPr/>
               <a:t>base DE package</a:t>
             </a:r>
           </a:p>
           <a:p>
             <a:pPr lvl="0"/>
             <a:r>
-              <a:rPr/>
               <a:t>audio</a:t>
             </a:r>
           </a:p>
           <a:p>
             <a:pPr lvl="0"/>
             <a:r>
-              <a:rPr/>
               <a:t>gui apps</a:t>
             </a:r>
           </a:p>
@@ -4528,6 +5226,9 @@
       </p:sp>
     </p:spTree>
   </p:cSld>
+  <p:clrMapOvr>
+    <a:masterClrMapping/>
+  </p:clrMapOvr>
 </p:sld>
 </file>
 
@@ -4563,11 +5264,10 @@
           <a:bodyPr/>
           <a:lstStyle/>
           <a:p>
-            <a:pPr lvl="0" indent="0" marL="0">
+            <a:pPr marL="0" lvl="0" indent="0">
               <a:buNone/>
             </a:pPr>
             <a:r>
-              <a:rPr/>
               <a:t>Security</a:t>
             </a:r>
           </a:p>
@@ -4590,7 +5290,6 @@
           <a:p>
             <a:pPr lvl="0"/>
             <a:r>
-              <a:rPr/>
               <a:t>Secure boot</a:t>
             </a:r>
           </a:p>
@@ -4598,6 +5297,9 @@
       </p:sp>
     </p:spTree>
   </p:cSld>
+  <p:clrMapOvr>
+    <a:masterClrMapping/>
+  </p:clrMapOvr>
 </p:sld>
 </file>
 
@@ -4633,11 +5335,10 @@
           <a:bodyPr/>
           <a:lstStyle/>
           <a:p>
-            <a:pPr lvl="0" indent="0" marL="0">
+            <a:pPr marL="0" lvl="0" indent="0">
               <a:buNone/>
             </a:pPr>
             <a:r>
-              <a:rPr/>
               <a:t>Ricing</a:t>
             </a:r>
           </a:p>
@@ -4660,21 +5361,18 @@
           <a:p>
             <a:pPr lvl="0"/>
             <a:r>
-              <a:rPr/>
               <a:t>the term</a:t>
             </a:r>
           </a:p>
           <a:p>
             <a:pPr lvl="0"/>
             <a:r>
-              <a:rPr/>
               <a:t>Hyprland</a:t>
             </a:r>
           </a:p>
           <a:p>
             <a:pPr lvl="0"/>
             <a:r>
-              <a:rPr/>
               <a:t>themes</a:t>
             </a:r>
           </a:p>
@@ -4682,6 +5380,9 @@
       </p:sp>
     </p:spTree>
   </p:cSld>
+  <p:clrMapOvr>
+    <a:masterClrMapping/>
+  </p:clrMapOvr>
 </p:sld>
 </file>
 
@@ -4717,11 +5418,10 @@
           <a:bodyPr/>
           <a:lstStyle/>
           <a:p>
-            <a:pPr lvl="0" indent="0" marL="0">
+            <a:pPr marL="0" lvl="0" indent="0">
               <a:buNone/>
             </a:pPr>
             <a:r>
-              <a:rPr/>
               <a:t>Steps to do anything in arch:</a:t>
             </a:r>
           </a:p>
@@ -4744,42 +5444,36 @@
           <a:p>
             <a:pPr lvl="0"/>
             <a:r>
-              <a:rPr/>
               <a:t>what do you want to do?</a:t>
             </a:r>
           </a:p>
           <a:p>
             <a:pPr lvl="1"/>
             <a:r>
-              <a:rPr/>
               <a:t>how would a nerd do it?</a:t>
             </a:r>
           </a:p>
           <a:p>
             <a:pPr lvl="0"/>
             <a:r>
-              <a:rPr/>
               <a:t>read the wiki</a:t>
             </a:r>
           </a:p>
           <a:p>
             <a:pPr lvl="0"/>
             <a:r>
-              <a:rPr/>
               <a:t>READ THE WIKI</a:t>
             </a:r>
           </a:p>
           <a:p>
             <a:pPr lvl="0"/>
             <a:r>
-              <a:rPr/>
               <a:t>devise a plan for what you want to do based on its contents</a:t>
             </a:r>
           </a:p>
           <a:p>
             <a:pPr lvl="0"/>
             <a:r>
-              <a:rPr/>
               <a:t>DON’T BLINDLY PASTE WIKI COMMANDS</a:t>
             </a:r>
           </a:p>
@@ -4787,6 +5481,9 @@
       </p:sp>
     </p:spTree>
   </p:cSld>
+  <p:clrMapOvr>
+    <a:masterClrMapping/>
+  </p:clrMapOvr>
 </p:sld>
 </file>
 
@@ -4817,23 +5514,23 @@
             <p:ph type="title"/>
           </p:nvPr>
         </p:nvSpPr>
-        <p:spPr>
-          <a:xfrm>
-            <a:off x="457201" y="204787"/>
-            <a:ext cx="3008313" cy="871538"/>
-          </a:xfrm>
-        </p:spPr>
-        <p:txBody>
-          <a:bodyPr/>
-          <a:lstStyle/>
-          <a:p>
-            <a:pPr lvl="0" indent="0" marL="0">
+        <p:spPr/>
+        <p:txBody>
+          <a:bodyPr vert="horz" lIns="91440" tIns="45720" rIns="91440" bIns="45720" rtlCol="0" anchor="b">
+            <a:noAutofit/>
+          </a:bodyPr>
+          <a:lstStyle/>
+          <a:p>
+            <a:pPr marL="0" lvl="0" indent="0">
               <a:buNone/>
             </a:pPr>
             <a:r>
-              <a:rPr/>
+              <a:rPr sz="5400" dirty="0"/>
               <a:t>How to use the Wiki</a:t>
             </a:r>
+            <a:endParaRPr lang="en-US" sz="5400" dirty="0">
+              <a:cs typeface="Calibri Light"/>
+            </a:endParaRPr>
           </a:p>
         </p:txBody>
       </p:sp>
@@ -4844,24 +5541,22 @@
             <a:spLocks noGrp="1"/>
           </p:cNvSpPr>
           <p:nvPr>
-            <p:ph idx="2" sz="half" type="body"/>
-          </p:nvPr>
-        </p:nvSpPr>
-        <p:spPr/>
-        <p:txBody>
-          <a:bodyPr/>
-          <a:lstStyle/>
-          <a:p>
-            <a:pPr lvl="0"/>
-            <a:r>
-              <a:rPr/>
+            <p:ph type="body" sz="half" idx="2"/>
+          </p:nvPr>
+        </p:nvSpPr>
+        <p:spPr/>
+        <p:txBody>
+          <a:bodyPr/>
+          <a:lstStyle/>
+          <a:p>
+            <a:pPr lvl="0"/>
+            <a:r>
               <a:t>the wiki is a tree</a:t>
             </a:r>
           </a:p>
           <a:p>
             <a:pPr lvl="0"/>
             <a:r>
-              <a:rPr/>
               <a:t>if you don’t traverse the tree, you won’t find what you want</a:t>
             </a:r>
           </a:p>
@@ -4869,7 +5564,7 @@
       </p:sp>
       <p:pic>
         <p:nvPicPr>
-          <p:cNvPr descr="wiki.png" id="0" name="Picture 1"/>
+          <p:cNvPr id="3" name="Picture 1" descr="wiki.png"/>
           <p:cNvPicPr>
             <a:picLocks noGrp="1" noChangeAspect="1"/>
           </p:cNvPicPr>
@@ -4899,6 +5594,9 @@
       </p:pic>
     </p:spTree>
   </p:cSld>
+  <p:clrMapOvr>
+    <a:masterClrMapping/>
+  </p:clrMapOvr>
 </p:sld>
 </file>
 
@@ -4934,11 +5632,10 @@
           <a:bodyPr/>
           <a:lstStyle/>
           <a:p>
-            <a:pPr lvl="0" indent="0" marL="0">
+            <a:pPr marL="0" lvl="0" indent="0">
               <a:buNone/>
             </a:pPr>
             <a:r>
-              <a:rPr/>
               <a:t>Preparation</a:t>
             </a:r>
           </a:p>
@@ -4961,42 +5658,36 @@
           <a:p>
             <a:pPr lvl="0"/>
             <a:r>
-              <a:rPr/>
               <a:t>examining hardware</a:t>
             </a:r>
           </a:p>
           <a:p>
             <a:pPr lvl="0"/>
             <a:r>
-              <a:rPr/>
               <a:t>choosing a disk layout</a:t>
             </a:r>
           </a:p>
           <a:p>
             <a:pPr lvl="1"/>
             <a:r>
-              <a:rPr/>
               <a:t>ext/xfs</a:t>
             </a:r>
           </a:p>
           <a:p>
             <a:pPr lvl="1"/>
             <a:r>
-              <a:rPr/>
               <a:t>“bUt wHaT aBoUt ZFS!?!</a:t>
             </a:r>
           </a:p>
           <a:p>
             <a:pPr lvl="1"/>
             <a:r>
-              <a:rPr/>
               <a:t>what about zfs’ baby brother</a:t>
             </a:r>
           </a:p>
           <a:p>
             <a:pPr lvl="0"/>
             <a:r>
-              <a:rPr/>
               <a:t>choosing a boot toolchain</a:t>
             </a:r>
           </a:p>
@@ -5004,6 +5695,9 @@
       </p:sp>
     </p:spTree>
   </p:cSld>
+  <p:clrMapOvr>
+    <a:masterClrMapping/>
+  </p:clrMapOvr>
 </p:sld>
 </file>
 
@@ -5039,11 +5733,10 @@
           <a:bodyPr/>
           <a:lstStyle/>
           <a:p>
-            <a:pPr lvl="0" indent="0" marL="0">
+            <a:pPr marL="0" lvl="0" indent="0">
               <a:buNone/>
             </a:pPr>
             <a:r>
-              <a:rPr/>
               <a:t>Choosing an environment</a:t>
             </a:r>
           </a:p>
@@ -5056,38 +5749,34 @@
             <a:spLocks noGrp="1"/>
           </p:cNvSpPr>
           <p:nvPr>
-            <p:ph idx="1" sz="half"/>
-          </p:nvPr>
-        </p:nvSpPr>
-        <p:spPr/>
-        <p:txBody>
-          <a:bodyPr/>
-          <a:lstStyle/>
-          <a:p>
-            <a:pPr lvl="0"/>
-            <a:r>
-              <a:rPr/>
+            <p:ph sz="half" idx="1"/>
+          </p:nvPr>
+        </p:nvSpPr>
+        <p:spPr/>
+        <p:txBody>
+          <a:bodyPr/>
+          <a:lstStyle/>
+          <a:p>
+            <a:pPr lvl="0"/>
+            <a:r>
               <a:t>FULL DE’s</a:t>
             </a:r>
           </a:p>
           <a:p>
             <a:pPr lvl="1"/>
             <a:r>
-              <a:rPr/>
               <a:t>gnome</a:t>
             </a:r>
           </a:p>
           <a:p>
             <a:pPr lvl="1"/>
             <a:r>
-              <a:rPr/>
               <a:t>kde</a:t>
             </a:r>
           </a:p>
           <a:p>
             <a:pPr lvl="1"/>
             <a:r>
-              <a:rPr/>
               <a:t>cinnamon</a:t>
             </a:r>
           </a:p>
@@ -5100,59 +5789,52 @@
             <a:spLocks noGrp="1"/>
           </p:cNvSpPr>
           <p:nvPr>
-            <p:ph idx="2" sz="half"/>
-          </p:nvPr>
-        </p:nvSpPr>
-        <p:spPr/>
-        <p:txBody>
-          <a:bodyPr/>
-          <a:lstStyle/>
-          <a:p>
-            <a:pPr lvl="0"/>
-            <a:r>
-              <a:rPr/>
+            <p:ph sz="half" idx="2"/>
+          </p:nvPr>
+        </p:nvSpPr>
+        <p:spPr/>
+        <p:txBody>
+          <a:bodyPr/>
+          <a:lstStyle/>
+          <a:p>
+            <a:pPr lvl="0"/>
+            <a:r>
               <a:t>BYO DE’s</a:t>
             </a:r>
           </a:p>
           <a:p>
             <a:pPr lvl="1"/>
             <a:r>
-              <a:rPr/>
               <a:t>xfce</a:t>
             </a:r>
           </a:p>
           <a:p>
             <a:pPr lvl="1"/>
             <a:r>
-              <a:rPr/>
               <a:t>lxqt</a:t>
             </a:r>
           </a:p>
           <a:p>
             <a:pPr lvl="0"/>
             <a:r>
-              <a:rPr/>
               <a:t>TWM’s</a:t>
             </a:r>
           </a:p>
           <a:p>
             <a:pPr lvl="1"/>
             <a:r>
-              <a:rPr/>
               <a:t>i3</a:t>
             </a:r>
           </a:p>
           <a:p>
             <a:pPr lvl="1"/>
             <a:r>
-              <a:rPr/>
               <a:t>sway</a:t>
             </a:r>
           </a:p>
           <a:p>
             <a:pPr lvl="1"/>
             <a:r>
-              <a:rPr/>
               <a:t>hyprland</a:t>
             </a:r>
           </a:p>
@@ -5160,6 +5842,9 @@
       </p:sp>
     </p:spTree>
   </p:cSld>
+  <p:clrMapOvr>
+    <a:masterClrMapping/>
+  </p:clrMapOvr>
 </p:sld>
 </file>
 
@@ -5195,11 +5880,10 @@
           <a:bodyPr/>
           <a:lstStyle/>
           <a:p>
-            <a:pPr lvl="0" indent="0" marL="0">
+            <a:pPr marL="0" lvl="0" indent="0">
               <a:buNone/>
             </a:pPr>
             <a:r>
-              <a:rPr/>
               <a:t>Preparation cont.</a:t>
             </a:r>
           </a:p>
@@ -5222,28 +5906,24 @@
           <a:p>
             <a:pPr lvl="0"/>
             <a:r>
-              <a:rPr/>
               <a:t>Security considerations</a:t>
             </a:r>
           </a:p>
           <a:p>
             <a:pPr lvl="1"/>
             <a:r>
-              <a:rPr/>
               <a:t>secure boot</a:t>
             </a:r>
           </a:p>
           <a:p>
             <a:pPr lvl="1"/>
             <a:r>
-              <a:rPr/>
               <a:t>encryption</a:t>
             </a:r>
           </a:p>
           <a:p>
             <a:pPr lvl="1"/>
             <a:r>
-              <a:rPr/>
               <a:t>boot toolchain considerations</a:t>
             </a:r>
           </a:p>
@@ -5251,6 +5931,9 @@
       </p:sp>
     </p:spTree>
   </p:cSld>
+  <p:clrMapOvr>
+    <a:masterClrMapping/>
+  </p:clrMapOvr>
 </p:sld>
 </file>
 
@@ -5281,21 +5964,18 @@
             <p:ph type="title"/>
           </p:nvPr>
         </p:nvSpPr>
-        <p:spPr>
-          <a:xfrm>
-            <a:off x="722313" y="3305176"/>
-            <a:ext cx="7772400" cy="1021556"/>
-          </a:xfrm>
-        </p:spPr>
-        <p:txBody>
-          <a:bodyPr/>
-          <a:lstStyle/>
-          <a:p>
-            <a:pPr lvl="0" indent="0" marL="0">
+        <p:spPr/>
+        <p:txBody>
+          <a:bodyPr>
+            <a:normAutofit/>
+          </a:bodyPr>
+          <a:lstStyle/>
+          <a:p>
+            <a:pPr marL="0" lvl="0" indent="0">
               <a:buNone/>
             </a:pPr>
             <a:r>
-              <a:rPr/>
+              <a:rPr sz="8800" dirty="0"/>
               <a:t>Installation</a:t>
             </a:r>
           </a:p>
@@ -5303,6 +5983,9 @@
       </p:sp>
     </p:spTree>
   </p:cSld>
+  <p:clrMapOvr>
+    <a:masterClrMapping/>
+  </p:clrMapOvr>
 </p:sld>
 </file>
 
@@ -5338,11 +6021,10 @@
           <a:bodyPr/>
           <a:lstStyle/>
           <a:p>
-            <a:pPr lvl="0" indent="0" marL="0">
+            <a:pPr marL="0" lvl="0" indent="0">
               <a:buNone/>
             </a:pPr>
             <a:r>
-              <a:rPr/>
               <a:t>Obtain/create installation media</a:t>
             </a:r>
           </a:p>
@@ -5355,41 +6037,87 @@
             <a:spLocks noGrp="1"/>
           </p:cNvSpPr>
           <p:nvPr>
-            <p:ph idx="1" type="body"/>
-          </p:nvPr>
-        </p:nvSpPr>
-        <p:spPr/>
-        <p:txBody>
-          <a:bodyPr/>
-          <a:lstStyle/>
-          <a:p>
-            <a:pPr lvl="0"/>
-            <a:r>
-              <a:rPr/>
-              <a:t>on macOS and linux: use </a:t>
-            </a:r>
-            <a:r>
-              <a:rPr>
+            <p:ph type="body" idx="1"/>
+          </p:nvPr>
+        </p:nvSpPr>
+        <p:spPr/>
+        <p:txBody>
+          <a:bodyPr vert="horz" lIns="91440" tIns="45720" rIns="91440" bIns="45720" rtlCol="0" anchor="ctr">
+            <a:noAutofit/>
+          </a:bodyPr>
+          <a:lstStyle/>
+          <a:p>
+            <a:pPr lvl="0"/>
+            <a:r>
+              <a:rPr sz="2000" dirty="0"/>
+              <a:t>on macOS and </a:t>
+            </a:r>
+            <a:r>
+              <a:rPr sz="2000" err="1"/>
+              <a:t>linux</a:t>
+            </a:r>
+            <a:r>
+              <a:rPr sz="2000" dirty="0"/>
+              <a:t>: use </a:t>
+            </a:r>
+            <a:r>
+              <a:rPr sz="2000" dirty="0">
                 <a:latin typeface="Courier"/>
               </a:rPr>
               <a:t>curl</a:t>
             </a:r>
             <a:r>
-              <a:rPr/>
+              <a:rPr sz="2000" dirty="0"/>
               <a:t> and </a:t>
             </a:r>
             <a:r>
-              <a:rPr>
+              <a:rPr sz="2000" dirty="0">
                 <a:latin typeface="Courier"/>
               </a:rPr>
               <a:t>dd</a:t>
             </a:r>
+            <a:endParaRPr lang="en-US" sz="2000" dirty="0">
+              <a:latin typeface="Courier"/>
+            </a:endParaRPr>
+          </a:p>
+        </p:txBody>
+      </p:sp>
+      <p:sp>
+        <p:nvSpPr>
+          <p:cNvPr id="5" name="Text Placeholder 4"/>
+          <p:cNvSpPr>
+            <a:spLocks noGrp="1"/>
+          </p:cNvSpPr>
+          <p:nvPr>
+            <p:ph type="body" sz="quarter" idx="3"/>
+          </p:nvPr>
+        </p:nvSpPr>
+        <p:spPr>
+          <a:xfrm>
+            <a:off x="4663440" y="1228057"/>
+            <a:ext cx="3703320" cy="552212"/>
+          </a:xfrm>
+        </p:spPr>
+        <p:txBody>
+          <a:bodyPr>
+            <a:noAutofit/>
+          </a:bodyPr>
+          <a:lstStyle/>
+          <a:p>
+            <a:pPr lvl="0"/>
+            <a:r>
+              <a:rPr sz="2000" dirty="0"/>
+              <a:t>on windows: use rufus</a:t>
+            </a:r>
+            <a:endParaRPr lang="en-US" sz="2000">
+              <a:cs typeface="Calibri"/>
+            </a:endParaRPr>
           </a:p>
         </p:txBody>
       </p:sp>
       <p:pic>
         <p:nvPicPr>
-          <p:cNvPr descr="dd.png" id="0" name="Picture 1"/>
+          <p:cNvPr id="4" name="Picture 1" descr="dd.png"/>
           <p:cNvPicPr>
             <a:picLocks noGrp="1" noChangeAspect="1"/>
           </p:cNvPicPr>
@@ -5417,32 +6145,9 @@
           </a:ln>
         </p:spPr>
       </p:pic>
-      <p:sp>
-        <p:nvSpPr>
-          <p:cNvPr id="5" name="Text Placeholder 4"/>
-          <p:cNvSpPr>
-            <a:spLocks noGrp="1"/>
-          </p:cNvSpPr>
-          <p:nvPr>
-            <p:ph idx="3" sz="quarter" type="body"/>
-          </p:nvPr>
-        </p:nvSpPr>
-        <p:spPr/>
-        <p:txBody>
-          <a:bodyPr/>
-          <a:lstStyle/>
-          <a:p>
-            <a:pPr lvl="0"/>
-            <a:r>
-              <a:rPr/>
-              <a:t>on windows: use rufus</a:t>
-            </a:r>
-          </a:p>
-        </p:txBody>
-      </p:sp>
       <p:pic>
         <p:nvPicPr>
-          <p:cNvPr descr="rufus.png" id="0" name="Picture 1"/>
+          <p:cNvPr id="6" name="Picture 1" descr="rufus.png"/>
           <p:cNvPicPr>
             <a:picLocks noGrp="1" noChangeAspect="1"/>
           </p:cNvPicPr>
@@ -5472,13 +6177,16 @@
       </p:pic>
     </p:spTree>
   </p:cSld>
+  <p:clrMapOvr>
+    <a:masterClrMapping/>
+  </p:clrMapOvr>
 </p:sld>
 </file>
 
 <file path=ppt/theme/theme1.xml><?xml version="1.0" encoding="utf-8"?>
-<a:theme xmlns:a="http://schemas.openxmlformats.org/drawingml/2006/main" name="Office Theme">
+<a:theme xmlns:a="http://schemas.openxmlformats.org/drawingml/2006/main" name="Retrospect">
   <a:themeElements>
-    <a:clrScheme name="Office">
+    <a:clrScheme name="Retrospect">
       <a:dk1>
         <a:sysClr val="windowText" lastClr="000000"/>
       </a:dk1>
@@ -5486,357 +6194,37 @@
         <a:sysClr val="window" lastClr="FFFFFF"/>
       </a:lt1>
       <a:dk2>
-        <a:srgbClr val="1F497D"/>
+        <a:srgbClr val="564B3C"/>
       </a:dk2>
       <a:lt2>
-        <a:srgbClr val="EEECE1"/>
+        <a:srgbClr val="ECEDD1"/>
       </a:lt2>
       <a:accent1>
-        <a:srgbClr val="4F81BD"/>
+        <a:srgbClr val="93A299"/>
       </a:accent1>
       <a:accent2>
-        <a:srgbClr val="C0504D"/>
+        <a:srgbClr val="CF543F"/>
       </a:accent2>
       <a:accent3>
-        <a:srgbClr val="9BBB59"/>
+        <a:srgbClr val="B5AE53"/>
       </a:accent3>
       <a:accent4>
-        <a:srgbClr val="8064A2"/>
+        <a:srgbClr val="848058"/>
       </a:accent4>
       <a:accent5>
-        <a:srgbClr val="4BACC6"/>
+        <a:srgbClr val="E8B54D"/>
       </a:accent5>
       <a:accent6>
-        <a:srgbClr val="F79646"/>
+        <a:srgbClr val="786C71"/>
       </a:accent6>
       <a:hlink>
-        <a:srgbClr val="0000FF"/>
+        <a:srgbClr val="CCCC00"/>
       </a:hlink>
       <a:folHlink>
-        <a:srgbClr val="800080"/>
+        <a:srgbClr val="B2B2B2"/>
       </a:folHlink>
     </a:clrScheme>
-    <a:fontScheme name="Office">
-      <a:majorFont>
-        <a:latin typeface="Calibri"/>
-        <a:ea typeface=""/>
-        <a:cs typeface=""/>
-        <a:font script="Jpan" typeface="ＭＳ Ｐゴシック"/>
-        <a:font script="Hang" typeface="맑은 고딕"/>
-        <a:font script="Hans" typeface="宋体"/>
-        <a:font script="Hant" typeface="新細明體"/>
-        <a:font script="Arab" typeface="Times New Roman"/>
-        <a:font script="Hebr" typeface="Times New Roman"/>
-        <a:font script="Thai" typeface="Angsana New"/>
-        <a:font script="Ethi" typeface="Nyala"/>
-        <a:font script="Beng" typeface="Vrinda"/>
-        <a:font script="Gujr" typeface="Shruti"/>
-        <a:font script="Khmr" typeface="MoolBoran"/>
-        <a:font script="Knda" typeface="Tunga"/>
-        <a:font script="Guru" typeface="Raavi"/>
-        <a:font script="Cans" typeface="Euphemia"/>
-        <a:font script="Cher" typeface="Plantagenet Cherokee"/>
-        <a:font script="Yiii" typeface="Microsoft Yi Baiti"/>
-        <a:font script="Tibt" typeface="Microsoft Himalaya"/>
-        <a:font script="Thaa" typeface="MV Boli"/>
-        <a:font script="Deva" typeface="Mangal"/>
-        <a:font script="Telu" typeface="Gautami"/>
-        <a:font script="Taml" typeface="Latha"/>
-        <a:font script="Syrc" typeface="Estrangelo Edessa"/>
-        <a:font script="Orya" typeface="Kalinga"/>
-        <a:font script="Mlym" typeface="Kartika"/>
-        <a:font script="Laoo" typeface="DokChampa"/>
-        <a:font script="Sinh" typeface="Iskoola Pota"/>
-        <a:font script="Mong" typeface="Mongolian Baiti"/>
-        <a:font script="Viet" typeface="Times New Roman"/>
-        <a:font script="Uigh" typeface="Microsoft Uighur"/>
-        <a:font script="Geor" typeface="Sylfaen"/>
-      </a:majorFont>
-      <a:minorFont>
-        <a:latin typeface="Calibri"/>
-        <a:ea typeface=""/>
-        <a:cs typeface=""/>
-        <a:font script="Jpan" typeface="ＭＳ Ｐゴシック"/>
-        <a:font script="Hang" typeface="맑은 고딕"/>
-        <a:font script="Hans" typeface="宋体"/>
-        <a:font script="Hant" typeface="新細明體"/>
-        <a:font script="Arab" typeface="Arial"/>
-        <a:font script="Hebr" typeface="Arial"/>
-        <a:font script="Thai" typeface="Cordia New"/>
-        <a:font script="Ethi" typeface="Nyala"/>
-        <a:font script="Beng" typeface="Vrinda"/>
-        <a:font script="Gujr" typeface="Shruti"/>
-        <a:font script="Khmr" typeface="DaunPenh"/>
-        <a:font script="Knda" typeface="Tunga"/>
-        <a:font script="Guru" typeface="Raavi"/>
-        <a:font script="Cans" typeface="Euphemia"/>
-        <a:font script="Cher" typeface="Plantagenet Cherokee"/>
-        <a:font script="Yiii" typeface="Microsoft Yi Baiti"/>
-        <a:font script="Tibt" typeface="Microsoft Himalaya"/>
-        <a:font script="Thaa" typeface="MV Boli"/>
-        <a:font script="Deva" typeface="Mangal"/>
-        <a:font script="Telu" typeface="Gautami"/>
-        <a:font script="Taml" typeface="Latha"/>
-        <a:font script="Syrc" typeface="Estrangelo Edessa"/>
-        <a:font script="Orya" typeface="Kalinga"/>
-        <a:font script="Mlym" typeface="Kartika"/>
-        <a:font script="Laoo" typeface="DokChampa"/>
-        <a:font script="Sinh" typeface="Iskoola Pota"/>
-        <a:font script="Mong" typeface="Mongolian Baiti"/>
-        <a:font script="Viet" typeface="Arial"/>
-        <a:font script="Uigh" typeface="Microsoft Uighur"/>
-        <a:font script="Geor" typeface="Sylfaen"/>
-      </a:minorFont>
-    </a:fontScheme>
-    <a:fmtScheme name="Office">
-      <a:fillStyleLst>
-        <a:solidFill>
-          <a:schemeClr val="phClr"/>
-        </a:solidFill>
-        <a:gradFill rotWithShape="1">
-          <a:gsLst>
-            <a:gs pos="0">
-              <a:schemeClr val="phClr">
-                <a:tint val="50000"/>
-                <a:satMod val="300000"/>
-              </a:schemeClr>
-            </a:gs>
-            <a:gs pos="35000">
-              <a:schemeClr val="phClr">
-                <a:tint val="37000"/>
-                <a:satMod val="300000"/>
-              </a:schemeClr>
-            </a:gs>
-            <a:gs pos="100000">
-              <a:schemeClr val="phClr">
-                <a:tint val="15000"/>
-                <a:satMod val="350000"/>
-              </a:schemeClr>
-            </a:gs>
-          </a:gsLst>
-          <a:lin ang="16200000" scaled="1"/>
-        </a:gradFill>
-        <a:gradFill rotWithShape="1">
-          <a:gsLst>
-            <a:gs pos="0">
-              <a:schemeClr val="phClr">
-                <a:tint val="100000"/>
-                <a:shade val="100000"/>
-                <a:satMod val="130000"/>
-              </a:schemeClr>
-            </a:gs>
-            <a:gs pos="100000">
-              <a:schemeClr val="phClr">
-                <a:tint val="50000"/>
-                <a:shade val="100000"/>
-                <a:satMod val="350000"/>
-              </a:schemeClr>
-            </a:gs>
-          </a:gsLst>
-          <a:lin ang="16200000" scaled="0"/>
-        </a:gradFill>
-      </a:fillStyleLst>
-      <a:lnStyleLst>
-        <a:ln w="9525" cap="flat" cmpd="sng" algn="ctr">
-          <a:solidFill>
-            <a:schemeClr val="phClr">
-              <a:shade val="95000"/>
-              <a:satMod val="105000"/>
-            </a:schemeClr>
-          </a:solidFill>
-          <a:prstDash val="solid"/>
-        </a:ln>
-        <a:ln w="25400" cap="flat" cmpd="sng" algn="ctr">
-          <a:solidFill>
-            <a:schemeClr val="phClr"/>
-          </a:solidFill>
-          <a:prstDash val="solid"/>
-        </a:ln>
-        <a:ln w="38100" cap="flat" cmpd="sng" algn="ctr">
-          <a:solidFill>
-            <a:schemeClr val="phClr"/>
-          </a:solidFill>
-          <a:prstDash val="solid"/>
-        </a:ln>
-      </a:lnStyleLst>
-      <a:effectStyleLst>
-        <a:effectStyle>
-          <a:effectLst>
-            <a:outerShdw blurRad="40000" dist="20000" dir="5400000" rotWithShape="0">
-              <a:srgbClr val="000000">
-                <a:alpha val="38000"/>
-              </a:srgbClr>
-            </a:outerShdw>
-          </a:effectLst>
-        </a:effectStyle>
-        <a:effectStyle>
-          <a:effectLst>
-            <a:outerShdw blurRad="40000" dist="23000" dir="5400000" rotWithShape="0">
-              <a:srgbClr val="000000">
-                <a:alpha val="35000"/>
-              </a:srgbClr>
-            </a:outerShdw>
-          </a:effectLst>
-        </a:effectStyle>
-        <a:effectStyle>
-          <a:effectLst>
-            <a:outerShdw blurRad="40000" dist="23000" dir="5400000" rotWithShape="0">
-              <a:srgbClr val="000000">
-                <a:alpha val="35000"/>
-              </a:srgbClr>
-            </a:outerShdw>
-          </a:effectLst>
-          <a:scene3d>
-            <a:camera prst="orthographicFront">
-              <a:rot lat="0" lon="0" rev="0"/>
-            </a:camera>
-            <a:lightRig rig="threePt" dir="t">
-              <a:rot lat="0" lon="0" rev="1200000"/>
-            </a:lightRig>
-          </a:scene3d>
-          <a:sp3d>
-            <a:bevelT w="63500" h="25400"/>
-          </a:sp3d>
-        </a:effectStyle>
-      </a:effectStyleLst>
-      <a:bgFillStyleLst>
-        <a:solidFill>
-          <a:schemeClr val="phClr"/>
-        </a:solidFill>
-        <a:gradFill rotWithShape="1">
-          <a:gsLst>
-            <a:gs pos="0">
-              <a:schemeClr val="phClr">
-                <a:tint val="40000"/>
-                <a:satMod val="350000"/>
-              </a:schemeClr>
-            </a:gs>
-            <a:gs pos="40000">
-              <a:schemeClr val="phClr">
-                <a:tint val="45000"/>
-                <a:shade val="99000"/>
-                <a:satMod val="350000"/>
-              </a:schemeClr>
-            </a:gs>
-            <a:gs pos="100000">
-              <a:schemeClr val="phClr">
-                <a:shade val="20000"/>
-                <a:satMod val="255000"/>
-              </a:schemeClr>
-            </a:gs>
-          </a:gsLst>
-          <a:path path="circle">
-            <a:fillToRect l="50000" t="-80000" r="50000" b="180000"/>
-          </a:path>
-        </a:gradFill>
-        <a:gradFill rotWithShape="1">
-          <a:gsLst>
-            <a:gs pos="0">
-              <a:schemeClr val="phClr">
-                <a:tint val="80000"/>
-                <a:satMod val="300000"/>
-              </a:schemeClr>
-            </a:gs>
-            <a:gs pos="100000">
-              <a:schemeClr val="phClr">
-                <a:shade val="30000"/>
-                <a:satMod val="200000"/>
-              </a:schemeClr>
-            </a:gs>
-          </a:gsLst>
-          <a:path path="circle">
-            <a:fillToRect l="50000" t="50000" r="50000" b="50000"/>
-          </a:path>
-        </a:gradFill>
-      </a:bgFillStyleLst>
-    </a:fmtScheme>
-  </a:themeElements>
-  <a:objectDefaults>
-    <a:spDef>
-      <a:spPr/>
-      <a:bodyPr/>
-      <a:lstStyle/>
-      <a:style>
-        <a:lnRef idx="1">
-          <a:schemeClr val="accent1"/>
-        </a:lnRef>
-        <a:fillRef idx="3">
-          <a:schemeClr val="accent1"/>
-        </a:fillRef>
-        <a:effectRef idx="2">
-          <a:schemeClr val="accent1"/>
-        </a:effectRef>
-        <a:fontRef idx="minor">
-          <a:schemeClr val="lt1"/>
-        </a:fontRef>
-      </a:style>
-    </a:spDef>
-    <a:lnDef>
-      <a:spPr/>
-      <a:bodyPr/>
-      <a:lstStyle/>
-      <a:style>
-        <a:lnRef idx="2">
-          <a:schemeClr val="accent1"/>
-        </a:lnRef>
-        <a:fillRef idx="0">
-          <a:schemeClr val="accent1"/>
-        </a:fillRef>
-        <a:effectRef idx="1">
-          <a:schemeClr val="accent1"/>
-        </a:effectRef>
-        <a:fontRef idx="minor">
-          <a:schemeClr val="tx1"/>
-        </a:fontRef>
-      </a:style>
-    </a:lnDef>
-  </a:objectDefaults>
-  <a:extraClrSchemeLst/>
-</a:theme>
-</file>
-
-<file path=ppt/theme/theme2.xml><?xml version="1.0" encoding="utf-8"?>
-<a:theme xmlns:a="http://schemas.openxmlformats.org/drawingml/2006/main" name="Office Theme">
-  <a:themeElements>
-    <a:clrScheme name="Office">
-      <a:dk1>
-        <a:sysClr val="windowText" lastClr="000000"/>
-      </a:dk1>
-      <a:lt1>
-        <a:sysClr val="window" lastClr="FFFFFF"/>
-      </a:lt1>
-      <a:dk2>
-        <a:srgbClr val="44546A"/>
-      </a:dk2>
-      <a:lt2>
-        <a:srgbClr val="E7E6E6"/>
-      </a:lt2>
-      <a:accent1>
-        <a:srgbClr val="5B9BD5"/>
-      </a:accent1>
-      <a:accent2>
-        <a:srgbClr val="ED7D31"/>
-      </a:accent2>
-      <a:accent3>
-        <a:srgbClr val="A5A5A5"/>
-      </a:accent3>
-      <a:accent4>
-        <a:srgbClr val="FFC000"/>
-      </a:accent4>
-      <a:accent5>
-        <a:srgbClr val="4472C4"/>
-      </a:accent5>
-      <a:accent6>
-        <a:srgbClr val="70AD47"/>
-      </a:accent6>
-      <a:hlink>
-        <a:srgbClr val="0563C1"/>
-      </a:hlink>
-      <a:folHlink>
-        <a:srgbClr val="954F72"/>
-      </a:folHlink>
-    </a:clrScheme>
-    <a:fontScheme name="Office">
+    <a:fontScheme name="Retrospect">
       <a:majorFont>
         <a:latin typeface="Calibri Light" panose="020F0302020204030204"/>
         <a:ea typeface=""/>
@@ -5908,7 +6296,7 @@
         <a:font script="Geor" typeface="Sylfaen"/>
       </a:minorFont>
     </a:fontScheme>
-    <a:fmtScheme name="Office">
+    <a:fmtScheme name="Retrospect">
       <a:fillStyleLst>
         <a:solidFill>
           <a:schemeClr val="phClr"/>
@@ -5917,76 +6305,81 @@
           <a:gsLst>
             <a:gs pos="0">
               <a:schemeClr val="phClr">
-                <a:lumMod val="110000"/>
-                <a:satMod val="105000"/>
-                <a:tint val="67000"/>
+                <a:tint val="65000"/>
+                <a:shade val="92000"/>
+                <a:satMod val="130000"/>
               </a:schemeClr>
             </a:gs>
-            <a:gs pos="50000">
+            <a:gs pos="45000">
               <a:schemeClr val="phClr">
-                <a:lumMod val="105000"/>
-                <a:satMod val="103000"/>
-                <a:tint val="73000"/>
+                <a:tint val="60000"/>
+                <a:shade val="99000"/>
+                <a:satMod val="120000"/>
               </a:schemeClr>
             </a:gs>
             <a:gs pos="100000">
               <a:schemeClr val="phClr">
-                <a:lumMod val="105000"/>
-                <a:satMod val="109000"/>
-                <a:tint val="81000"/>
+                <a:tint val="55000"/>
+                <a:satMod val="140000"/>
               </a:schemeClr>
             </a:gs>
           </a:gsLst>
-          <a:lin ang="5400000" scaled="0"/>
+          <a:path path="circle">
+            <a:fillToRect l="100000" t="100000" r="100000" b="100000"/>
+          </a:path>
         </a:gradFill>
         <a:gradFill rotWithShape="1">
           <a:gsLst>
             <a:gs pos="0">
               <a:schemeClr val="phClr">
-                <a:satMod val="103000"/>
-                <a:lumMod val="102000"/>
-                <a:tint val="94000"/>
+                <a:shade val="85000"/>
+                <a:satMod val="130000"/>
               </a:schemeClr>
             </a:gs>
-            <a:gs pos="50000">
+            <a:gs pos="34000">
               <a:schemeClr val="phClr">
-                <a:satMod val="110000"/>
-                <a:lumMod val="100000"/>
-                <a:shade val="100000"/>
+                <a:shade val="87000"/>
+                <a:satMod val="125000"/>
+              </a:schemeClr>
+            </a:gs>
+            <a:gs pos="70000">
+              <a:schemeClr val="phClr">
+                <a:tint val="100000"/>
+                <a:shade val="90000"/>
+                <a:satMod val="130000"/>
               </a:schemeClr>
             </a:gs>
             <a:gs pos="100000">
               <a:schemeClr val="phClr">
-                <a:lumMod val="99000"/>
-                <a:satMod val="120000"/>
-                <a:shade val="78000"/>
+                <a:tint val="100000"/>
+                <a:shade val="100000"/>
+                <a:satMod val="110000"/>
               </a:schemeClr>
             </a:gs>
           </a:gsLst>
-          <a:lin ang="5400000" scaled="0"/>
+          <a:path path="circle">
+            <a:fillToRect l="100000" t="100000" r="100000" b="100000"/>
+          </a:path>
         </a:gradFill>
       </a:fillStyleLst>
       <a:lnStyleLst>
-        <a:ln w="6350" cap="flat" cmpd="sng" algn="ctr">
-          <a:solidFill>
-            <a:schemeClr val="phClr"/>
-          </a:solidFill>
-          <a:prstDash val="solid"/>
-          <a:miter lim="800000"/>
-        </a:ln>
         <a:ln w="12700" cap="flat" cmpd="sng" algn="ctr">
           <a:solidFill>
             <a:schemeClr val="phClr"/>
           </a:solidFill>
           <a:prstDash val="solid"/>
-          <a:miter lim="800000"/>
         </a:ln>
-        <a:ln w="19050" cap="flat" cmpd="sng" algn="ctr">
+        <a:ln w="15875" cap="flat" cmpd="sng" algn="ctr">
           <a:solidFill>
             <a:schemeClr val="phClr"/>
           </a:solidFill>
           <a:prstDash val="solid"/>
-          <a:miter lim="800000"/>
+        </a:ln>
+        <a:ln w="25400" cap="flat" cmpd="sng" algn="ctr">
+          <a:solidFill>
+            <a:schemeClr val="phClr"/>
+          </a:solidFill>
+          <a:prstDash val="solid"/>
         </a:ln>
       </a:lnStyleLst>
       <a:effectStyleLst>
@@ -5994,16 +6387,33 @@
           <a:effectLst/>
         </a:effectStyle>
         <a:effectStyle>
-          <a:effectLst/>
+          <a:effectLst>
+            <a:outerShdw blurRad="38100" dist="25400" dir="2700000" algn="br" rotWithShape="0">
+              <a:srgbClr val="000000">
+                <a:alpha val="60000"/>
+              </a:srgbClr>
+            </a:outerShdw>
+          </a:effectLst>
         </a:effectStyle>
         <a:effectStyle>
           <a:effectLst>
-            <a:outerShdw blurRad="57150" dist="19050" dir="5400000" algn="ctr" rotWithShape="0">
+            <a:outerShdw blurRad="44450" dist="25400" dir="2700000" algn="br" rotWithShape="0">
               <a:srgbClr val="000000">
-                <a:alpha val="63000"/>
+                <a:alpha val="60000"/>
               </a:srgbClr>
             </a:outerShdw>
           </a:effectLst>
+          <a:scene3d>
+            <a:camera prst="orthographicFront">
+              <a:rot lat="0" lon="0" rev="0"/>
+            </a:camera>
+            <a:lightRig rig="threePt" dir="t">
+              <a:rot lat="0" lon="0" rev="19800000"/>
+            </a:lightRig>
+          </a:scene3d>
+          <a:sp3d prstMaterial="flat">
+            <a:bevelT w="25400" h="31750"/>
+          </a:sp3d>
         </a:effectStyle>
       </a:effectStyleLst>
       <a:bgFillStyleLst>
@@ -6012,36 +6422,36 @@
         </a:solidFill>
         <a:solidFill>
           <a:schemeClr val="phClr">
-            <a:tint val="95000"/>
-            <a:satMod val="170000"/>
+            <a:tint val="90000"/>
+            <a:shade val="97000"/>
+            <a:satMod val="130000"/>
           </a:schemeClr>
         </a:solidFill>
         <a:gradFill rotWithShape="1">
           <a:gsLst>
             <a:gs pos="0">
               <a:schemeClr val="phClr">
-                <a:tint val="93000"/>
-                <a:satMod val="150000"/>
-                <a:shade val="98000"/>
-                <a:lumMod val="102000"/>
+                <a:tint val="96000"/>
+                <a:shade val="99000"/>
+                <a:satMod val="140000"/>
               </a:schemeClr>
             </a:gs>
-            <a:gs pos="50000">
+            <a:gs pos="65000">
               <a:schemeClr val="phClr">
-                <a:tint val="98000"/>
+                <a:tint val="100000"/>
+                <a:shade val="80000"/>
                 <a:satMod val="130000"/>
-                <a:shade val="90000"/>
-                <a:lumMod val="103000"/>
               </a:schemeClr>
             </a:gs>
             <a:gs pos="100000">
               <a:schemeClr val="phClr">
-                <a:shade val="63000"/>
+                <a:tint val="100000"/>
+                <a:shade val="48000"/>
                 <a:satMod val="120000"/>
               </a:schemeClr>
             </a:gs>
           </a:gsLst>
-          <a:lin ang="5400000" scaled="0"/>
+          <a:lin ang="16200000" scaled="0"/>
         </a:gradFill>
       </a:bgFillStyleLst>
     </a:fmtScheme>
@@ -6050,7 +6460,7 @@
   <a:extraClrSchemeLst/>
   <a:extLst>
     <a:ext uri="{05A4C25C-085E-4340-85A3-A5531E510DB2}">
-      <thm15:themeFamily xmlns:thm15="http://schemas.microsoft.com/office/thememl/2012/main" name="Office Theme" id="{62F939B6-93AF-4DB8-9C6B-D6C7DFDC589F}" vid="{4A3C46E8-61CC-4603-A589-7422A47A8E4A}"/>
+      <thm15:themeFamily xmlns:thm15="http://schemas.microsoft.com/office/thememl/2012/main" name="Retrospect" id="{5F128B03-DCCA-4EEB-AB3B-CF2899314A46}" vid="{E3DA18C2-75F1-4980-A5F0-165F6F71DE6D}"/>
     </a:ext>
   </a:extLst>
 </a:theme>
